--- a/template.pptx
+++ b/template.pptx
@@ -8,7 +8,7 @@
     <p:notesMasterId r:id="rId6"/>
   </p:notesMasterIdLst>
   <p:sldIdLst>
-    <p:sldId id="257" r:id="rId5"/>
+    <p:sldId id="258" r:id="rId5"/>
   </p:sldIdLst>
   <p:sldSz cx="12192000" cy="6858000"/>
   <p:notesSz cx="6858000" cy="9144000"/>
@@ -1137,7 +1137,7 @@
           <a:p>
             <a:fld id="{46D1EE86-9B87-4AF3-B8C2-9695322ED5D4}" type="datetimeFigureOut">
               <a:rPr lang="en-US" smtClean="0"/>
-              <a:t>10/4/23</a:t>
+              <a:t>10/18/2023</a:t>
             </a:fld>
             <a:endParaRPr lang="en-US"/>
           </a:p>
@@ -1404,6 +1404,90 @@
 </p:notesMaster>
 </file>
 
+<file path=ppt/notesSlides/notesSlide1.xml><?xml version="1.0" encoding="utf-8"?>
+<p:notes xmlns:a="http://schemas.openxmlformats.org/drawingml/2006/main" xmlns:r="http://schemas.openxmlformats.org/officeDocument/2006/relationships" xmlns:p="http://schemas.openxmlformats.org/presentationml/2006/main">
+  <p:cSld>
+    <p:spTree>
+      <p:nvGrpSpPr>
+        <p:cNvPr id="1" name=""/>
+        <p:cNvGrpSpPr/>
+        <p:nvPr/>
+      </p:nvGrpSpPr>
+      <p:grpSpPr>
+        <a:xfrm>
+          <a:off x="0" y="0"/>
+          <a:ext cx="0" cy="0"/>
+          <a:chOff x="0" y="0"/>
+          <a:chExt cx="0" cy="0"/>
+        </a:xfrm>
+      </p:grpSpPr>
+      <p:sp>
+        <p:nvSpPr>
+          <p:cNvPr id="2" name="Slide Image Placeholder 1"/>
+          <p:cNvSpPr>
+            <a:spLocks noGrp="1" noRot="1" noChangeAspect="1"/>
+          </p:cNvSpPr>
+          <p:nvPr>
+            <p:ph type="sldImg"/>
+          </p:nvPr>
+        </p:nvSpPr>
+        <p:spPr/>
+      </p:sp>
+      <p:sp>
+        <p:nvSpPr>
+          <p:cNvPr id="3" name="Notes Placeholder 2"/>
+          <p:cNvSpPr>
+            <a:spLocks noGrp="1"/>
+          </p:cNvSpPr>
+          <p:nvPr>
+            <p:ph type="body" idx="1"/>
+          </p:nvPr>
+        </p:nvSpPr>
+        <p:spPr/>
+        <p:txBody>
+          <a:bodyPr/>
+          <a:lstStyle/>
+          <a:p>
+            <a:endParaRPr lang="en-US" dirty="0"/>
+          </a:p>
+        </p:txBody>
+      </p:sp>
+      <p:sp>
+        <p:nvSpPr>
+          <p:cNvPr id="4" name="Slide Number Placeholder 3"/>
+          <p:cNvSpPr>
+            <a:spLocks noGrp="1"/>
+          </p:cNvSpPr>
+          <p:nvPr>
+            <p:ph type="sldNum" sz="quarter" idx="5"/>
+          </p:nvPr>
+        </p:nvSpPr>
+        <p:spPr/>
+        <p:txBody>
+          <a:bodyPr/>
+          <a:lstStyle/>
+          <a:p>
+            <a:fld id="{1927C681-3F06-49BE-BF8C-F49FBF02716A}" type="slidenum">
+              <a:rPr lang="en-US" smtClean="0"/>
+              <a:t>1</a:t>
+            </a:fld>
+            <a:endParaRPr lang="en-US"/>
+          </a:p>
+        </p:txBody>
+      </p:sp>
+    </p:spTree>
+    <p:extLst>
+      <p:ext uri="{BB962C8B-B14F-4D97-AF65-F5344CB8AC3E}">
+        <p14:creationId xmlns:p14="http://schemas.microsoft.com/office/powerpoint/2010/main" val="424072816"/>
+      </p:ext>
+    </p:extLst>
+  </p:cSld>
+  <p:clrMapOvr>
+    <a:masterClrMapping/>
+  </p:clrMapOvr>
+</p:notes>
+</file>
+
 <file path=ppt/slideLayouts/slideLayout1.xml><?xml version="1.0" encoding="utf-8"?>
 <p:sldLayout xmlns:a="http://schemas.openxmlformats.org/drawingml/2006/main" xmlns:r="http://schemas.openxmlformats.org/officeDocument/2006/relationships" xmlns:p="http://schemas.openxmlformats.org/presentationml/2006/main" type="title" preserve="1">
   <p:cSld name="Title Slide">
@@ -1551,7 +1635,7 @@
           <a:p>
             <a:fld id="{E7A9DF80-B123-45A4-827C-E68847B10641}" type="datetimeFigureOut">
               <a:rPr lang="en-US" smtClean="0"/>
-              <a:t>10/4/23</a:t>
+              <a:t>10/18/2023</a:t>
             </a:fld>
             <a:endParaRPr lang="en-US"/>
           </a:p>
@@ -1749,7 +1833,7 @@
           <a:p>
             <a:fld id="{E7A9DF80-B123-45A4-827C-E68847B10641}" type="datetimeFigureOut">
               <a:rPr lang="en-US" smtClean="0"/>
-              <a:t>10/4/23</a:t>
+              <a:t>10/18/2023</a:t>
             </a:fld>
             <a:endParaRPr lang="en-US"/>
           </a:p>
@@ -1957,7 +2041,7 @@
           <a:p>
             <a:fld id="{E7A9DF80-B123-45A4-827C-E68847B10641}" type="datetimeFigureOut">
               <a:rPr lang="en-US" smtClean="0"/>
-              <a:t>10/4/23</a:t>
+              <a:t>10/18/2023</a:t>
             </a:fld>
             <a:endParaRPr lang="en-US"/>
           </a:p>
@@ -2155,7 +2239,7 @@
           <a:p>
             <a:fld id="{E7A9DF80-B123-45A4-827C-E68847B10641}" type="datetimeFigureOut">
               <a:rPr lang="en-US" smtClean="0"/>
-              <a:t>10/4/23</a:t>
+              <a:t>10/18/2023</a:t>
             </a:fld>
             <a:endParaRPr lang="en-US"/>
           </a:p>
@@ -2430,7 +2514,7 @@
           <a:p>
             <a:fld id="{E7A9DF80-B123-45A4-827C-E68847B10641}" type="datetimeFigureOut">
               <a:rPr lang="en-US" smtClean="0"/>
-              <a:t>10/4/23</a:t>
+              <a:t>10/18/2023</a:t>
             </a:fld>
             <a:endParaRPr lang="en-US"/>
           </a:p>
@@ -2695,7 +2779,7 @@
           <a:p>
             <a:fld id="{E7A9DF80-B123-45A4-827C-E68847B10641}" type="datetimeFigureOut">
               <a:rPr lang="en-US" smtClean="0"/>
-              <a:t>10/4/23</a:t>
+              <a:t>10/18/2023</a:t>
             </a:fld>
             <a:endParaRPr lang="en-US"/>
           </a:p>
@@ -3107,7 +3191,7 @@
           <a:p>
             <a:fld id="{E7A9DF80-B123-45A4-827C-E68847B10641}" type="datetimeFigureOut">
               <a:rPr lang="en-US" smtClean="0"/>
-              <a:t>10/4/23</a:t>
+              <a:t>10/18/2023</a:t>
             </a:fld>
             <a:endParaRPr lang="en-US"/>
           </a:p>
@@ -3248,7 +3332,7 @@
           <a:p>
             <a:fld id="{E7A9DF80-B123-45A4-827C-E68847B10641}" type="datetimeFigureOut">
               <a:rPr lang="en-US" smtClean="0"/>
-              <a:t>10/4/23</a:t>
+              <a:t>10/18/2023</a:t>
             </a:fld>
             <a:endParaRPr lang="en-US"/>
           </a:p>
@@ -3361,7 +3445,7 @@
           <a:p>
             <a:fld id="{E7A9DF80-B123-45A4-827C-E68847B10641}" type="datetimeFigureOut">
               <a:rPr lang="en-US" smtClean="0"/>
-              <a:t>10/4/23</a:t>
+              <a:t>10/18/2023</a:t>
             </a:fld>
             <a:endParaRPr lang="en-US"/>
           </a:p>
@@ -3672,7 +3756,7 @@
           <a:p>
             <a:fld id="{E7A9DF80-B123-45A4-827C-E68847B10641}" type="datetimeFigureOut">
               <a:rPr lang="en-US" smtClean="0"/>
-              <a:t>10/4/23</a:t>
+              <a:t>10/18/2023</a:t>
             </a:fld>
             <a:endParaRPr lang="en-US"/>
           </a:p>
@@ -3960,7 +4044,7 @@
           <a:p>
             <a:fld id="{E7A9DF80-B123-45A4-827C-E68847B10641}" type="datetimeFigureOut">
               <a:rPr lang="en-US" smtClean="0"/>
-              <a:t>10/4/23</a:t>
+              <a:t>10/18/2023</a:t>
             </a:fld>
             <a:endParaRPr lang="en-US"/>
           </a:p>
@@ -4201,7 +4285,7 @@
           <a:p>
             <a:fld id="{E7A9DF80-B123-45A4-827C-E68847B10641}" type="datetimeFigureOut">
               <a:rPr lang="en-US" smtClean="0"/>
-              <a:t>10/4/23</a:t>
+              <a:t>10/18/2023</a:t>
             </a:fld>
             <a:endParaRPr lang="en-US"/>
           </a:p>
@@ -4752,7 +4836,7 @@
       </p:cxnSp>
       <p:sp>
         <p:nvSpPr>
-          <p:cNvPr id="10" name="TextBox 9">
+          <p:cNvPr id="10" name="Ratings">
             <a:extLst>
               <a:ext uri="{FF2B5EF4-FFF2-40B4-BE49-F238E27FC236}">
                 <a16:creationId xmlns:a16="http://schemas.microsoft.com/office/drawing/2014/main" id="{4E09E2CA-4D4F-0D16-CB68-E9BD517048D7}"/>
@@ -4764,8 +4848,8 @@
         </p:nvSpPr>
         <p:spPr>
           <a:xfrm>
-            <a:off x="58927" y="3264575"/>
-            <a:ext cx="1162045" cy="3046988"/>
+            <a:off x="67458" y="2176873"/>
+            <a:ext cx="1074296" cy="2492990"/>
           </a:xfrm>
           <a:prstGeom prst="rect">
             <a:avLst/>
@@ -4786,181 +4870,246 @@
           <a:lstStyle/>
           <a:p>
             <a:r>
-              <a:rPr lang="sv-SE" sz="1200" err="1">
+              <a:rPr lang="sv-SE" sz="900" b="1" dirty="0" err="1">
                 <a:ea typeface="Calibri"/>
                 <a:cs typeface="Calibri"/>
               </a:rPr>
               <a:t>Ecovadis</a:t>
             </a:r>
             <a:r>
-              <a:rPr lang="sv-SE" sz="1200">
+              <a:rPr lang="sv-SE" sz="900" dirty="0">
                 <a:ea typeface="Calibri"/>
                 <a:cs typeface="Calibri"/>
               </a:rPr>
-              <a:t> </a:t>
-            </a:r>
-          </a:p>
-          <a:p>
-            <a:r>
-              <a:rPr lang="sv-SE" sz="1200">
+              <a:t>: </a:t>
+            </a:r>
+          </a:p>
+          <a:p>
+            <a:r>
+              <a:rPr lang="sv-SE" sz="900" dirty="0">
                 <a:ea typeface="Calibri"/>
                 <a:cs typeface="Calibri"/>
               </a:rPr>
               <a:t>[[</a:t>
             </a:r>
             <a:r>
-              <a:rPr lang="sv-SE" sz="1200" err="1">
+              <a:rPr lang="sv-SE" sz="900" dirty="0" err="1">
                 <a:ea typeface="Calibri"/>
                 <a:cs typeface="Calibri"/>
               </a:rPr>
-              <a:t>Ecovadis</a:t>
-            </a:r>
-            <a:r>
-              <a:rPr lang="sv-SE" sz="1200">
+              <a:t>rating_ecodavis</a:t>
+            </a:r>
+            <a:r>
+              <a:rPr lang="sv-SE" sz="900" dirty="0">
                 <a:ea typeface="Calibri"/>
                 <a:cs typeface="Calibri"/>
               </a:rPr>
               <a:t>]]</a:t>
             </a:r>
-            <a:endParaRPr lang="en-US" sz="1200">
+            <a:endParaRPr lang="en-US" sz="900" dirty="0">
               <a:ea typeface="Calibri"/>
               <a:cs typeface="Calibri"/>
             </a:endParaRPr>
           </a:p>
           <a:p>
-            <a:endParaRPr lang="sv-SE" sz="1200">
+            <a:endParaRPr lang="sv-SE" sz="900" dirty="0">
               <a:ea typeface="Calibri"/>
               <a:cs typeface="Calibri"/>
             </a:endParaRPr>
           </a:p>
           <a:p>
             <a:r>
-              <a:rPr lang="sv-SE" sz="1200">
+              <a:rPr lang="sv-SE" sz="900" b="1" dirty="0">
                 <a:ea typeface="Calibri"/>
                 <a:cs typeface="Calibri"/>
               </a:rPr>
               <a:t>CDP</a:t>
             </a:r>
-          </a:p>
-          <a:p>
-            <a:r>
-              <a:rPr lang="sv-SE" sz="1200">
+            <a:r>
+              <a:rPr lang="sv-SE" sz="900" dirty="0">
                 <a:ea typeface="Calibri"/>
                 <a:cs typeface="Calibri"/>
               </a:rPr>
-              <a:t>[[CDP]]</a:t>
-            </a:r>
-            <a:endParaRPr lang="en-US" sz="1200">
+              <a:t>:</a:t>
+            </a:r>
+          </a:p>
+          <a:p>
+            <a:r>
+              <a:rPr lang="sv-SE" sz="900" dirty="0">
+                <a:ea typeface="Calibri"/>
+                <a:cs typeface="Calibri"/>
+              </a:rPr>
+              <a:t>[[</a:t>
+            </a:r>
+            <a:r>
+              <a:rPr lang="sv-SE" sz="900" dirty="0" err="1">
+                <a:ea typeface="Calibri"/>
+                <a:cs typeface="Calibri"/>
+              </a:rPr>
+              <a:t>rating_cdp</a:t>
+            </a:r>
+            <a:r>
+              <a:rPr lang="sv-SE" sz="900" dirty="0">
+                <a:ea typeface="Calibri"/>
+                <a:cs typeface="Calibri"/>
+              </a:rPr>
+              <a:t>]]</a:t>
+            </a:r>
+            <a:endParaRPr lang="en-US" sz="900" dirty="0">
               <a:ea typeface="Calibri"/>
               <a:cs typeface="Calibri"/>
             </a:endParaRPr>
           </a:p>
           <a:p>
-            <a:endParaRPr lang="sv-SE" sz="1200">
+            <a:endParaRPr lang="sv-SE" sz="900" dirty="0">
               <a:ea typeface="Calibri"/>
               <a:cs typeface="Calibri"/>
             </a:endParaRPr>
           </a:p>
           <a:p>
             <a:r>
-              <a:rPr lang="sv-SE" sz="1200" err="1">
+              <a:rPr lang="sv-SE" sz="900" b="1" dirty="0" err="1">
                 <a:ea typeface="Calibri"/>
                 <a:cs typeface="Calibri"/>
               </a:rPr>
               <a:t>Sustainalytics</a:t>
             </a:r>
-          </a:p>
-          <a:p>
-            <a:r>
-              <a:rPr lang="sv-SE" sz="1200">
+            <a:r>
+              <a:rPr lang="sv-SE" sz="900" dirty="0">
+                <a:ea typeface="Calibri"/>
+                <a:cs typeface="Calibri"/>
+              </a:rPr>
+              <a:t>:</a:t>
+            </a:r>
+          </a:p>
+          <a:p>
+            <a:r>
+              <a:rPr lang="sv-SE" sz="900" dirty="0">
                 <a:ea typeface="Calibri"/>
                 <a:cs typeface="Calibri"/>
               </a:rPr>
               <a:t>[[</a:t>
             </a:r>
             <a:r>
-              <a:rPr lang="sv-SE" sz="1200" err="1">
+              <a:rPr lang="sv-SE" sz="900" dirty="0" err="1">
                 <a:ea typeface="Calibri"/>
                 <a:cs typeface="Calibri"/>
               </a:rPr>
-              <a:t>Sustainalytics</a:t>
-            </a:r>
-            <a:endParaRPr lang="en-US" sz="1200" err="1">
-              <a:ea typeface="Calibri"/>
-              <a:cs typeface="Calibri"/>
-            </a:endParaRPr>
-          </a:p>
-          <a:p>
-            <a:r>
-              <a:rPr lang="sv-SE" sz="1200">
+              <a:t>rating_sustainalitycs</a:t>
+            </a:r>
+            <a:r>
+              <a:rPr lang="sv-SE" sz="900" dirty="0">
                 <a:ea typeface="Calibri"/>
                 <a:cs typeface="Calibri"/>
               </a:rPr>
               <a:t>]]</a:t>
             </a:r>
-            <a:endParaRPr lang="en-US" sz="1200">
+          </a:p>
+          <a:p>
+            <a:endParaRPr lang="sv-SE" sz="900" dirty="0">
               <a:ea typeface="Calibri"/>
               <a:cs typeface="Calibri"/>
             </a:endParaRPr>
           </a:p>
           <a:p>
-            <a:endParaRPr lang="sv-SE" sz="1200">
-              <a:ea typeface="Calibri"/>
-              <a:cs typeface="Calibri"/>
-            </a:endParaRPr>
-          </a:p>
-          <a:p>
-            <a:r>
-              <a:rPr lang="sv-SE" sz="1200">
+            <a:r>
+              <a:rPr lang="sv-SE" sz="900" b="1" dirty="0">
                 <a:ea typeface="Calibri"/>
                 <a:cs typeface="Calibri"/>
               </a:rPr>
-              <a:t>MSCI </a:t>
-            </a:r>
-          </a:p>
-          <a:p>
-            <a:r>
-              <a:rPr lang="sv-SE" sz="1200">
+              <a:t>MSCI</a:t>
+            </a:r>
+            <a:r>
+              <a:rPr lang="sv-SE" sz="900" dirty="0">
                 <a:ea typeface="Calibri"/>
                 <a:cs typeface="Calibri"/>
               </a:rPr>
-              <a:t>[[MSCI]]</a:t>
-            </a:r>
-          </a:p>
-          <a:p>
-            <a:endParaRPr lang="sv-SE" sz="1200">
+              <a:t>: </a:t>
+            </a:r>
+          </a:p>
+          <a:p>
+            <a:r>
+              <a:rPr lang="sv-SE" sz="900" dirty="0">
+                <a:ea typeface="Calibri"/>
+                <a:cs typeface="Calibri"/>
+              </a:rPr>
+              <a:t>[[</a:t>
+            </a:r>
+            <a:r>
+              <a:rPr lang="sv-SE" sz="900" dirty="0" err="1">
+                <a:ea typeface="Calibri"/>
+                <a:cs typeface="Calibri"/>
+              </a:rPr>
+              <a:t>rating_msci</a:t>
+            </a:r>
+            <a:r>
+              <a:rPr lang="sv-SE" sz="900" dirty="0">
+                <a:ea typeface="Calibri"/>
+                <a:cs typeface="Calibri"/>
+              </a:rPr>
+              <a:t>]]</a:t>
+            </a:r>
+          </a:p>
+          <a:p>
+            <a:endParaRPr lang="sv-SE" sz="900" dirty="0">
               <a:ea typeface="Calibri"/>
               <a:cs typeface="Calibri"/>
             </a:endParaRPr>
           </a:p>
           <a:p>
             <a:r>
-              <a:rPr lang="sv-SE" sz="1200">
+              <a:rPr lang="sv-SE" sz="900" b="1" dirty="0">
                 <a:ea typeface="Calibri"/>
                 <a:cs typeface="Calibri"/>
               </a:rPr>
               <a:t>S&amp;P Dow Jones</a:t>
             </a:r>
-            <a:endParaRPr lang="en-US" sz="1200">
-              <a:ea typeface="Calibri"/>
-              <a:cs typeface="Calibri"/>
-            </a:endParaRPr>
-          </a:p>
-          <a:p>
-            <a:r>
-              <a:rPr lang="sv-SE" sz="1200">
+            <a:r>
+              <a:rPr lang="sv-SE" sz="900" dirty="0">
                 <a:ea typeface="Calibri"/>
                 <a:cs typeface="Calibri"/>
               </a:rPr>
-              <a:t>[[S&amp;P Dow Jones]]</a:t>
-            </a:r>
-            <a:endParaRPr lang="sv-SE"/>
-          </a:p>
-        </p:txBody>
-      </p:sp>
-      <p:sp>
-        <p:nvSpPr>
-          <p:cNvPr id="11" name="TextBox 10">
+              <a:t>: </a:t>
+            </a:r>
+            <a:endParaRPr lang="en-US" sz="900" dirty="0">
+              <a:ea typeface="Calibri"/>
+              <a:cs typeface="Calibri"/>
+            </a:endParaRPr>
+          </a:p>
+          <a:p>
+            <a:r>
+              <a:rPr lang="sv-SE" sz="900" dirty="0">
+                <a:ea typeface="Calibri"/>
+                <a:cs typeface="Calibri"/>
+              </a:rPr>
+              <a:t>[[</a:t>
+            </a:r>
+            <a:r>
+              <a:rPr lang="sv-SE" sz="900" dirty="0" err="1">
+                <a:ea typeface="Calibri"/>
+                <a:cs typeface="Calibri"/>
+              </a:rPr>
+              <a:t>rating_sp_dow_jones</a:t>
+            </a:r>
+            <a:r>
+              <a:rPr lang="sv-SE" sz="900" dirty="0">
+                <a:ea typeface="Calibri"/>
+                <a:cs typeface="Calibri"/>
+              </a:rPr>
+              <a:t>]]</a:t>
+            </a:r>
+          </a:p>
+          <a:p>
+            <a:endParaRPr lang="sv-SE" sz="1200" dirty="0">
+              <a:ea typeface="Calibri"/>
+              <a:cs typeface="Calibri"/>
+            </a:endParaRPr>
+          </a:p>
+        </p:txBody>
+      </p:sp>
+      <p:sp>
+        <p:nvSpPr>
+          <p:cNvPr id="11" name="GeneralInfo">
             <a:extLst>
               <a:ext uri="{FF2B5EF4-FFF2-40B4-BE49-F238E27FC236}">
                 <a16:creationId xmlns:a16="http://schemas.microsoft.com/office/drawing/2014/main" id="{1BD89980-6D7F-C735-5105-AAB6DBBEFC76}"/>
@@ -4972,8 +5121,8 @@
         </p:nvSpPr>
         <p:spPr>
           <a:xfrm>
-            <a:off x="177396" y="1200008"/>
-            <a:ext cx="894844" cy="1938992"/>
+            <a:off x="58927" y="960522"/>
+            <a:ext cx="1074295" cy="1200329"/>
           </a:xfrm>
           <a:prstGeom prst="rect">
             <a:avLst/>
@@ -4994,125 +5143,133 @@
           <a:lstStyle/>
           <a:p>
             <a:r>
-              <a:rPr lang="sv-SE" sz="1200"/>
-              <a:t>[[Name]]</a:t>
-            </a:r>
-          </a:p>
-          <a:p>
-            <a:r>
-              <a:rPr lang="sv-SE" sz="1200"/>
-              <a:t>[[Industry]]</a:t>
-            </a:r>
-          </a:p>
-          <a:p>
-            <a:r>
-              <a:rPr lang="sv-SE" sz="1200" err="1">
+              <a:rPr lang="sv-SE" sz="900" b="1" dirty="0"/>
+              <a:t>Company</a:t>
+            </a:r>
+            <a:r>
+              <a:rPr lang="sv-SE" sz="900" dirty="0"/>
+              <a:t>:</a:t>
+            </a:r>
+          </a:p>
+          <a:p>
+            <a:r>
+              <a:rPr lang="sv-SE" sz="900" dirty="0"/>
+              <a:t>[[</a:t>
+            </a:r>
+            <a:r>
+              <a:rPr lang="sv-SE" sz="900" dirty="0" err="1"/>
+              <a:t>company_name</a:t>
+            </a:r>
+            <a:r>
+              <a:rPr lang="sv-SE" sz="900" dirty="0"/>
+              <a:t>]]</a:t>
+            </a:r>
+            <a:endParaRPr lang="sv-SE" sz="900" dirty="0">
+              <a:ea typeface="Calibri"/>
+              <a:cs typeface="Calibri"/>
+            </a:endParaRPr>
+          </a:p>
+          <a:p>
+            <a:r>
+              <a:rPr lang="sv-SE" sz="900" b="1" dirty="0"/>
+              <a:t>Industry</a:t>
+            </a:r>
+            <a:r>
+              <a:rPr lang="sv-SE" sz="900" dirty="0"/>
+              <a:t>:</a:t>
+            </a:r>
+          </a:p>
+          <a:p>
+            <a:r>
+              <a:rPr lang="sv-SE" sz="900" dirty="0"/>
+              <a:t>[[</a:t>
+            </a:r>
+            <a:r>
+              <a:rPr lang="sv-SE" sz="900" dirty="0" err="1"/>
+              <a:t>industry</a:t>
+            </a:r>
+            <a:r>
+              <a:rPr lang="sv-SE" sz="900" dirty="0"/>
+              <a:t>]]</a:t>
+            </a:r>
+            <a:endParaRPr lang="sv-SE" sz="900" dirty="0">
+              <a:ea typeface="Calibri"/>
+              <a:cs typeface="Calibri"/>
+            </a:endParaRPr>
+          </a:p>
+          <a:p>
+            <a:r>
+              <a:rPr lang="sv-SE" sz="900" b="1" dirty="0">
                 <a:ea typeface="Calibri"/>
                 <a:cs typeface="Calibri"/>
               </a:rPr>
-              <a:t>Base</a:t>
-            </a:r>
-            <a:r>
-              <a:rPr lang="sv-SE" sz="1200">
+              <a:t>HQ</a:t>
+            </a:r>
+            <a:r>
+              <a:rPr lang="sv-SE" sz="900" dirty="0">
                 <a:ea typeface="Calibri"/>
                 <a:cs typeface="Calibri"/>
               </a:rPr>
-              <a:t> </a:t>
-            </a:r>
-            <a:r>
-              <a:rPr lang="sv-SE" sz="1200" err="1">
-                <a:ea typeface="Calibri"/>
-                <a:cs typeface="Calibri"/>
-              </a:rPr>
-              <a:t>of</a:t>
-            </a:r>
-            <a:r>
-              <a:rPr lang="sv-SE" sz="1200">
-                <a:ea typeface="Calibri"/>
-                <a:cs typeface="Calibri"/>
-              </a:rPr>
-              <a:t> </a:t>
-            </a:r>
-            <a:endParaRPr lang="sv-SE">
-              <a:ea typeface="Calibri"/>
-              <a:cs typeface="Calibri"/>
-            </a:endParaRPr>
-          </a:p>
-          <a:p>
-            <a:r>
-              <a:rPr lang="sv-SE" sz="1200">
-                <a:ea typeface="Calibri"/>
-                <a:cs typeface="Calibri"/>
-              </a:rPr>
-              <a:t>Operations</a:t>
-            </a:r>
-            <a:endParaRPr lang="sv-SE">
-              <a:ea typeface="Calibri"/>
-              <a:cs typeface="Calibri"/>
-            </a:endParaRPr>
-          </a:p>
-          <a:p>
-            <a:r>
-              <a:rPr lang="sv-SE" sz="1200"/>
-              <a:t>[[</a:t>
-            </a:r>
-            <a:r>
-              <a:rPr lang="sv-SE" sz="1200" err="1"/>
-              <a:t>Base</a:t>
-            </a:r>
-            <a:r>
-              <a:rPr lang="sv-SE" sz="1200"/>
-              <a:t> </a:t>
-            </a:r>
-            <a:r>
-              <a:rPr lang="sv-SE" sz="1200" err="1"/>
-              <a:t>of</a:t>
-            </a:r>
-            <a:r>
-              <a:rPr lang="sv-SE" sz="1200"/>
-              <a:t> Operations]]</a:t>
-            </a:r>
-            <a:endParaRPr lang="sv-SE"/>
-          </a:p>
-          <a:p>
-            <a:r>
-              <a:rPr lang="sv-SE" sz="1200"/>
-              <a:t>Employees</a:t>
-            </a:r>
-            <a:endParaRPr lang="sv-SE" sz="1200">
-              <a:ea typeface="Calibri"/>
-              <a:cs typeface="Calibri"/>
-            </a:endParaRPr>
-          </a:p>
-          <a:p>
-            <a:r>
-              <a:rPr lang="sv-SE" sz="1200">
+              <a:t>:</a:t>
+            </a:r>
+          </a:p>
+          <a:p>
+            <a:r>
+              <a:rPr lang="sv-SE" sz="900" dirty="0">
                 <a:ea typeface="Calibri"/>
                 <a:cs typeface="Calibri"/>
               </a:rPr>
               <a:t>[[</a:t>
             </a:r>
             <a:r>
-              <a:rPr lang="sv-SE" sz="1200" err="1">
+              <a:rPr lang="sv-SE" sz="900" dirty="0" err="1">
                 <a:ea typeface="Calibri"/>
                 <a:cs typeface="Calibri"/>
               </a:rPr>
-              <a:t>Employees</a:t>
-            </a:r>
-            <a:r>
-              <a:rPr lang="sv-SE" sz="1200">
+              <a:t>location</a:t>
+            </a:r>
+            <a:r>
+              <a:rPr lang="sv-SE" sz="900" dirty="0">
                 <a:ea typeface="Calibri"/>
                 <a:cs typeface="Calibri"/>
               </a:rPr>
               <a:t>]]</a:t>
             </a:r>
-            <a:endParaRPr lang="sv-SE" sz="1200"/>
-          </a:p>
-        </p:txBody>
-      </p:sp>
-      <p:sp>
-        <p:nvSpPr>
-          <p:cNvPr id="17" name="TextBox 16">
+          </a:p>
+          <a:p>
+            <a:r>
+              <a:rPr lang="sv-SE" sz="900" b="1" dirty="0"/>
+              <a:t>No. Of </a:t>
+            </a:r>
+            <a:r>
+              <a:rPr lang="sv-SE" sz="900" b="1" dirty="0" err="1"/>
+              <a:t>Employees</a:t>
+            </a:r>
+            <a:r>
+              <a:rPr lang="sv-SE" sz="900" b="1" dirty="0"/>
+              <a:t>:</a:t>
+            </a:r>
+          </a:p>
+          <a:p>
+            <a:r>
+              <a:rPr lang="sv-SE" sz="900" dirty="0"/>
+              <a:t>[[</a:t>
+            </a:r>
+            <a:r>
+              <a:rPr lang="sv-SE" sz="900" dirty="0" err="1"/>
+              <a:t>employees</a:t>
+            </a:r>
+            <a:r>
+              <a:rPr lang="sv-SE" sz="900" dirty="0"/>
+              <a:t>]]</a:t>
+            </a:r>
+            <a:endParaRPr lang="sv-SE" sz="1600" dirty="0"/>
+          </a:p>
+        </p:txBody>
+      </p:sp>
+      <p:sp>
+        <p:nvSpPr>
+          <p:cNvPr id="17" name="Risks">
             <a:extLst>
               <a:ext uri="{FF2B5EF4-FFF2-40B4-BE49-F238E27FC236}">
                 <a16:creationId xmlns:a16="http://schemas.microsoft.com/office/drawing/2014/main" id="{31623CCC-686B-1904-6B13-DDEA421612E7}"/>
@@ -5124,8 +5281,8 @@
         </p:nvSpPr>
         <p:spPr>
           <a:xfrm>
-            <a:off x="1404686" y="211693"/>
-            <a:ext cx="2905102" cy="3139321"/>
+            <a:off x="1355524" y="177882"/>
+            <a:ext cx="2143103" cy="1754326"/>
           </a:xfrm>
           <a:prstGeom prst="rect">
             <a:avLst/>
@@ -5140,54 +5297,120 @@
           </a:ln>
         </p:spPr>
         <p:txBody>
-          <a:bodyPr wrap="square" rtlCol="0">
+          <a:bodyPr wrap="square" lIns="91440" tIns="45720" rIns="91440" bIns="45720" rtlCol="0" anchor="t">
             <a:spAutoFit/>
           </a:bodyPr>
           <a:lstStyle/>
           <a:p>
             <a:r>
-              <a:rPr lang="sv-SE" b="1"/>
+              <a:rPr lang="sv-SE" b="1" dirty="0"/>
               <a:t>Risks</a:t>
             </a:r>
           </a:p>
           <a:p>
             <a:r>
-              <a:rPr lang="sv-SE" b="1"/>
-              <a:t>[[Risks]]</a:t>
-            </a:r>
-          </a:p>
-          <a:p>
-            <a:endParaRPr lang="sv-SE"/>
-          </a:p>
-          <a:p>
-            <a:endParaRPr lang="sv-SE"/>
-          </a:p>
-          <a:p>
-            <a:endParaRPr lang="sv-SE"/>
-          </a:p>
-          <a:p>
-            <a:endParaRPr lang="sv-SE"/>
-          </a:p>
-          <a:p>
-            <a:endParaRPr lang="sv-SE"/>
-          </a:p>
-          <a:p>
-            <a:endParaRPr lang="sv-SE"/>
-          </a:p>
-          <a:p>
-            <a:endParaRPr lang="sv-SE"/>
-          </a:p>
-          <a:p>
-            <a:endParaRPr lang="sv-SE"/>
-          </a:p>
-          <a:p>
-            <a:endParaRPr lang="en-US"/>
-          </a:p>
-        </p:txBody>
-      </p:sp>
-      <p:sp>
-        <p:nvSpPr>
-          <p:cNvPr id="18" name="TextBox 17">
+              <a:rPr lang="en-US" sz="900" i="1" dirty="0">
+                <a:ea typeface="Calibri" panose="020F0502020204030204"/>
+                <a:cs typeface="Calibri" panose="020F0502020204030204"/>
+              </a:rPr>
+              <a:t>[[risks]]</a:t>
+            </a:r>
+          </a:p>
+          <a:p>
+            <a:pPr marL="171450" indent="-171450">
+              <a:buFont typeface="Arial"/>
+              <a:buChar char="•"/>
+            </a:pPr>
+            <a:endParaRPr lang="en-US" sz="900" i="1" dirty="0">
+              <a:ea typeface="Calibri" panose="020F0502020204030204"/>
+              <a:cs typeface="Calibri" panose="020F0502020204030204"/>
+            </a:endParaRPr>
+          </a:p>
+          <a:p>
+            <a:pPr marL="171450" indent="-171450">
+              <a:buFont typeface="Arial"/>
+              <a:buChar char="•"/>
+            </a:pPr>
+            <a:endParaRPr lang="en-US" sz="900" i="1" dirty="0">
+              <a:ea typeface="Calibri" panose="020F0502020204030204"/>
+              <a:cs typeface="Calibri" panose="020F0502020204030204"/>
+            </a:endParaRPr>
+          </a:p>
+          <a:p>
+            <a:pPr marL="171450" indent="-171450">
+              <a:buFont typeface="Arial"/>
+              <a:buChar char="•"/>
+            </a:pPr>
+            <a:endParaRPr lang="en-US" sz="900" i="1" dirty="0">
+              <a:ea typeface="Calibri" panose="020F0502020204030204"/>
+              <a:cs typeface="Calibri" panose="020F0502020204030204"/>
+            </a:endParaRPr>
+          </a:p>
+          <a:p>
+            <a:pPr marL="171450" indent="-171450">
+              <a:buFont typeface="Arial"/>
+              <a:buChar char="•"/>
+            </a:pPr>
+            <a:endParaRPr lang="en-US" sz="900" i="1" dirty="0">
+              <a:ea typeface="Calibri" panose="020F0502020204030204"/>
+              <a:cs typeface="Calibri" panose="020F0502020204030204"/>
+            </a:endParaRPr>
+          </a:p>
+          <a:p>
+            <a:pPr marL="171450" indent="-171450">
+              <a:buFont typeface="Arial"/>
+              <a:buChar char="•"/>
+            </a:pPr>
+            <a:endParaRPr lang="en-US" sz="900" i="1" dirty="0">
+              <a:ea typeface="Calibri" panose="020F0502020204030204"/>
+              <a:cs typeface="Calibri" panose="020F0502020204030204"/>
+            </a:endParaRPr>
+          </a:p>
+          <a:p>
+            <a:pPr marL="171450" indent="-171450">
+              <a:buFont typeface="Arial"/>
+              <a:buChar char="•"/>
+            </a:pPr>
+            <a:endParaRPr lang="en-US" sz="900" i="1" dirty="0">
+              <a:ea typeface="Calibri" panose="020F0502020204030204"/>
+              <a:cs typeface="Calibri" panose="020F0502020204030204"/>
+            </a:endParaRPr>
+          </a:p>
+          <a:p>
+            <a:pPr marL="171450" indent="-171450">
+              <a:buFont typeface="Arial"/>
+              <a:buChar char="•"/>
+            </a:pPr>
+            <a:endParaRPr lang="en-US" sz="900" i="1" dirty="0">
+              <a:ea typeface="Calibri" panose="020F0502020204030204"/>
+              <a:cs typeface="Calibri" panose="020F0502020204030204"/>
+            </a:endParaRPr>
+          </a:p>
+          <a:p>
+            <a:pPr marL="171450" indent="-171450">
+              <a:buFont typeface="Arial"/>
+              <a:buChar char="•"/>
+            </a:pPr>
+            <a:endParaRPr lang="en-US" sz="900" i="1" dirty="0">
+              <a:ea typeface="Calibri" panose="020F0502020204030204"/>
+              <a:cs typeface="Calibri" panose="020F0502020204030204"/>
+            </a:endParaRPr>
+          </a:p>
+          <a:p>
+            <a:pPr marL="171450" indent="-171450">
+              <a:buFont typeface="Arial"/>
+              <a:buChar char="•"/>
+            </a:pPr>
+            <a:endParaRPr lang="en-US" sz="900" i="1" dirty="0">
+              <a:ea typeface="Calibri" panose="020F0502020204030204"/>
+              <a:cs typeface="Calibri" panose="020F0502020204030204"/>
+            </a:endParaRPr>
+          </a:p>
+        </p:txBody>
+      </p:sp>
+      <p:sp>
+        <p:nvSpPr>
+          <p:cNvPr id="18" name="Opportunities">
             <a:extLst>
               <a:ext uri="{FF2B5EF4-FFF2-40B4-BE49-F238E27FC236}">
                 <a16:creationId xmlns:a16="http://schemas.microsoft.com/office/drawing/2014/main" id="{7879456D-AB81-A833-178B-B9AB4C6DCC35}"/>
@@ -5199,8 +5422,8 @@
         </p:nvSpPr>
         <p:spPr>
           <a:xfrm>
-            <a:off x="1390881" y="3394638"/>
-            <a:ext cx="2905109" cy="3416320"/>
+            <a:off x="1312213" y="2067802"/>
+            <a:ext cx="2208304" cy="4678204"/>
           </a:xfrm>
           <a:prstGeom prst="rect">
             <a:avLst/>
@@ -5215,164 +5438,378 @@
           </a:ln>
         </p:spPr>
         <p:txBody>
-          <a:bodyPr wrap="square" rtlCol="0">
+          <a:bodyPr wrap="square" lIns="91440" tIns="45720" rIns="91440" bIns="45720" rtlCol="0" anchor="t">
             <a:spAutoFit/>
           </a:bodyPr>
           <a:lstStyle/>
           <a:p>
             <a:r>
-              <a:rPr lang="sv-SE" b="1"/>
+              <a:rPr lang="sv-SE" b="1" dirty="0" err="1"/>
               <a:t>Opportunities</a:t>
             </a:r>
-          </a:p>
-          <a:p>
-            <a:r>
-              <a:rPr lang="sv-SE" b="1"/>
-              <a:t>[[Opportunities]]</a:t>
-            </a:r>
-          </a:p>
-          <a:p>
-            <a:pPr algn="l" rtl="0" fontAlgn="base"/>
-            <a:endParaRPr lang="en-US" sz="1200" b="0" i="0">
+            <a:endParaRPr lang="sv-SE" b="1" dirty="0">
+              <a:ea typeface="Calibri"/>
+              <a:cs typeface="Calibri"/>
+            </a:endParaRPr>
+          </a:p>
+          <a:p>
+            <a:r>
+              <a:rPr lang="en-US" sz="1000" i="1" dirty="0">
+                <a:solidFill>
+                  <a:srgbClr val="000000"/>
+                </a:solidFill>
+                <a:ea typeface="+mn-lt"/>
+                <a:cs typeface="+mn-lt"/>
+              </a:rPr>
+              <a:t>[[opportunities]]</a:t>
+            </a:r>
+          </a:p>
+          <a:p>
+            <a:pPr marL="171450" indent="-171450">
+              <a:buFont typeface="Arial"/>
+              <a:buChar char="•"/>
+            </a:pPr>
+            <a:endParaRPr lang="en-US" sz="1000" i="1" dirty="0">
               <a:solidFill>
                 <a:srgbClr val="000000"/>
               </a:solidFill>
-              <a:effectLst/>
-              <a:latin typeface="Calibri" panose="020F0502020204030204" pitchFamily="34" charset="0"/>
-            </a:endParaRPr>
-          </a:p>
-          <a:p>
-            <a:pPr algn="l" rtl="0" fontAlgn="base"/>
-            <a:endParaRPr lang="en-US" sz="1200">
+              <a:ea typeface="+mn-lt"/>
+              <a:cs typeface="+mn-lt"/>
+            </a:endParaRPr>
+          </a:p>
+          <a:p>
+            <a:pPr marL="171450" indent="-171450">
+              <a:buFont typeface="Arial"/>
+              <a:buChar char="•"/>
+            </a:pPr>
+            <a:endParaRPr lang="en-US" sz="1000" i="1" dirty="0">
               <a:solidFill>
                 <a:srgbClr val="000000"/>
               </a:solidFill>
-              <a:latin typeface="Calibri" panose="020F0502020204030204" pitchFamily="34" charset="0"/>
-            </a:endParaRPr>
-          </a:p>
-          <a:p>
-            <a:pPr algn="l" rtl="0" fontAlgn="base"/>
-            <a:endParaRPr lang="en-US" sz="1200" b="0" i="0">
+              <a:ea typeface="+mn-lt"/>
+              <a:cs typeface="+mn-lt"/>
+            </a:endParaRPr>
+          </a:p>
+          <a:p>
+            <a:pPr marL="171450" indent="-171450">
+              <a:buFont typeface="Arial"/>
+              <a:buChar char="•"/>
+            </a:pPr>
+            <a:endParaRPr lang="en-US" sz="1000" i="1" dirty="0">
               <a:solidFill>
                 <a:srgbClr val="000000"/>
               </a:solidFill>
-              <a:effectLst/>
-              <a:latin typeface="Calibri" panose="020F0502020204030204" pitchFamily="34" charset="0"/>
-            </a:endParaRPr>
-          </a:p>
-          <a:p>
-            <a:pPr algn="l" rtl="0" fontAlgn="base"/>
-            <a:endParaRPr lang="en-US" sz="1200">
+              <a:ea typeface="+mn-lt"/>
+              <a:cs typeface="+mn-lt"/>
+            </a:endParaRPr>
+          </a:p>
+          <a:p>
+            <a:pPr marL="171450" indent="-171450">
+              <a:buFont typeface="Arial"/>
+              <a:buChar char="•"/>
+            </a:pPr>
+            <a:endParaRPr lang="en-US" sz="1000" i="1" dirty="0">
               <a:solidFill>
                 <a:srgbClr val="000000"/>
               </a:solidFill>
-              <a:latin typeface="Calibri" panose="020F0502020204030204" pitchFamily="34" charset="0"/>
-            </a:endParaRPr>
-          </a:p>
-          <a:p>
-            <a:pPr algn="l" rtl="0" fontAlgn="base"/>
-            <a:endParaRPr lang="en-US" sz="1200" b="0" i="0">
+              <a:ea typeface="+mn-lt"/>
+              <a:cs typeface="+mn-lt"/>
+            </a:endParaRPr>
+          </a:p>
+          <a:p>
+            <a:pPr marL="171450" indent="-171450">
+              <a:buFont typeface="Arial"/>
+              <a:buChar char="•"/>
+            </a:pPr>
+            <a:endParaRPr lang="en-US" sz="1000" i="1" dirty="0">
               <a:solidFill>
                 <a:srgbClr val="000000"/>
               </a:solidFill>
-              <a:effectLst/>
-              <a:latin typeface="Calibri" panose="020F0502020204030204" pitchFamily="34" charset="0"/>
-            </a:endParaRPr>
-          </a:p>
-          <a:p>
-            <a:pPr algn="l" rtl="0" fontAlgn="base"/>
-            <a:endParaRPr lang="en-US" sz="1200">
+              <a:ea typeface="+mn-lt"/>
+              <a:cs typeface="+mn-lt"/>
+            </a:endParaRPr>
+          </a:p>
+          <a:p>
+            <a:pPr marL="171450" indent="-171450">
+              <a:buFont typeface="Arial"/>
+              <a:buChar char="•"/>
+            </a:pPr>
+            <a:endParaRPr lang="en-US" sz="1000" i="1" dirty="0">
               <a:solidFill>
                 <a:srgbClr val="000000"/>
               </a:solidFill>
-              <a:latin typeface="Calibri" panose="020F0502020204030204" pitchFamily="34" charset="0"/>
-            </a:endParaRPr>
-          </a:p>
-          <a:p>
-            <a:pPr algn="l" rtl="0" fontAlgn="base"/>
-            <a:endParaRPr lang="en-US" sz="1200" b="0" i="0">
+              <a:ea typeface="+mn-lt"/>
+              <a:cs typeface="+mn-lt"/>
+            </a:endParaRPr>
+          </a:p>
+          <a:p>
+            <a:pPr marL="171450" indent="-171450">
+              <a:buFont typeface="Arial"/>
+              <a:buChar char="•"/>
+            </a:pPr>
+            <a:endParaRPr lang="en-US" sz="1000" i="1" dirty="0">
               <a:solidFill>
                 <a:srgbClr val="000000"/>
               </a:solidFill>
-              <a:effectLst/>
-              <a:latin typeface="Calibri" panose="020F0502020204030204" pitchFamily="34" charset="0"/>
-            </a:endParaRPr>
-          </a:p>
-          <a:p>
-            <a:pPr algn="l" rtl="0" fontAlgn="base"/>
-            <a:endParaRPr lang="en-US" sz="1200" b="0" i="0">
+              <a:ea typeface="+mn-lt"/>
+              <a:cs typeface="+mn-lt"/>
+            </a:endParaRPr>
+          </a:p>
+          <a:p>
+            <a:pPr marL="171450" indent="-171450">
+              <a:buFont typeface="Arial"/>
+              <a:buChar char="•"/>
+            </a:pPr>
+            <a:endParaRPr lang="en-US" sz="1000" i="1" dirty="0">
               <a:solidFill>
                 <a:srgbClr val="000000"/>
               </a:solidFill>
-              <a:effectLst/>
-              <a:latin typeface="Calibri" panose="020F0502020204030204" pitchFamily="34" charset="0"/>
-            </a:endParaRPr>
-          </a:p>
-          <a:p>
-            <a:pPr algn="l" rtl="0" fontAlgn="base"/>
-            <a:endParaRPr lang="en-US" sz="1200">
+              <a:ea typeface="+mn-lt"/>
+              <a:cs typeface="+mn-lt"/>
+            </a:endParaRPr>
+          </a:p>
+          <a:p>
+            <a:pPr marL="171450" indent="-171450">
+              <a:buFont typeface="Arial"/>
+              <a:buChar char="•"/>
+            </a:pPr>
+            <a:endParaRPr lang="en-US" sz="1000" i="1" dirty="0">
               <a:solidFill>
                 <a:srgbClr val="000000"/>
               </a:solidFill>
-              <a:latin typeface="Calibri" panose="020F0502020204030204" pitchFamily="34" charset="0"/>
-            </a:endParaRPr>
-          </a:p>
-          <a:p>
-            <a:pPr algn="l" rtl="0" fontAlgn="base"/>
-            <a:endParaRPr lang="en-US" sz="1200" b="0" i="0">
+              <a:ea typeface="+mn-lt"/>
+              <a:cs typeface="+mn-lt"/>
+            </a:endParaRPr>
+          </a:p>
+          <a:p>
+            <a:pPr marL="171450" indent="-171450">
+              <a:buFont typeface="Arial"/>
+              <a:buChar char="•"/>
+            </a:pPr>
+            <a:endParaRPr lang="en-US" sz="1000" i="1" dirty="0">
               <a:solidFill>
                 <a:srgbClr val="000000"/>
               </a:solidFill>
-              <a:effectLst/>
-              <a:latin typeface="Calibri" panose="020F0502020204030204" pitchFamily="34" charset="0"/>
-            </a:endParaRPr>
-          </a:p>
-          <a:p>
-            <a:pPr algn="l" rtl="0" fontAlgn="base"/>
-            <a:endParaRPr lang="en-US" sz="1200">
+              <a:ea typeface="+mn-lt"/>
+              <a:cs typeface="+mn-lt"/>
+            </a:endParaRPr>
+          </a:p>
+          <a:p>
+            <a:pPr marL="171450" indent="-171450">
+              <a:buFont typeface="Arial"/>
+              <a:buChar char="•"/>
+            </a:pPr>
+            <a:endParaRPr lang="en-US" sz="1000" i="1" dirty="0">
               <a:solidFill>
                 <a:srgbClr val="000000"/>
               </a:solidFill>
-              <a:latin typeface="Calibri" panose="020F0502020204030204" pitchFamily="34" charset="0"/>
-            </a:endParaRPr>
-          </a:p>
-          <a:p>
-            <a:pPr algn="l" rtl="0" fontAlgn="base"/>
-            <a:endParaRPr lang="en-US" sz="1200" b="0" i="0">
+              <a:ea typeface="+mn-lt"/>
+              <a:cs typeface="+mn-lt"/>
+            </a:endParaRPr>
+          </a:p>
+          <a:p>
+            <a:pPr marL="171450" indent="-171450">
+              <a:buFont typeface="Arial"/>
+              <a:buChar char="•"/>
+            </a:pPr>
+            <a:endParaRPr lang="en-US" sz="1000" i="1" dirty="0">
               <a:solidFill>
                 <a:srgbClr val="000000"/>
               </a:solidFill>
-              <a:effectLst/>
-              <a:latin typeface="Calibri" panose="020F0502020204030204" pitchFamily="34" charset="0"/>
-            </a:endParaRPr>
-          </a:p>
-          <a:p>
-            <a:pPr algn="l" rtl="0" fontAlgn="base"/>
-            <a:endParaRPr lang="en-US" sz="1200">
+              <a:ea typeface="+mn-lt"/>
+              <a:cs typeface="+mn-lt"/>
+            </a:endParaRPr>
+          </a:p>
+          <a:p>
+            <a:pPr marL="171450" indent="-171450">
+              <a:buFont typeface="Arial"/>
+              <a:buChar char="•"/>
+            </a:pPr>
+            <a:endParaRPr lang="en-US" sz="1000" i="1" dirty="0">
               <a:solidFill>
                 <a:srgbClr val="000000"/>
               </a:solidFill>
-              <a:latin typeface="Calibri" panose="020F0502020204030204" pitchFamily="34" charset="0"/>
-            </a:endParaRPr>
-          </a:p>
-          <a:p>
-            <a:pPr algn="l" rtl="0" fontAlgn="base"/>
-            <a:endParaRPr lang="en-US" sz="1200" b="0" i="0">
+              <a:ea typeface="+mn-lt"/>
+              <a:cs typeface="+mn-lt"/>
+            </a:endParaRPr>
+          </a:p>
+          <a:p>
+            <a:pPr marL="171450" indent="-171450">
+              <a:buFont typeface="Arial"/>
+              <a:buChar char="•"/>
+            </a:pPr>
+            <a:endParaRPr lang="en-US" sz="1000" i="1" dirty="0">
               <a:solidFill>
                 <a:srgbClr val="000000"/>
               </a:solidFill>
-              <a:effectLst/>
-              <a:latin typeface="Calibri" panose="020F0502020204030204" pitchFamily="34" charset="0"/>
-            </a:endParaRPr>
-          </a:p>
-          <a:p>
-            <a:pPr algn="l" rtl="0" fontAlgn="base"/>
-            <a:endParaRPr lang="en-US" sz="1200" b="0" i="0">
+              <a:ea typeface="+mn-lt"/>
+              <a:cs typeface="+mn-lt"/>
+            </a:endParaRPr>
+          </a:p>
+          <a:p>
+            <a:pPr marL="171450" indent="-171450">
+              <a:buFont typeface="Arial"/>
+              <a:buChar char="•"/>
+            </a:pPr>
+            <a:endParaRPr lang="en-US" sz="1000" i="1" dirty="0">
               <a:solidFill>
                 <a:srgbClr val="000000"/>
               </a:solidFill>
-              <a:effectLst/>
-              <a:latin typeface="Calibri" panose="020F0502020204030204" pitchFamily="34" charset="0"/>
+              <a:ea typeface="+mn-lt"/>
+              <a:cs typeface="+mn-lt"/>
+            </a:endParaRPr>
+          </a:p>
+          <a:p>
+            <a:pPr marL="171450" indent="-171450">
+              <a:buFont typeface="Arial"/>
+              <a:buChar char="•"/>
+            </a:pPr>
+            <a:endParaRPr lang="en-US" sz="1000" i="1" dirty="0">
+              <a:solidFill>
+                <a:srgbClr val="000000"/>
+              </a:solidFill>
+              <a:ea typeface="+mn-lt"/>
+              <a:cs typeface="+mn-lt"/>
+            </a:endParaRPr>
+          </a:p>
+          <a:p>
+            <a:pPr marL="171450" indent="-171450">
+              <a:buFont typeface="Arial"/>
+              <a:buChar char="•"/>
+            </a:pPr>
+            <a:endParaRPr lang="en-US" sz="1000" i="1" dirty="0">
+              <a:solidFill>
+                <a:srgbClr val="000000"/>
+              </a:solidFill>
+              <a:ea typeface="+mn-lt"/>
+              <a:cs typeface="+mn-lt"/>
+            </a:endParaRPr>
+          </a:p>
+          <a:p>
+            <a:pPr marL="171450" indent="-171450">
+              <a:buFont typeface="Arial"/>
+              <a:buChar char="•"/>
+            </a:pPr>
+            <a:endParaRPr lang="en-US" sz="1000" i="1" dirty="0">
+              <a:solidFill>
+                <a:srgbClr val="000000"/>
+              </a:solidFill>
+              <a:ea typeface="+mn-lt"/>
+              <a:cs typeface="+mn-lt"/>
+            </a:endParaRPr>
+          </a:p>
+          <a:p>
+            <a:pPr marL="171450" indent="-171450">
+              <a:buFont typeface="Arial"/>
+              <a:buChar char="•"/>
+            </a:pPr>
+            <a:endParaRPr lang="en-US" sz="1000" i="1" dirty="0">
+              <a:solidFill>
+                <a:srgbClr val="000000"/>
+              </a:solidFill>
+              <a:ea typeface="+mn-lt"/>
+              <a:cs typeface="+mn-lt"/>
+            </a:endParaRPr>
+          </a:p>
+          <a:p>
+            <a:pPr marL="171450" indent="-171450">
+              <a:buFont typeface="Arial"/>
+              <a:buChar char="•"/>
+            </a:pPr>
+            <a:endParaRPr lang="en-US" sz="1000" i="1" dirty="0">
+              <a:solidFill>
+                <a:srgbClr val="000000"/>
+              </a:solidFill>
+              <a:ea typeface="+mn-lt"/>
+              <a:cs typeface="+mn-lt"/>
+            </a:endParaRPr>
+          </a:p>
+          <a:p>
+            <a:pPr marL="171450" indent="-171450">
+              <a:buFont typeface="Arial"/>
+              <a:buChar char="•"/>
+            </a:pPr>
+            <a:endParaRPr lang="en-US" sz="1000" i="1" dirty="0">
+              <a:solidFill>
+                <a:srgbClr val="000000"/>
+              </a:solidFill>
+              <a:ea typeface="+mn-lt"/>
+              <a:cs typeface="+mn-lt"/>
+            </a:endParaRPr>
+          </a:p>
+          <a:p>
+            <a:pPr marL="171450" indent="-171450">
+              <a:buFont typeface="Arial"/>
+              <a:buChar char="•"/>
+            </a:pPr>
+            <a:endParaRPr lang="en-US" sz="1000" i="1" dirty="0">
+              <a:solidFill>
+                <a:srgbClr val="000000"/>
+              </a:solidFill>
+              <a:ea typeface="+mn-lt"/>
+              <a:cs typeface="+mn-lt"/>
+            </a:endParaRPr>
+          </a:p>
+          <a:p>
+            <a:pPr marL="171450" indent="-171450">
+              <a:buFont typeface="Arial"/>
+              <a:buChar char="•"/>
+            </a:pPr>
+            <a:endParaRPr lang="en-US" sz="1000" i="1" dirty="0">
+              <a:solidFill>
+                <a:srgbClr val="000000"/>
+              </a:solidFill>
+              <a:ea typeface="+mn-lt"/>
+              <a:cs typeface="+mn-lt"/>
+            </a:endParaRPr>
+          </a:p>
+          <a:p>
+            <a:pPr marL="171450" indent="-171450">
+              <a:buFont typeface="Arial"/>
+              <a:buChar char="•"/>
+            </a:pPr>
+            <a:endParaRPr lang="en-US" sz="1000" i="1" dirty="0">
+              <a:solidFill>
+                <a:srgbClr val="000000"/>
+              </a:solidFill>
+              <a:ea typeface="+mn-lt"/>
+              <a:cs typeface="+mn-lt"/>
+            </a:endParaRPr>
+          </a:p>
+          <a:p>
+            <a:pPr marL="171450" indent="-171450">
+              <a:buFont typeface="Arial"/>
+              <a:buChar char="•"/>
+            </a:pPr>
+            <a:endParaRPr lang="en-US" sz="1000" i="1" dirty="0">
+              <a:solidFill>
+                <a:srgbClr val="000000"/>
+              </a:solidFill>
+              <a:ea typeface="+mn-lt"/>
+              <a:cs typeface="+mn-lt"/>
+            </a:endParaRPr>
+          </a:p>
+          <a:p>
+            <a:pPr marL="171450" indent="-171450">
+              <a:buFont typeface="Arial"/>
+              <a:buChar char="•"/>
+            </a:pPr>
+            <a:endParaRPr lang="en-US" sz="1000" i="1" dirty="0">
+              <a:solidFill>
+                <a:srgbClr val="000000"/>
+              </a:solidFill>
+              <a:ea typeface="+mn-lt"/>
+              <a:cs typeface="+mn-lt"/>
+            </a:endParaRPr>
+          </a:p>
+          <a:p>
+            <a:pPr marL="171450" indent="-171450">
+              <a:buFont typeface="Arial"/>
+              <a:buChar char="•"/>
+            </a:pPr>
+            <a:endParaRPr lang="en-US" sz="1000" dirty="0">
+              <a:ea typeface="Calibri" panose="020F0502020204030204"/>
+              <a:cs typeface="Calibri" panose="020F0502020204030204"/>
             </a:endParaRPr>
           </a:p>
         </p:txBody>
@@ -5391,8 +5828,8 @@
         </p:nvSpPr>
         <p:spPr>
           <a:xfrm>
-            <a:off x="4540336" y="625892"/>
-            <a:ext cx="3139130" cy="6001643"/>
+            <a:off x="3729176" y="625892"/>
+            <a:ext cx="3950290" cy="6132739"/>
           </a:xfrm>
           <a:prstGeom prst="rect">
             <a:avLst/>
@@ -5413,105 +5850,106 @@
           <a:lstStyle/>
           <a:p>
             <a:r>
-              <a:rPr lang="sv-SE" b="1"/>
+              <a:rPr lang="sv-SE" b="1" dirty="0" err="1"/>
               <a:t>Enviromental</a:t>
             </a:r>
-          </a:p>
-          <a:p>
-            <a:endParaRPr lang="sv-SE" b="1"/>
-          </a:p>
-          <a:p>
-            <a:endParaRPr lang="sv-SE" sz="1200"/>
-          </a:p>
-          <a:p>
-            <a:endParaRPr lang="sv-SE" sz="1200"/>
-          </a:p>
-          <a:p>
-            <a:endParaRPr lang="sv-SE" sz="1200"/>
-          </a:p>
-          <a:p>
-            <a:endParaRPr lang="sv-SE" sz="1200"/>
-          </a:p>
-          <a:p>
-            <a:endParaRPr lang="sv-SE" sz="1200"/>
-          </a:p>
-          <a:p>
-            <a:endParaRPr lang="sv-SE" sz="1200"/>
-          </a:p>
-          <a:p>
-            <a:endParaRPr lang="sv-SE" sz="1200"/>
-          </a:p>
-          <a:p>
-            <a:endParaRPr lang="sv-SE" sz="1200"/>
-          </a:p>
-          <a:p>
-            <a:endParaRPr lang="sv-SE" sz="1200"/>
-          </a:p>
-          <a:p>
-            <a:endParaRPr lang="sv-SE" sz="1200"/>
-          </a:p>
-          <a:p>
-            <a:endParaRPr lang="en-US" sz="1200"/>
-          </a:p>
-          <a:p>
-            <a:endParaRPr lang="en-US" sz="1200"/>
-          </a:p>
-          <a:p>
-            <a:endParaRPr lang="en-US" sz="1200"/>
-          </a:p>
-          <a:p>
-            <a:endParaRPr lang="en-US" sz="1200"/>
-          </a:p>
-          <a:p>
-            <a:endParaRPr lang="en-US" sz="1200"/>
-          </a:p>
-          <a:p>
-            <a:endParaRPr lang="en-US" sz="1200"/>
-          </a:p>
-          <a:p>
-            <a:endParaRPr lang="en-US" sz="1200"/>
-          </a:p>
-          <a:p>
-            <a:endParaRPr lang="en-US" sz="1200"/>
-          </a:p>
-          <a:p>
-            <a:endParaRPr lang="en-US" sz="1200"/>
-          </a:p>
-          <a:p>
-            <a:endParaRPr lang="en-US" sz="1200"/>
-          </a:p>
-          <a:p>
-            <a:endParaRPr lang="en-US" sz="1200"/>
-          </a:p>
-          <a:p>
-            <a:endParaRPr lang="en-US" sz="1200"/>
-          </a:p>
-          <a:p>
-            <a:endParaRPr lang="en-US" sz="1200"/>
-          </a:p>
-          <a:p>
-            <a:endParaRPr lang="en-US" sz="1200"/>
-          </a:p>
-          <a:p>
-            <a:endParaRPr lang="en-US" sz="1200"/>
-          </a:p>
-          <a:p>
-            <a:endParaRPr lang="en-US" sz="1200"/>
-          </a:p>
-          <a:p>
-            <a:endParaRPr lang="en-US" sz="1200"/>
-          </a:p>
-          <a:p>
-            <a:endParaRPr lang="en-US" sz="1200"/>
-          </a:p>
-          <a:p>
-            <a:endParaRPr lang="en-US" sz="1200"/>
-          </a:p>
-        </p:txBody>
-      </p:sp>
-      <p:sp>
-        <p:nvSpPr>
-          <p:cNvPr id="20" name="TextBox 19">
+            <a:endParaRPr lang="sv-SE" b="1" dirty="0"/>
+          </a:p>
+          <a:p>
+            <a:endParaRPr lang="sv-SE" b="1" dirty="0"/>
+          </a:p>
+          <a:p>
+            <a:endParaRPr lang="sv-SE" sz="1200" dirty="0"/>
+          </a:p>
+          <a:p>
+            <a:endParaRPr lang="sv-SE" sz="1200" dirty="0"/>
+          </a:p>
+          <a:p>
+            <a:endParaRPr lang="sv-SE" sz="1200" dirty="0"/>
+          </a:p>
+          <a:p>
+            <a:endParaRPr lang="sv-SE" sz="1200" dirty="0"/>
+          </a:p>
+          <a:p>
+            <a:endParaRPr lang="sv-SE" sz="1200" dirty="0"/>
+          </a:p>
+          <a:p>
+            <a:endParaRPr lang="sv-SE" sz="1200" dirty="0"/>
+          </a:p>
+          <a:p>
+            <a:endParaRPr lang="sv-SE" sz="1200" dirty="0"/>
+          </a:p>
+          <a:p>
+            <a:endParaRPr lang="sv-SE" sz="1200" dirty="0"/>
+          </a:p>
+          <a:p>
+            <a:endParaRPr lang="sv-SE" sz="1200" dirty="0"/>
+          </a:p>
+          <a:p>
+            <a:endParaRPr lang="sv-SE" sz="1200" dirty="0"/>
+          </a:p>
+          <a:p>
+            <a:endParaRPr lang="en-US" sz="1200" dirty="0"/>
+          </a:p>
+          <a:p>
+            <a:endParaRPr lang="en-US" sz="1200" dirty="0"/>
+          </a:p>
+          <a:p>
+            <a:endParaRPr lang="en-US" sz="1200" dirty="0"/>
+          </a:p>
+          <a:p>
+            <a:endParaRPr lang="en-US" sz="1200" dirty="0"/>
+          </a:p>
+          <a:p>
+            <a:endParaRPr lang="en-US" sz="1200" dirty="0"/>
+          </a:p>
+          <a:p>
+            <a:endParaRPr lang="en-US" sz="1200" dirty="0"/>
+          </a:p>
+          <a:p>
+            <a:endParaRPr lang="en-US" sz="1200" dirty="0"/>
+          </a:p>
+          <a:p>
+            <a:endParaRPr lang="en-US" sz="1200" dirty="0"/>
+          </a:p>
+          <a:p>
+            <a:endParaRPr lang="en-US" sz="1200" dirty="0"/>
+          </a:p>
+          <a:p>
+            <a:endParaRPr lang="en-US" sz="1200" dirty="0"/>
+          </a:p>
+          <a:p>
+            <a:endParaRPr lang="en-US" sz="1200" dirty="0"/>
+          </a:p>
+          <a:p>
+            <a:endParaRPr lang="en-US" sz="1200" dirty="0"/>
+          </a:p>
+          <a:p>
+            <a:endParaRPr lang="en-US" sz="1200" dirty="0"/>
+          </a:p>
+          <a:p>
+            <a:endParaRPr lang="en-US" sz="1200" dirty="0"/>
+          </a:p>
+          <a:p>
+            <a:endParaRPr lang="en-US" sz="1200" dirty="0"/>
+          </a:p>
+          <a:p>
+            <a:endParaRPr lang="en-US" sz="1200" dirty="0"/>
+          </a:p>
+          <a:p>
+            <a:endParaRPr lang="en-US" sz="1200" dirty="0"/>
+          </a:p>
+          <a:p>
+            <a:endParaRPr lang="en-US" sz="1200" dirty="0"/>
+          </a:p>
+          <a:p>
+            <a:endParaRPr lang="en-US" sz="1200" dirty="0"/>
+          </a:p>
+        </p:txBody>
+      </p:sp>
+      <p:sp>
+        <p:nvSpPr>
+          <p:cNvPr id="20" name="Social">
             <a:extLst>
               <a:ext uri="{FF2B5EF4-FFF2-40B4-BE49-F238E27FC236}">
                 <a16:creationId xmlns:a16="http://schemas.microsoft.com/office/drawing/2014/main" id="{809C2245-659B-ED24-E729-362132A9ADCC}"/>
@@ -5523,8 +5961,8 @@
         </p:nvSpPr>
         <p:spPr>
           <a:xfrm>
-            <a:off x="7962928" y="625892"/>
-            <a:ext cx="2201132" cy="6001643"/>
+            <a:off x="7962928" y="636909"/>
+            <a:ext cx="2201132" cy="5909310"/>
           </a:xfrm>
           <a:prstGeom prst="rect">
             <a:avLst/>
@@ -5539,355 +5977,368 @@
           </a:ln>
         </p:spPr>
         <p:txBody>
-          <a:bodyPr wrap="square" rtlCol="0">
+          <a:bodyPr wrap="square" lIns="91440" tIns="45720" rIns="91440" bIns="45720" rtlCol="0" anchor="t">
             <a:spAutoFit/>
           </a:bodyPr>
           <a:lstStyle/>
           <a:p>
             <a:r>
-              <a:rPr lang="sv-SE" b="1"/>
+              <a:rPr lang="sv-SE" b="1" dirty="0"/>
               <a:t>Social</a:t>
             </a:r>
           </a:p>
           <a:p>
             <a:r>
-              <a:rPr lang="sv-SE" b="1"/>
-              <a:t>[[Social]]</a:t>
-            </a:r>
-          </a:p>
-          <a:p>
-            <a:pPr algn="l" rtl="0" fontAlgn="base">
-              <a:buFont typeface="Arial" panose="020B0604020202020204" pitchFamily="34" charset="0"/>
+              <a:rPr lang="sv-SE" sz="1000" i="1" dirty="0">
+                <a:ea typeface="+mn-lt"/>
+                <a:cs typeface="+mn-lt"/>
+              </a:rPr>
+              <a:t>[[social]]</a:t>
+            </a:r>
+          </a:p>
+          <a:p>
+            <a:pPr marL="285750" indent="-285750">
+              <a:buFont typeface="Arial"/>
               <a:buChar char="•"/>
             </a:pPr>
-            <a:endParaRPr lang="en-US" sz="1200">
-              <a:solidFill>
-                <a:srgbClr val="000000"/>
-              </a:solidFill>
-              <a:latin typeface="Calibri" panose="020F0502020204030204" pitchFamily="34" charset="0"/>
-            </a:endParaRPr>
-          </a:p>
-          <a:p>
-            <a:pPr algn="l" rtl="0" fontAlgn="base">
-              <a:buFont typeface="Arial" panose="020B0604020202020204" pitchFamily="34" charset="0"/>
+            <a:endParaRPr lang="sv-SE" sz="1000" i="1" dirty="0">
+              <a:ea typeface="+mn-lt"/>
+              <a:cs typeface="+mn-lt"/>
+            </a:endParaRPr>
+          </a:p>
+          <a:p>
+            <a:pPr marL="285750" indent="-285750">
+              <a:buFont typeface="Arial"/>
               <a:buChar char="•"/>
             </a:pPr>
-            <a:endParaRPr lang="en-US" sz="1200">
-              <a:solidFill>
-                <a:srgbClr val="000000"/>
-              </a:solidFill>
-              <a:latin typeface="Calibri" panose="020F0502020204030204" pitchFamily="34" charset="0"/>
-            </a:endParaRPr>
-          </a:p>
-          <a:p>
-            <a:pPr algn="l" rtl="0" fontAlgn="base">
-              <a:buFont typeface="Arial" panose="020B0604020202020204" pitchFamily="34" charset="0"/>
+            <a:endParaRPr lang="sv-SE" sz="1000" i="1" dirty="0">
+              <a:ea typeface="+mn-lt"/>
+              <a:cs typeface="+mn-lt"/>
+            </a:endParaRPr>
+          </a:p>
+          <a:p>
+            <a:pPr marL="285750" indent="-285750">
+              <a:buFont typeface="Arial"/>
               <a:buChar char="•"/>
             </a:pPr>
-            <a:endParaRPr lang="en-US" sz="1200">
-              <a:solidFill>
-                <a:srgbClr val="000000"/>
-              </a:solidFill>
-              <a:latin typeface="Calibri" panose="020F0502020204030204" pitchFamily="34" charset="0"/>
-            </a:endParaRPr>
-          </a:p>
-          <a:p>
-            <a:pPr algn="l" rtl="0" fontAlgn="base">
-              <a:buFont typeface="Arial" panose="020B0604020202020204" pitchFamily="34" charset="0"/>
+            <a:endParaRPr lang="sv-SE" sz="1000" i="1" dirty="0">
+              <a:ea typeface="+mn-lt"/>
+              <a:cs typeface="+mn-lt"/>
+            </a:endParaRPr>
+          </a:p>
+          <a:p>
+            <a:pPr marL="285750" indent="-285750">
+              <a:buFont typeface="Arial"/>
               <a:buChar char="•"/>
             </a:pPr>
-            <a:endParaRPr lang="en-US" sz="1200">
-              <a:solidFill>
-                <a:srgbClr val="000000"/>
-              </a:solidFill>
-              <a:latin typeface="Calibri" panose="020F0502020204030204" pitchFamily="34" charset="0"/>
-            </a:endParaRPr>
-          </a:p>
-          <a:p>
-            <a:pPr algn="l" rtl="0" fontAlgn="base">
-              <a:buFont typeface="Arial" panose="020B0604020202020204" pitchFamily="34" charset="0"/>
+            <a:endParaRPr lang="sv-SE" sz="1000" i="1" dirty="0">
+              <a:ea typeface="+mn-lt"/>
+              <a:cs typeface="+mn-lt"/>
+            </a:endParaRPr>
+          </a:p>
+          <a:p>
+            <a:pPr marL="285750" indent="-285750">
+              <a:buFont typeface="Arial"/>
               <a:buChar char="•"/>
             </a:pPr>
-            <a:endParaRPr lang="en-US" sz="1200">
-              <a:solidFill>
-                <a:srgbClr val="000000"/>
-              </a:solidFill>
-              <a:latin typeface="Calibri" panose="020F0502020204030204" pitchFamily="34" charset="0"/>
-            </a:endParaRPr>
-          </a:p>
-          <a:p>
-            <a:pPr algn="l" rtl="0" fontAlgn="base">
-              <a:buFont typeface="Arial" panose="020B0604020202020204" pitchFamily="34" charset="0"/>
+            <a:endParaRPr lang="sv-SE" sz="1000" i="1" dirty="0">
+              <a:ea typeface="+mn-lt"/>
+              <a:cs typeface="+mn-lt"/>
+            </a:endParaRPr>
+          </a:p>
+          <a:p>
+            <a:pPr marL="285750" indent="-285750">
+              <a:buFont typeface="Arial"/>
               <a:buChar char="•"/>
             </a:pPr>
-            <a:endParaRPr lang="en-US" sz="1200">
-              <a:solidFill>
-                <a:srgbClr val="000000"/>
-              </a:solidFill>
-              <a:latin typeface="Calibri" panose="020F0502020204030204" pitchFamily="34" charset="0"/>
-            </a:endParaRPr>
-          </a:p>
-          <a:p>
-            <a:pPr algn="l" rtl="0" fontAlgn="base">
-              <a:buFont typeface="Arial" panose="020B0604020202020204" pitchFamily="34" charset="0"/>
+            <a:endParaRPr lang="sv-SE" sz="1000" i="1" dirty="0">
+              <a:ea typeface="+mn-lt"/>
+              <a:cs typeface="+mn-lt"/>
+            </a:endParaRPr>
+          </a:p>
+          <a:p>
+            <a:pPr marL="285750" indent="-285750">
+              <a:buFont typeface="Arial"/>
               <a:buChar char="•"/>
             </a:pPr>
-            <a:endParaRPr lang="en-US" sz="1200">
-              <a:solidFill>
-                <a:srgbClr val="000000"/>
-              </a:solidFill>
-              <a:latin typeface="Calibri" panose="020F0502020204030204" pitchFamily="34" charset="0"/>
-            </a:endParaRPr>
-          </a:p>
-          <a:p>
-            <a:pPr algn="l" rtl="0" fontAlgn="base">
-              <a:buFont typeface="Arial" panose="020B0604020202020204" pitchFamily="34" charset="0"/>
+            <a:endParaRPr lang="sv-SE" sz="1000" i="1" dirty="0">
+              <a:ea typeface="+mn-lt"/>
+              <a:cs typeface="+mn-lt"/>
+            </a:endParaRPr>
+          </a:p>
+          <a:p>
+            <a:endParaRPr lang="sv-SE" sz="1000" i="1" dirty="0">
+              <a:ea typeface="+mn-lt"/>
+              <a:cs typeface="+mn-lt"/>
+            </a:endParaRPr>
+          </a:p>
+          <a:p>
+            <a:pPr marL="285750" indent="-285750">
+              <a:buFont typeface="Arial"/>
               <a:buChar char="•"/>
             </a:pPr>
-            <a:endParaRPr lang="en-US" sz="1200">
-              <a:solidFill>
-                <a:srgbClr val="000000"/>
-              </a:solidFill>
-              <a:latin typeface="Calibri" panose="020F0502020204030204" pitchFamily="34" charset="0"/>
-            </a:endParaRPr>
-          </a:p>
-          <a:p>
-            <a:pPr algn="l" rtl="0" fontAlgn="base">
-              <a:buFont typeface="Arial" panose="020B0604020202020204" pitchFamily="34" charset="0"/>
+            <a:endParaRPr lang="sv-SE" sz="1000" i="1" dirty="0">
+              <a:ea typeface="+mn-lt"/>
+              <a:cs typeface="+mn-lt"/>
+            </a:endParaRPr>
+          </a:p>
+          <a:p>
+            <a:pPr marL="285750" indent="-285750">
+              <a:buFont typeface="Arial"/>
               <a:buChar char="•"/>
             </a:pPr>
-            <a:endParaRPr lang="en-US" sz="1200">
-              <a:solidFill>
-                <a:srgbClr val="000000"/>
-              </a:solidFill>
-              <a:latin typeface="Calibri" panose="020F0502020204030204" pitchFamily="34" charset="0"/>
-            </a:endParaRPr>
-          </a:p>
-          <a:p>
-            <a:pPr algn="l" rtl="0" fontAlgn="base">
-              <a:buFont typeface="Arial" panose="020B0604020202020204" pitchFamily="34" charset="0"/>
+            <a:endParaRPr lang="sv-SE" sz="1000" i="1" dirty="0">
+              <a:ea typeface="+mn-lt"/>
+              <a:cs typeface="+mn-lt"/>
+            </a:endParaRPr>
+          </a:p>
+          <a:p>
+            <a:pPr marL="285750" indent="-285750">
+              <a:buFont typeface="Arial"/>
               <a:buChar char="•"/>
             </a:pPr>
-            <a:endParaRPr lang="en-US" sz="1200">
-              <a:solidFill>
-                <a:srgbClr val="000000"/>
-              </a:solidFill>
-              <a:latin typeface="Calibri" panose="020F0502020204030204" pitchFamily="34" charset="0"/>
-            </a:endParaRPr>
-          </a:p>
-          <a:p>
-            <a:pPr algn="l" rtl="0" fontAlgn="base">
-              <a:buFont typeface="Arial" panose="020B0604020202020204" pitchFamily="34" charset="0"/>
+            <a:endParaRPr lang="sv-SE" sz="1000" i="1" dirty="0">
+              <a:ea typeface="+mn-lt"/>
+              <a:cs typeface="+mn-lt"/>
+            </a:endParaRPr>
+          </a:p>
+          <a:p>
+            <a:pPr marL="285750" indent="-285750">
+              <a:buFont typeface="Arial"/>
               <a:buChar char="•"/>
             </a:pPr>
-            <a:endParaRPr lang="en-US" sz="1200">
-              <a:solidFill>
-                <a:srgbClr val="000000"/>
-              </a:solidFill>
-              <a:latin typeface="Calibri" panose="020F0502020204030204" pitchFamily="34" charset="0"/>
-            </a:endParaRPr>
-          </a:p>
-          <a:p>
-            <a:pPr algn="l" rtl="0" fontAlgn="base">
-              <a:buFont typeface="Arial" panose="020B0604020202020204" pitchFamily="34" charset="0"/>
+            <a:endParaRPr lang="sv-SE" sz="1000" i="1" dirty="0">
+              <a:ea typeface="+mn-lt"/>
+              <a:cs typeface="+mn-lt"/>
+            </a:endParaRPr>
+          </a:p>
+          <a:p>
+            <a:pPr marL="285750" indent="-285750">
+              <a:buFont typeface="Arial"/>
               <a:buChar char="•"/>
             </a:pPr>
-            <a:endParaRPr lang="en-US" sz="1200">
-              <a:solidFill>
-                <a:srgbClr val="000000"/>
-              </a:solidFill>
-              <a:latin typeface="Calibri" panose="020F0502020204030204" pitchFamily="34" charset="0"/>
-            </a:endParaRPr>
-          </a:p>
-          <a:p>
-            <a:pPr algn="l" rtl="0" fontAlgn="base">
-              <a:buFont typeface="Arial" panose="020B0604020202020204" pitchFamily="34" charset="0"/>
+            <a:endParaRPr lang="sv-SE" sz="1000" i="1" dirty="0">
+              <a:ea typeface="+mn-lt"/>
+              <a:cs typeface="+mn-lt"/>
+            </a:endParaRPr>
+          </a:p>
+          <a:p>
+            <a:pPr marL="285750" indent="-285750">
+              <a:buFont typeface="Arial"/>
               <a:buChar char="•"/>
             </a:pPr>
-            <a:endParaRPr lang="en-US" sz="1200">
-              <a:solidFill>
-                <a:srgbClr val="000000"/>
-              </a:solidFill>
-              <a:latin typeface="Calibri" panose="020F0502020204030204" pitchFamily="34" charset="0"/>
-            </a:endParaRPr>
-          </a:p>
-          <a:p>
-            <a:pPr algn="l" rtl="0" fontAlgn="base">
-              <a:buFont typeface="Arial" panose="020B0604020202020204" pitchFamily="34" charset="0"/>
+            <a:endParaRPr lang="sv-SE" sz="1000" i="1" dirty="0">
+              <a:ea typeface="+mn-lt"/>
+              <a:cs typeface="+mn-lt"/>
+            </a:endParaRPr>
+          </a:p>
+          <a:p>
+            <a:pPr marL="285750" indent="-285750">
+              <a:buFont typeface="Arial"/>
               <a:buChar char="•"/>
             </a:pPr>
-            <a:endParaRPr lang="en-US" sz="1200">
-              <a:solidFill>
-                <a:srgbClr val="000000"/>
-              </a:solidFill>
-              <a:latin typeface="Calibri" panose="020F0502020204030204" pitchFamily="34" charset="0"/>
-            </a:endParaRPr>
-          </a:p>
-          <a:p>
-            <a:pPr algn="l" rtl="0" fontAlgn="base">
-              <a:buFont typeface="Arial" panose="020B0604020202020204" pitchFamily="34" charset="0"/>
+            <a:endParaRPr lang="sv-SE" sz="1000" i="1" dirty="0">
+              <a:ea typeface="+mn-lt"/>
+              <a:cs typeface="+mn-lt"/>
+            </a:endParaRPr>
+          </a:p>
+          <a:p>
+            <a:pPr marL="285750" indent="-285750">
+              <a:buFont typeface="Arial"/>
               <a:buChar char="•"/>
             </a:pPr>
-            <a:endParaRPr lang="en-US" sz="1200">
-              <a:solidFill>
-                <a:srgbClr val="000000"/>
-              </a:solidFill>
-              <a:latin typeface="Calibri" panose="020F0502020204030204" pitchFamily="34" charset="0"/>
-            </a:endParaRPr>
-          </a:p>
-          <a:p>
-            <a:pPr algn="l" rtl="0" fontAlgn="base">
-              <a:buFont typeface="Arial" panose="020B0604020202020204" pitchFamily="34" charset="0"/>
+            <a:endParaRPr lang="sv-SE" sz="1000" i="1" dirty="0">
+              <a:ea typeface="+mn-lt"/>
+              <a:cs typeface="+mn-lt"/>
+            </a:endParaRPr>
+          </a:p>
+          <a:p>
+            <a:pPr marL="285750" indent="-285750">
+              <a:buFont typeface="Arial"/>
               <a:buChar char="•"/>
             </a:pPr>
-            <a:endParaRPr lang="en-US" sz="1200">
-              <a:solidFill>
-                <a:srgbClr val="000000"/>
-              </a:solidFill>
-              <a:latin typeface="Calibri" panose="020F0502020204030204" pitchFamily="34" charset="0"/>
-            </a:endParaRPr>
-          </a:p>
-          <a:p>
-            <a:pPr algn="l" rtl="0" fontAlgn="base">
-              <a:buFont typeface="Arial" panose="020B0604020202020204" pitchFamily="34" charset="0"/>
+            <a:endParaRPr lang="sv-SE" sz="1000" i="1" dirty="0">
+              <a:ea typeface="+mn-lt"/>
+              <a:cs typeface="+mn-lt"/>
+            </a:endParaRPr>
+          </a:p>
+          <a:p>
+            <a:pPr marL="285750" indent="-285750">
+              <a:buFont typeface="Arial"/>
               <a:buChar char="•"/>
             </a:pPr>
-            <a:endParaRPr lang="en-US" sz="1200">
-              <a:solidFill>
-                <a:srgbClr val="000000"/>
-              </a:solidFill>
-              <a:latin typeface="Calibri" panose="020F0502020204030204" pitchFamily="34" charset="0"/>
-            </a:endParaRPr>
-          </a:p>
-          <a:p>
-            <a:pPr algn="l" rtl="0" fontAlgn="base"/>
-            <a:endParaRPr lang="en-US" sz="1200">
-              <a:solidFill>
-                <a:srgbClr val="000000"/>
-              </a:solidFill>
-              <a:latin typeface="Calibri" panose="020F0502020204030204" pitchFamily="34" charset="0"/>
-            </a:endParaRPr>
-          </a:p>
-          <a:p>
-            <a:pPr algn="l" rtl="0" fontAlgn="base">
-              <a:buFont typeface="Arial" panose="020B0604020202020204" pitchFamily="34" charset="0"/>
+            <a:endParaRPr lang="sv-SE" sz="1000" i="1" dirty="0">
+              <a:ea typeface="+mn-lt"/>
+              <a:cs typeface="+mn-lt"/>
+            </a:endParaRPr>
+          </a:p>
+          <a:p>
+            <a:pPr marL="285750" indent="-285750">
+              <a:buFont typeface="Arial"/>
               <a:buChar char="•"/>
             </a:pPr>
-            <a:endParaRPr lang="en-US" sz="1200">
-              <a:solidFill>
-                <a:srgbClr val="000000"/>
-              </a:solidFill>
-              <a:latin typeface="Calibri" panose="020F0502020204030204" pitchFamily="34" charset="0"/>
-            </a:endParaRPr>
-          </a:p>
-          <a:p>
-            <a:pPr algn="l" rtl="0" fontAlgn="base">
-              <a:buFont typeface="Arial" panose="020B0604020202020204" pitchFamily="34" charset="0"/>
+            <a:endParaRPr lang="sv-SE" sz="1000" i="1" dirty="0">
+              <a:ea typeface="+mn-lt"/>
+              <a:cs typeface="+mn-lt"/>
+            </a:endParaRPr>
+          </a:p>
+          <a:p>
+            <a:pPr marL="285750" indent="-285750">
+              <a:buFont typeface="Arial"/>
               <a:buChar char="•"/>
             </a:pPr>
-            <a:endParaRPr lang="en-US" sz="1200">
-              <a:solidFill>
-                <a:srgbClr val="000000"/>
-              </a:solidFill>
-              <a:latin typeface="Calibri" panose="020F0502020204030204" pitchFamily="34" charset="0"/>
-            </a:endParaRPr>
-          </a:p>
-          <a:p>
-            <a:pPr algn="l" rtl="0" fontAlgn="base">
-              <a:buFont typeface="Arial" panose="020B0604020202020204" pitchFamily="34" charset="0"/>
+            <a:endParaRPr lang="sv-SE" sz="1000" i="1" dirty="0">
+              <a:ea typeface="+mn-lt"/>
+              <a:cs typeface="+mn-lt"/>
+            </a:endParaRPr>
+          </a:p>
+          <a:p>
+            <a:pPr marL="285750" indent="-285750">
+              <a:buFont typeface="Arial"/>
               <a:buChar char="•"/>
             </a:pPr>
-            <a:endParaRPr lang="en-US" sz="1200">
-              <a:solidFill>
-                <a:srgbClr val="000000"/>
-              </a:solidFill>
-              <a:latin typeface="Calibri" panose="020F0502020204030204" pitchFamily="34" charset="0"/>
-            </a:endParaRPr>
-          </a:p>
-          <a:p>
-            <a:pPr algn="l" rtl="0" fontAlgn="base">
-              <a:buFont typeface="Arial" panose="020B0604020202020204" pitchFamily="34" charset="0"/>
+            <a:endParaRPr lang="sv-SE" sz="1000" i="1" dirty="0">
+              <a:ea typeface="+mn-lt"/>
+              <a:cs typeface="+mn-lt"/>
+            </a:endParaRPr>
+          </a:p>
+          <a:p>
+            <a:pPr marL="285750" indent="-285750">
+              <a:buFont typeface="Arial"/>
               <a:buChar char="•"/>
             </a:pPr>
-            <a:endParaRPr lang="en-US" sz="1200">
-              <a:solidFill>
-                <a:srgbClr val="000000"/>
-              </a:solidFill>
-              <a:latin typeface="Calibri" panose="020F0502020204030204" pitchFamily="34" charset="0"/>
-            </a:endParaRPr>
-          </a:p>
-          <a:p>
-            <a:pPr algn="l" rtl="0" fontAlgn="base">
-              <a:buFont typeface="Arial" panose="020B0604020202020204" pitchFamily="34" charset="0"/>
+            <a:endParaRPr lang="sv-SE" sz="1000" i="1" dirty="0">
+              <a:ea typeface="+mn-lt"/>
+              <a:cs typeface="+mn-lt"/>
+            </a:endParaRPr>
+          </a:p>
+          <a:p>
+            <a:pPr marL="285750" indent="-285750">
+              <a:buFont typeface="Arial"/>
               <a:buChar char="•"/>
             </a:pPr>
-            <a:endParaRPr lang="en-US" sz="1200">
-              <a:solidFill>
-                <a:srgbClr val="000000"/>
-              </a:solidFill>
-              <a:latin typeface="Calibri" panose="020F0502020204030204" pitchFamily="34" charset="0"/>
-            </a:endParaRPr>
-          </a:p>
-          <a:p>
-            <a:pPr algn="l" rtl="0" fontAlgn="base">
-              <a:buFont typeface="Arial" panose="020B0604020202020204" pitchFamily="34" charset="0"/>
+            <a:endParaRPr lang="sv-SE" sz="1000" i="1" dirty="0">
+              <a:ea typeface="+mn-lt"/>
+              <a:cs typeface="+mn-lt"/>
+            </a:endParaRPr>
+          </a:p>
+          <a:p>
+            <a:pPr marL="285750" indent="-285750">
+              <a:buFont typeface="Arial"/>
               <a:buChar char="•"/>
             </a:pPr>
-            <a:endParaRPr lang="en-US" sz="1200">
-              <a:solidFill>
-                <a:srgbClr val="000000"/>
-              </a:solidFill>
-              <a:latin typeface="Calibri" panose="020F0502020204030204" pitchFamily="34" charset="0"/>
-            </a:endParaRPr>
-          </a:p>
-          <a:p>
-            <a:pPr algn="l" rtl="0" fontAlgn="base"/>
-            <a:endParaRPr lang="en-US" sz="1200">
-              <a:solidFill>
-                <a:srgbClr val="000000"/>
-              </a:solidFill>
-              <a:latin typeface="Calibri" panose="020F0502020204030204" pitchFamily="34" charset="0"/>
-            </a:endParaRPr>
-          </a:p>
-          <a:p>
-            <a:pPr algn="l" rtl="0" fontAlgn="base"/>
-            <a:endParaRPr lang="en-US" sz="1200">
-              <a:solidFill>
-                <a:srgbClr val="000000"/>
-              </a:solidFill>
-              <a:latin typeface="Calibri" panose="020F0502020204030204" pitchFamily="34" charset="0"/>
-            </a:endParaRPr>
-          </a:p>
-          <a:p>
-            <a:pPr algn="l" rtl="0" fontAlgn="base">
-              <a:buFont typeface="Arial" panose="020B0604020202020204" pitchFamily="34" charset="0"/>
+            <a:endParaRPr lang="sv-SE" sz="1000" i="1" dirty="0">
+              <a:ea typeface="+mn-lt"/>
+              <a:cs typeface="+mn-lt"/>
+            </a:endParaRPr>
+          </a:p>
+          <a:p>
+            <a:pPr marL="285750" indent="-285750">
+              <a:buFont typeface="Arial"/>
               <a:buChar char="•"/>
             </a:pPr>
-            <a:endParaRPr lang="en-US" sz="1200">
-              <a:solidFill>
-                <a:srgbClr val="000000"/>
-              </a:solidFill>
-              <a:latin typeface="Calibri" panose="020F0502020204030204" pitchFamily="34" charset="0"/>
-            </a:endParaRPr>
-          </a:p>
-          <a:p>
-            <a:pPr algn="l" rtl="0" fontAlgn="base"/>
-            <a:endParaRPr lang="en-US" sz="1200">
-              <a:solidFill>
-                <a:srgbClr val="000000"/>
-              </a:solidFill>
-              <a:latin typeface="Calibri" panose="020F0502020204030204" pitchFamily="34" charset="0"/>
-            </a:endParaRPr>
-          </a:p>
-          <a:p>
-            <a:pPr algn="l" rtl="0" fontAlgn="base"/>
-            <a:endParaRPr lang="en-US" sz="1200"/>
-          </a:p>
-        </p:txBody>
-      </p:sp>
-      <p:sp>
-        <p:nvSpPr>
-          <p:cNvPr id="21" name="TextBox 20">
+            <a:endParaRPr lang="sv-SE" sz="1000" i="1" dirty="0">
+              <a:ea typeface="+mn-lt"/>
+              <a:cs typeface="+mn-lt"/>
+            </a:endParaRPr>
+          </a:p>
+          <a:p>
+            <a:pPr marL="285750" indent="-285750">
+              <a:buFont typeface="Arial"/>
+              <a:buChar char="•"/>
+            </a:pPr>
+            <a:endParaRPr lang="sv-SE" sz="1000" i="1" dirty="0">
+              <a:ea typeface="+mn-lt"/>
+              <a:cs typeface="+mn-lt"/>
+            </a:endParaRPr>
+          </a:p>
+          <a:p>
+            <a:pPr marL="285750" indent="-285750">
+              <a:buFont typeface="Arial"/>
+              <a:buChar char="•"/>
+            </a:pPr>
+            <a:endParaRPr lang="sv-SE" sz="1000" i="1" dirty="0">
+              <a:ea typeface="+mn-lt"/>
+              <a:cs typeface="+mn-lt"/>
+            </a:endParaRPr>
+          </a:p>
+          <a:p>
+            <a:pPr marL="285750" indent="-285750">
+              <a:buFont typeface="Arial"/>
+              <a:buChar char="•"/>
+            </a:pPr>
+            <a:endParaRPr lang="sv-SE" sz="1000" i="1" dirty="0">
+              <a:ea typeface="+mn-lt"/>
+              <a:cs typeface="+mn-lt"/>
+            </a:endParaRPr>
+          </a:p>
+          <a:p>
+            <a:pPr marL="285750" indent="-285750">
+              <a:buFont typeface="Arial"/>
+              <a:buChar char="•"/>
+            </a:pPr>
+            <a:endParaRPr lang="sv-SE" sz="1000" i="1" dirty="0">
+              <a:ea typeface="+mn-lt"/>
+              <a:cs typeface="+mn-lt"/>
+            </a:endParaRPr>
+          </a:p>
+          <a:p>
+            <a:pPr marL="285750" indent="-285750">
+              <a:buFont typeface="Arial"/>
+              <a:buChar char="•"/>
+            </a:pPr>
+            <a:endParaRPr lang="sv-SE" sz="1000" dirty="0">
+              <a:ea typeface="Calibri"/>
+              <a:cs typeface="Calibri"/>
+            </a:endParaRPr>
+          </a:p>
+          <a:p>
+            <a:pPr marL="285750" indent="-285750">
+              <a:buFont typeface="Arial"/>
+              <a:buChar char="•"/>
+            </a:pPr>
+            <a:endParaRPr lang="sv-SE" sz="1000" dirty="0">
+              <a:ea typeface="Calibri"/>
+              <a:cs typeface="Calibri"/>
+            </a:endParaRPr>
+          </a:p>
+          <a:p>
+            <a:pPr marL="285750" indent="-285750">
+              <a:buFont typeface="Arial"/>
+              <a:buChar char="•"/>
+            </a:pPr>
+            <a:endParaRPr lang="sv-SE" sz="1000" dirty="0">
+              <a:ea typeface="Calibri"/>
+              <a:cs typeface="Calibri"/>
+            </a:endParaRPr>
+          </a:p>
+          <a:p>
+            <a:pPr marL="285750" indent="-285750">
+              <a:buFont typeface="Arial"/>
+              <a:buChar char="•"/>
+            </a:pPr>
+            <a:endParaRPr lang="sv-SE" sz="1000" dirty="0">
+              <a:ea typeface="Calibri"/>
+              <a:cs typeface="Calibri"/>
+            </a:endParaRPr>
+          </a:p>
+          <a:p>
+            <a:endParaRPr lang="sv-SE" sz="1000" dirty="0">
+              <a:ea typeface="Calibri"/>
+              <a:cs typeface="Calibri"/>
+            </a:endParaRPr>
+          </a:p>
+          <a:p>
+            <a:endParaRPr lang="sv-SE" sz="1000" dirty="0">
+              <a:ea typeface="Calibri"/>
+              <a:cs typeface="Calibri"/>
+            </a:endParaRPr>
+          </a:p>
+        </p:txBody>
+      </p:sp>
+      <p:sp>
+        <p:nvSpPr>
+          <p:cNvPr id="21" name="Governance">
             <a:extLst>
               <a:ext uri="{FF2B5EF4-FFF2-40B4-BE49-F238E27FC236}">
                 <a16:creationId xmlns:a16="http://schemas.microsoft.com/office/drawing/2014/main" id="{5749F089-D1F1-2D1B-B890-ABB701F7879A}"/>
@@ -5900,7 +6351,7 @@
         <p:spPr>
           <a:xfrm>
             <a:off x="10435523" y="625892"/>
-            <a:ext cx="1517216" cy="5724644"/>
+            <a:ext cx="1517216" cy="5909310"/>
           </a:xfrm>
           <a:prstGeom prst="rect">
             <a:avLst/>
@@ -5921,321 +6372,262 @@
           <a:lstStyle/>
           <a:p>
             <a:r>
-              <a:rPr lang="sv-SE" b="1"/>
+              <a:rPr lang="sv-SE" b="1" dirty="0" err="1"/>
               <a:t>Governance</a:t>
             </a:r>
-            <a:endParaRPr lang="sv-SE" b="1">
+            <a:endParaRPr lang="sv-SE" b="1" dirty="0">
+              <a:ea typeface="Calibri"/>
+              <a:cs typeface="Calibri"/>
+            </a:endParaRPr>
+          </a:p>
+          <a:p>
+            <a:r>
+              <a:rPr lang="sv-SE" sz="1000" dirty="0">
+                <a:ea typeface="+mn-lt"/>
+                <a:cs typeface="+mn-lt"/>
+              </a:rPr>
+              <a:t>[[</a:t>
+            </a:r>
+            <a:r>
+              <a:rPr lang="sv-SE" sz="1000" dirty="0" err="1">
+                <a:ea typeface="+mn-lt"/>
+                <a:cs typeface="+mn-lt"/>
+              </a:rPr>
+              <a:t>governance</a:t>
+            </a:r>
+            <a:r>
+              <a:rPr lang="sv-SE" sz="1000" dirty="0">
+                <a:ea typeface="+mn-lt"/>
+                <a:cs typeface="+mn-lt"/>
+              </a:rPr>
+              <a:t>]]</a:t>
+            </a:r>
+            <a:endParaRPr lang="sv-SE" sz="1000" dirty="0">
               <a:ea typeface="Calibri" panose="020F0502020204030204"/>
               <a:cs typeface="Calibri" panose="020F0502020204030204"/>
             </a:endParaRPr>
           </a:p>
           <a:p>
-            <a:r>
-              <a:rPr lang="sv-SE" b="1"/>
-              <a:t>[[</a:t>
-            </a:r>
-            <a:r>
-              <a:rPr lang="sv-SE" b="1" err="1"/>
-              <a:t>Governance</a:t>
-            </a:r>
-            <a:r>
-              <a:rPr lang="sv-SE" b="1"/>
-              <a:t>]]</a:t>
-            </a:r>
-            <a:endParaRPr lang="sv-SE" b="1">
-              <a:ea typeface="Calibri"/>
-              <a:cs typeface="Calibri"/>
-            </a:endParaRPr>
-          </a:p>
-          <a:p>
-            <a:pPr algn="l" rtl="0" fontAlgn="base">
-              <a:buFont typeface="Arial" panose="020B0604020202020204" pitchFamily="34" charset="0"/>
+            <a:pPr marL="285750" indent="-285750">
+              <a:buFont typeface="Arial"/>
               <a:buChar char="•"/>
             </a:pPr>
-            <a:endParaRPr lang="en-US" sz="1200">
-              <a:solidFill>
-                <a:srgbClr val="000000"/>
-              </a:solidFill>
-              <a:latin typeface="Calibri" panose="020F0502020204030204" pitchFamily="34" charset="0"/>
-            </a:endParaRPr>
-          </a:p>
-          <a:p>
-            <a:pPr algn="l" rtl="0" fontAlgn="base">
-              <a:buFont typeface="Arial" panose="020B0604020202020204" pitchFamily="34" charset="0"/>
+            <a:endParaRPr lang="sv-SE" sz="1000" dirty="0">
+              <a:ea typeface="Calibri" panose="020F0502020204030204"/>
+              <a:cs typeface="Calibri" panose="020F0502020204030204"/>
+            </a:endParaRPr>
+          </a:p>
+          <a:p>
+            <a:pPr marL="285750" indent="-285750">
+              <a:buFont typeface="Arial"/>
               <a:buChar char="•"/>
             </a:pPr>
-            <a:endParaRPr lang="en-US" sz="1200">
-              <a:solidFill>
-                <a:srgbClr val="000000"/>
-              </a:solidFill>
-              <a:latin typeface="Calibri" panose="020F0502020204030204" pitchFamily="34" charset="0"/>
-            </a:endParaRPr>
-          </a:p>
-          <a:p>
-            <a:pPr algn="l" rtl="0" fontAlgn="base">
-              <a:buFont typeface="Arial" panose="020B0604020202020204" pitchFamily="34" charset="0"/>
+            <a:endParaRPr lang="sv-SE" sz="1000" dirty="0">
+              <a:ea typeface="Calibri" panose="020F0502020204030204"/>
+              <a:cs typeface="Calibri" panose="020F0502020204030204"/>
+            </a:endParaRPr>
+          </a:p>
+          <a:p>
+            <a:endParaRPr lang="sv-SE" sz="1000" dirty="0">
+              <a:ea typeface="Calibri" panose="020F0502020204030204"/>
+              <a:cs typeface="Calibri" panose="020F0502020204030204"/>
+            </a:endParaRPr>
+          </a:p>
+          <a:p>
+            <a:endParaRPr lang="sv-SE" sz="1000" dirty="0">
+              <a:ea typeface="Calibri" panose="020F0502020204030204"/>
+              <a:cs typeface="Calibri" panose="020F0502020204030204"/>
+            </a:endParaRPr>
+          </a:p>
+          <a:p>
+            <a:endParaRPr lang="sv-SE" sz="1000" dirty="0">
+              <a:ea typeface="Calibri" panose="020F0502020204030204"/>
+              <a:cs typeface="Calibri" panose="020F0502020204030204"/>
+            </a:endParaRPr>
+          </a:p>
+          <a:p>
+            <a:endParaRPr lang="sv-SE" sz="1000" dirty="0">
+              <a:ea typeface="Calibri" panose="020F0502020204030204"/>
+              <a:cs typeface="Calibri" panose="020F0502020204030204"/>
+            </a:endParaRPr>
+          </a:p>
+          <a:p>
+            <a:endParaRPr lang="sv-SE" sz="1000" dirty="0">
+              <a:ea typeface="Calibri" panose="020F0502020204030204"/>
+              <a:cs typeface="Calibri" panose="020F0502020204030204"/>
+            </a:endParaRPr>
+          </a:p>
+          <a:p>
+            <a:endParaRPr lang="sv-SE" sz="1000" dirty="0">
+              <a:ea typeface="Calibri" panose="020F0502020204030204"/>
+              <a:cs typeface="Calibri" panose="020F0502020204030204"/>
+            </a:endParaRPr>
+          </a:p>
+          <a:p>
+            <a:endParaRPr lang="sv-SE" sz="1000" dirty="0">
+              <a:ea typeface="Calibri" panose="020F0502020204030204"/>
+              <a:cs typeface="Calibri" panose="020F0502020204030204"/>
+            </a:endParaRPr>
+          </a:p>
+          <a:p>
+            <a:endParaRPr lang="sv-SE" sz="1000" dirty="0">
+              <a:ea typeface="Calibri" panose="020F0502020204030204"/>
+              <a:cs typeface="Calibri" panose="020F0502020204030204"/>
+            </a:endParaRPr>
+          </a:p>
+          <a:p>
+            <a:endParaRPr lang="sv-SE" sz="1000" dirty="0">
+              <a:ea typeface="Calibri" panose="020F0502020204030204"/>
+              <a:cs typeface="Calibri" panose="020F0502020204030204"/>
+            </a:endParaRPr>
+          </a:p>
+          <a:p>
+            <a:endParaRPr lang="sv-SE" sz="1000" dirty="0">
+              <a:ea typeface="Calibri" panose="020F0502020204030204"/>
+              <a:cs typeface="Calibri" panose="020F0502020204030204"/>
+            </a:endParaRPr>
+          </a:p>
+          <a:p>
+            <a:endParaRPr lang="sv-SE" sz="1000" dirty="0">
+              <a:ea typeface="Calibri" panose="020F0502020204030204"/>
+              <a:cs typeface="Calibri" panose="020F0502020204030204"/>
+            </a:endParaRPr>
+          </a:p>
+          <a:p>
+            <a:endParaRPr lang="sv-SE" sz="1000" dirty="0">
+              <a:ea typeface="Calibri" panose="020F0502020204030204"/>
+              <a:cs typeface="Calibri" panose="020F0502020204030204"/>
+            </a:endParaRPr>
+          </a:p>
+          <a:p>
+            <a:endParaRPr lang="sv-SE" sz="1000" dirty="0">
+              <a:ea typeface="Calibri" panose="020F0502020204030204"/>
+              <a:cs typeface="Calibri" panose="020F0502020204030204"/>
+            </a:endParaRPr>
+          </a:p>
+          <a:p>
+            <a:endParaRPr lang="sv-SE" sz="1000" dirty="0">
+              <a:ea typeface="Calibri" panose="020F0502020204030204"/>
+              <a:cs typeface="Calibri" panose="020F0502020204030204"/>
+            </a:endParaRPr>
+          </a:p>
+          <a:p>
+            <a:endParaRPr lang="sv-SE" sz="1000" dirty="0">
+              <a:ea typeface="Calibri" panose="020F0502020204030204"/>
+              <a:cs typeface="Calibri" panose="020F0502020204030204"/>
+            </a:endParaRPr>
+          </a:p>
+          <a:p>
+            <a:endParaRPr lang="sv-SE" sz="1000" dirty="0">
+              <a:ea typeface="Calibri" panose="020F0502020204030204"/>
+              <a:cs typeface="Calibri" panose="020F0502020204030204"/>
+            </a:endParaRPr>
+          </a:p>
+          <a:p>
+            <a:endParaRPr lang="sv-SE" sz="1000" dirty="0">
+              <a:ea typeface="Calibri" panose="020F0502020204030204"/>
+              <a:cs typeface="Calibri" panose="020F0502020204030204"/>
+            </a:endParaRPr>
+          </a:p>
+          <a:p>
+            <a:endParaRPr lang="sv-SE" sz="1000" dirty="0">
+              <a:ea typeface="Calibri" panose="020F0502020204030204"/>
+              <a:cs typeface="Calibri" panose="020F0502020204030204"/>
+            </a:endParaRPr>
+          </a:p>
+          <a:p>
+            <a:endParaRPr lang="sv-SE" sz="1000" dirty="0">
+              <a:ea typeface="Calibri" panose="020F0502020204030204"/>
+              <a:cs typeface="Calibri" panose="020F0502020204030204"/>
+            </a:endParaRPr>
+          </a:p>
+          <a:p>
+            <a:endParaRPr lang="sv-SE" sz="1000" dirty="0">
+              <a:ea typeface="Calibri" panose="020F0502020204030204"/>
+              <a:cs typeface="Calibri" panose="020F0502020204030204"/>
+            </a:endParaRPr>
+          </a:p>
+          <a:p>
+            <a:endParaRPr lang="sv-SE" sz="1000" dirty="0">
+              <a:ea typeface="Calibri" panose="020F0502020204030204"/>
+              <a:cs typeface="Calibri" panose="020F0502020204030204"/>
+            </a:endParaRPr>
+          </a:p>
+          <a:p>
+            <a:endParaRPr lang="sv-SE" sz="1000" dirty="0">
+              <a:ea typeface="Calibri" panose="020F0502020204030204"/>
+              <a:cs typeface="Calibri" panose="020F0502020204030204"/>
+            </a:endParaRPr>
+          </a:p>
+          <a:p>
+            <a:endParaRPr lang="sv-SE" sz="1000" dirty="0">
+              <a:ea typeface="Calibri" panose="020F0502020204030204"/>
+              <a:cs typeface="Calibri" panose="020F0502020204030204"/>
+            </a:endParaRPr>
+          </a:p>
+          <a:p>
+            <a:endParaRPr lang="sv-SE" sz="1000" dirty="0">
+              <a:ea typeface="Calibri" panose="020F0502020204030204"/>
+              <a:cs typeface="Calibri" panose="020F0502020204030204"/>
+            </a:endParaRPr>
+          </a:p>
+          <a:p>
+            <a:endParaRPr lang="sv-SE" sz="1000" dirty="0">
+              <a:ea typeface="Calibri" panose="020F0502020204030204"/>
+              <a:cs typeface="Calibri" panose="020F0502020204030204"/>
+            </a:endParaRPr>
+          </a:p>
+          <a:p>
+            <a:endParaRPr lang="sv-SE" sz="1000" dirty="0">
+              <a:ea typeface="Calibri" panose="020F0502020204030204"/>
+              <a:cs typeface="Calibri" panose="020F0502020204030204"/>
+            </a:endParaRPr>
+          </a:p>
+          <a:p>
+            <a:endParaRPr lang="sv-SE" sz="1000" dirty="0">
+              <a:ea typeface="Calibri" panose="020F0502020204030204"/>
+              <a:cs typeface="Calibri" panose="020F0502020204030204"/>
+            </a:endParaRPr>
+          </a:p>
+          <a:p>
+            <a:endParaRPr lang="sv-SE" sz="1000" dirty="0">
+              <a:ea typeface="Calibri" panose="020F0502020204030204"/>
+              <a:cs typeface="Calibri" panose="020F0502020204030204"/>
+            </a:endParaRPr>
+          </a:p>
+          <a:p>
+            <a:endParaRPr lang="sv-SE" sz="1000" dirty="0">
+              <a:ea typeface="Calibri" panose="020F0502020204030204"/>
+              <a:cs typeface="Calibri" panose="020F0502020204030204"/>
+            </a:endParaRPr>
+          </a:p>
+          <a:p>
+            <a:endParaRPr lang="sv-SE" sz="1000" dirty="0">
+              <a:ea typeface="Calibri" panose="020F0502020204030204"/>
+              <a:cs typeface="Calibri" panose="020F0502020204030204"/>
+            </a:endParaRPr>
+          </a:p>
+          <a:p>
+            <a:endParaRPr lang="sv-SE" sz="1000" dirty="0">
+              <a:ea typeface="Calibri" panose="020F0502020204030204"/>
+              <a:cs typeface="Calibri" panose="020F0502020204030204"/>
+            </a:endParaRPr>
+          </a:p>
+          <a:p>
+            <a:endParaRPr lang="sv-SE" sz="1000" dirty="0">
+              <a:ea typeface="Calibri" panose="020F0502020204030204"/>
+              <a:cs typeface="Calibri" panose="020F0502020204030204"/>
+            </a:endParaRPr>
+          </a:p>
+          <a:p>
+            <a:pPr marL="285750" indent="-285750">
+              <a:buFont typeface="Arial"/>
               <a:buChar char="•"/>
             </a:pPr>
-            <a:endParaRPr lang="en-US" sz="1200">
-              <a:solidFill>
-                <a:srgbClr val="000000"/>
-              </a:solidFill>
-              <a:latin typeface="Calibri" panose="020F0502020204030204" pitchFamily="34" charset="0"/>
-            </a:endParaRPr>
-          </a:p>
-          <a:p>
-            <a:pPr algn="l" rtl="0" fontAlgn="base">
-              <a:buFont typeface="Arial" panose="020B0604020202020204" pitchFamily="34" charset="0"/>
-              <a:buChar char="•"/>
-            </a:pPr>
-            <a:endParaRPr lang="en-US" sz="1200">
-              <a:solidFill>
-                <a:srgbClr val="000000"/>
-              </a:solidFill>
-              <a:latin typeface="Calibri" panose="020F0502020204030204" pitchFamily="34" charset="0"/>
-            </a:endParaRPr>
-          </a:p>
-          <a:p>
-            <a:pPr algn="l" rtl="0" fontAlgn="base">
-              <a:buFont typeface="Arial" panose="020B0604020202020204" pitchFamily="34" charset="0"/>
-              <a:buChar char="•"/>
-            </a:pPr>
-            <a:endParaRPr lang="en-US" sz="1200">
-              <a:solidFill>
-                <a:srgbClr val="000000"/>
-              </a:solidFill>
-              <a:latin typeface="Calibri" panose="020F0502020204030204" pitchFamily="34" charset="0"/>
-            </a:endParaRPr>
-          </a:p>
-          <a:p>
-            <a:pPr algn="l" rtl="0" fontAlgn="base">
-              <a:buFont typeface="Arial" panose="020B0604020202020204" pitchFamily="34" charset="0"/>
-              <a:buChar char="•"/>
-            </a:pPr>
-            <a:endParaRPr lang="en-US" sz="1200">
-              <a:solidFill>
-                <a:srgbClr val="000000"/>
-              </a:solidFill>
-              <a:latin typeface="Calibri" panose="020F0502020204030204" pitchFamily="34" charset="0"/>
-            </a:endParaRPr>
-          </a:p>
-          <a:p>
-            <a:pPr algn="l" rtl="0" fontAlgn="base">
-              <a:buFont typeface="Arial" panose="020B0604020202020204" pitchFamily="34" charset="0"/>
-              <a:buChar char="•"/>
-            </a:pPr>
-            <a:endParaRPr lang="en-US" sz="1200">
-              <a:solidFill>
-                <a:srgbClr val="000000"/>
-              </a:solidFill>
-              <a:latin typeface="Calibri" panose="020F0502020204030204" pitchFamily="34" charset="0"/>
-            </a:endParaRPr>
-          </a:p>
-          <a:p>
-            <a:pPr algn="l" rtl="0" fontAlgn="base">
-              <a:buFont typeface="Arial" panose="020B0604020202020204" pitchFamily="34" charset="0"/>
-              <a:buChar char="•"/>
-            </a:pPr>
-            <a:endParaRPr lang="en-US" sz="1200">
-              <a:solidFill>
-                <a:srgbClr val="000000"/>
-              </a:solidFill>
-              <a:latin typeface="Calibri" panose="020F0502020204030204" pitchFamily="34" charset="0"/>
-            </a:endParaRPr>
-          </a:p>
-          <a:p>
-            <a:pPr algn="l" rtl="0" fontAlgn="base">
-              <a:buFont typeface="Arial" panose="020B0604020202020204" pitchFamily="34" charset="0"/>
-              <a:buChar char="•"/>
-            </a:pPr>
-            <a:endParaRPr lang="en-US" sz="1200">
-              <a:solidFill>
-                <a:srgbClr val="000000"/>
-              </a:solidFill>
-              <a:latin typeface="Calibri" panose="020F0502020204030204" pitchFamily="34" charset="0"/>
-            </a:endParaRPr>
-          </a:p>
-          <a:p>
-            <a:pPr algn="l" rtl="0" fontAlgn="base">
-              <a:buFont typeface="Arial" panose="020B0604020202020204" pitchFamily="34" charset="0"/>
-              <a:buChar char="•"/>
-            </a:pPr>
-            <a:endParaRPr lang="en-US" sz="1200">
-              <a:solidFill>
-                <a:srgbClr val="000000"/>
-              </a:solidFill>
-              <a:latin typeface="Calibri" panose="020F0502020204030204" pitchFamily="34" charset="0"/>
-            </a:endParaRPr>
-          </a:p>
-          <a:p>
-            <a:pPr algn="l" rtl="0" fontAlgn="base">
-              <a:buFont typeface="Arial" panose="020B0604020202020204" pitchFamily="34" charset="0"/>
-              <a:buChar char="•"/>
-            </a:pPr>
-            <a:endParaRPr lang="en-US" sz="1200">
-              <a:solidFill>
-                <a:srgbClr val="000000"/>
-              </a:solidFill>
-              <a:latin typeface="Calibri" panose="020F0502020204030204" pitchFamily="34" charset="0"/>
-            </a:endParaRPr>
-          </a:p>
-          <a:p>
-            <a:pPr algn="l" rtl="0" fontAlgn="base">
-              <a:buFont typeface="Arial" panose="020B0604020202020204" pitchFamily="34" charset="0"/>
-              <a:buChar char="•"/>
-            </a:pPr>
-            <a:endParaRPr lang="en-US" sz="1200">
-              <a:solidFill>
-                <a:srgbClr val="000000"/>
-              </a:solidFill>
-              <a:latin typeface="Calibri" panose="020F0502020204030204" pitchFamily="34" charset="0"/>
-            </a:endParaRPr>
-          </a:p>
-          <a:p>
-            <a:pPr algn="l" rtl="0" fontAlgn="base">
-              <a:buFont typeface="Arial" panose="020B0604020202020204" pitchFamily="34" charset="0"/>
-              <a:buChar char="•"/>
-            </a:pPr>
-            <a:endParaRPr lang="en-US" sz="1200">
-              <a:solidFill>
-                <a:srgbClr val="000000"/>
-              </a:solidFill>
-              <a:latin typeface="Calibri" panose="020F0502020204030204" pitchFamily="34" charset="0"/>
-            </a:endParaRPr>
-          </a:p>
-          <a:p>
-            <a:pPr algn="l" rtl="0" fontAlgn="base">
-              <a:buFont typeface="Arial" panose="020B0604020202020204" pitchFamily="34" charset="0"/>
-              <a:buChar char="•"/>
-            </a:pPr>
-            <a:endParaRPr lang="en-US" sz="1200">
-              <a:solidFill>
-                <a:srgbClr val="000000"/>
-              </a:solidFill>
-              <a:latin typeface="Calibri" panose="020F0502020204030204" pitchFamily="34" charset="0"/>
-            </a:endParaRPr>
-          </a:p>
-          <a:p>
-            <a:pPr algn="l" rtl="0" fontAlgn="base">
-              <a:buFont typeface="Arial" panose="020B0604020202020204" pitchFamily="34" charset="0"/>
-              <a:buChar char="•"/>
-            </a:pPr>
-            <a:endParaRPr lang="en-US" sz="1200">
-              <a:solidFill>
-                <a:srgbClr val="000000"/>
-              </a:solidFill>
-              <a:latin typeface="Calibri" panose="020F0502020204030204" pitchFamily="34" charset="0"/>
-            </a:endParaRPr>
-          </a:p>
-          <a:p>
-            <a:pPr algn="l" rtl="0" fontAlgn="base">
-              <a:buFont typeface="Arial" panose="020B0604020202020204" pitchFamily="34" charset="0"/>
-              <a:buChar char="•"/>
-            </a:pPr>
-            <a:endParaRPr lang="en-US" sz="1200">
-              <a:solidFill>
-                <a:srgbClr val="000000"/>
-              </a:solidFill>
-              <a:latin typeface="Calibri" panose="020F0502020204030204" pitchFamily="34" charset="0"/>
-            </a:endParaRPr>
-          </a:p>
-          <a:p>
-            <a:pPr algn="l" rtl="0" fontAlgn="base">
-              <a:buFont typeface="Arial" panose="020B0604020202020204" pitchFamily="34" charset="0"/>
-              <a:buChar char="•"/>
-            </a:pPr>
-            <a:endParaRPr lang="en-US" sz="1200">
-              <a:solidFill>
-                <a:srgbClr val="000000"/>
-              </a:solidFill>
-              <a:latin typeface="Calibri" panose="020F0502020204030204" pitchFamily="34" charset="0"/>
-            </a:endParaRPr>
-          </a:p>
-          <a:p>
-            <a:pPr algn="l" rtl="0" fontAlgn="base">
-              <a:buFont typeface="Arial" panose="020B0604020202020204" pitchFamily="34" charset="0"/>
-              <a:buChar char="•"/>
-            </a:pPr>
-            <a:endParaRPr lang="en-US" sz="1200">
-              <a:solidFill>
-                <a:srgbClr val="000000"/>
-              </a:solidFill>
-              <a:latin typeface="Calibri" panose="020F0502020204030204" pitchFamily="34" charset="0"/>
-            </a:endParaRPr>
-          </a:p>
-          <a:p>
-            <a:pPr algn="l" rtl="0" fontAlgn="base"/>
-            <a:endParaRPr lang="en-US" sz="1200">
-              <a:solidFill>
-                <a:srgbClr val="000000"/>
-              </a:solidFill>
-              <a:latin typeface="Calibri" panose="020F0502020204030204" pitchFamily="34" charset="0"/>
-            </a:endParaRPr>
-          </a:p>
-          <a:p>
-            <a:pPr algn="l" rtl="0" fontAlgn="base"/>
-            <a:endParaRPr lang="en-US" sz="1200">
-              <a:solidFill>
-                <a:srgbClr val="000000"/>
-              </a:solidFill>
-              <a:latin typeface="Calibri" panose="020F0502020204030204" pitchFamily="34" charset="0"/>
-            </a:endParaRPr>
-          </a:p>
-          <a:p>
-            <a:pPr algn="l" rtl="0" fontAlgn="base">
-              <a:buFont typeface="Arial" panose="020B0604020202020204" pitchFamily="34" charset="0"/>
-              <a:buChar char="•"/>
-            </a:pPr>
-            <a:endParaRPr lang="en-US" sz="1200">
-              <a:solidFill>
-                <a:srgbClr val="000000"/>
-              </a:solidFill>
-              <a:latin typeface="Calibri" panose="020F0502020204030204" pitchFamily="34" charset="0"/>
-            </a:endParaRPr>
-          </a:p>
-          <a:p>
-            <a:pPr algn="l" rtl="0" fontAlgn="base"/>
-            <a:endParaRPr lang="en-US" sz="1200">
-              <a:solidFill>
-                <a:srgbClr val="000000"/>
-              </a:solidFill>
-              <a:latin typeface="Calibri" panose="020F0502020204030204" pitchFamily="34" charset="0"/>
-            </a:endParaRPr>
-          </a:p>
-          <a:p>
-            <a:pPr algn="l" rtl="0" fontAlgn="base"/>
-            <a:endParaRPr lang="en-US" sz="1200">
-              <a:solidFill>
-                <a:srgbClr val="000000"/>
-              </a:solidFill>
-              <a:latin typeface="Calibri" panose="020F0502020204030204" pitchFamily="34" charset="0"/>
-            </a:endParaRPr>
-          </a:p>
-          <a:p>
-            <a:pPr algn="l" rtl="0" fontAlgn="base">
-              <a:buFont typeface="Arial" panose="020B0604020202020204" pitchFamily="34" charset="0"/>
-              <a:buChar char="•"/>
-            </a:pPr>
-            <a:endParaRPr lang="en-US" sz="1200">
-              <a:solidFill>
-                <a:srgbClr val="000000"/>
-              </a:solidFill>
-              <a:latin typeface="Calibri" panose="020F0502020204030204" pitchFamily="34" charset="0"/>
-            </a:endParaRPr>
-          </a:p>
-          <a:p>
-            <a:pPr algn="l" rtl="0" fontAlgn="base">
-              <a:buFont typeface="Arial" panose="020B0604020202020204" pitchFamily="34" charset="0"/>
-              <a:buChar char="•"/>
-            </a:pPr>
-            <a:endParaRPr lang="en-US" sz="1200"/>
-          </a:p>
-          <a:p>
-            <a:pPr algn="l" rtl="0" fontAlgn="base">
-              <a:buFont typeface="Arial" panose="020B0604020202020204" pitchFamily="34" charset="0"/>
-              <a:buChar char="•"/>
-            </a:pPr>
-            <a:endParaRPr lang="en-US" sz="1200"/>
+            <a:endParaRPr lang="sv-SE" sz="1000" dirty="0">
+              <a:ea typeface="Calibri" panose="020F0502020204030204"/>
+              <a:cs typeface="Calibri" panose="020F0502020204030204"/>
+            </a:endParaRPr>
           </a:p>
         </p:txBody>
       </p:sp>
@@ -6253,8 +6645,8 @@
         </p:nvSpPr>
         <p:spPr>
           <a:xfrm>
-            <a:off x="4540336" y="211693"/>
-            <a:ext cx="7470687" cy="369332"/>
+            <a:off x="3729176" y="187113"/>
+            <a:ext cx="8281847" cy="369332"/>
           </a:xfrm>
           <a:prstGeom prst="rect">
             <a:avLst/>
@@ -6316,7 +6708,7 @@
       </p:sp>
       <p:sp>
         <p:nvSpPr>
-          <p:cNvPr id="28" name="TextBox 27">
+          <p:cNvPr id="28" name="Logo">
             <a:extLst>
               <a:ext uri="{FF2B5EF4-FFF2-40B4-BE49-F238E27FC236}">
                 <a16:creationId xmlns:a16="http://schemas.microsoft.com/office/drawing/2014/main" id="{CD134E6C-9822-1EC1-15BF-8DCBC21212DB}"/>
@@ -6328,8 +6720,8 @@
         </p:nvSpPr>
         <p:spPr>
           <a:xfrm>
-            <a:off x="193016" y="124046"/>
-            <a:ext cx="894844" cy="923330"/>
+            <a:off x="126895" y="190447"/>
+            <a:ext cx="894844" cy="646331"/>
           </a:xfrm>
           <a:prstGeom prst="rect">
             <a:avLst/>
@@ -6344,15 +6736,15 @@
           </a:ln>
         </p:spPr>
         <p:txBody>
-          <a:bodyPr wrap="square" rtlCol="0">
+          <a:bodyPr wrap="square" lIns="91440" tIns="45720" rIns="91440" bIns="45720" rtlCol="0" anchor="t">
             <a:spAutoFit/>
           </a:bodyPr>
           <a:lstStyle/>
           <a:p>
-            <a:r>
-              <a:rPr lang="sv-SE"/>
-              <a:t>[[Logo]]</a:t>
-            </a:r>
+            <a:endParaRPr lang="sv-SE">
+              <a:ea typeface="Calibri"/>
+              <a:cs typeface="Calibri"/>
+            </a:endParaRPr>
           </a:p>
           <a:p>
             <a:endParaRPr lang="sv-SE"/>
@@ -6361,7 +6753,7 @@
       </p:sp>
       <p:grpSp>
         <p:nvGrpSpPr>
-          <p:cNvPr id="5" name="Group 4">
+          <p:cNvPr id="5" name="Enviromental">
             <a:extLst>
               <a:ext uri="{FF2B5EF4-FFF2-40B4-BE49-F238E27FC236}">
                 <a16:creationId xmlns:a16="http://schemas.microsoft.com/office/drawing/2014/main" id="{C085AD75-9BB6-6DE2-78AD-DAD8A0E4AB77}"/>
@@ -6373,15 +6765,15 @@
         </p:nvGrpSpPr>
         <p:grpSpPr>
           <a:xfrm>
-            <a:off x="4593352" y="1118114"/>
-            <a:ext cx="3098113" cy="5406647"/>
-            <a:chOff x="4593353" y="1118115"/>
-            <a:chExt cx="3182677" cy="5261627"/>
+            <a:off x="3737924" y="961539"/>
+            <a:ext cx="3938142" cy="4644808"/>
+            <a:chOff x="4574912" y="965739"/>
+            <a:chExt cx="3189320" cy="4455757"/>
           </a:xfrm>
         </p:grpSpPr>
         <p:sp>
           <p:nvSpPr>
-            <p:cNvPr id="23" name="TextBox 22">
+            <p:cNvPr id="23" name="General">
               <a:extLst>
                 <a:ext uri="{FF2B5EF4-FFF2-40B4-BE49-F238E27FC236}">
                   <a16:creationId xmlns:a16="http://schemas.microsoft.com/office/drawing/2014/main" id="{5FB31F0A-A7FD-2E97-F95B-DF130557DEED}"/>
@@ -6393,8 +6785,8 @@
           </p:nvSpPr>
           <p:spPr>
             <a:xfrm>
-              <a:off x="4607151" y="1118115"/>
-              <a:ext cx="3142272" cy="1527558"/>
+              <a:off x="4585704" y="965739"/>
+              <a:ext cx="3142272" cy="1550060"/>
             </a:xfrm>
             <a:prstGeom prst="rect">
               <a:avLst/>
@@ -6402,70 +6794,123 @@
             <a:noFill/>
           </p:spPr>
           <p:txBody>
-            <a:bodyPr wrap="square" rtlCol="0">
+            <a:bodyPr wrap="square" lIns="91440" tIns="45720" rIns="91440" bIns="45720" rtlCol="0" anchor="t">
               <a:spAutoFit/>
             </a:bodyPr>
             <a:lstStyle/>
             <a:p>
               <a:r>
-                <a:rPr lang="sv-SE" b="1" u="sng"/>
+                <a:rPr lang="sv-SE" b="1" u="sng" dirty="0"/>
                 <a:t>General</a:t>
+              </a:r>
+              <a:r>
+                <a:rPr lang="sv-SE" sz="1200" dirty="0">
+                  <a:ea typeface="+mn-lt"/>
+                  <a:cs typeface="+mn-lt"/>
+                </a:rPr>
+                <a:t>  </a:t>
               </a:r>
             </a:p>
             <a:p>
               <a:r>
-                <a:rPr lang="sv-SE" b="1" u="sng"/>
-                <a:t>[[EnvGeneral]]</a:t>
+                <a:rPr lang="sv-SE" sz="900" i="1" dirty="0">
+                  <a:ea typeface="+mn-lt"/>
+                  <a:cs typeface="+mn-lt"/>
+                </a:rPr>
+                <a:t>[[</a:t>
               </a:r>
-            </a:p>
-            <a:p>
-              <a:endParaRPr lang="sv-SE" sz="1200" b="1" i="0" u="sng">
-                <a:solidFill>
-                  <a:srgbClr val="000000"/>
-                </a:solidFill>
-                <a:effectLst/>
-                <a:latin typeface="Calibri" panose="020F0502020204030204" pitchFamily="34" charset="0"/>
+              <a:r>
+                <a:rPr lang="sv-SE" sz="900" i="1" dirty="0" err="1">
+                  <a:ea typeface="+mn-lt"/>
+                  <a:cs typeface="+mn-lt"/>
+                </a:rPr>
+                <a:t>env_general</a:t>
+              </a:r>
+              <a:r>
+                <a:rPr lang="sv-SE" sz="900" i="1" dirty="0">
+                  <a:ea typeface="+mn-lt"/>
+                  <a:cs typeface="+mn-lt"/>
+                </a:rPr>
+                <a:t>]]</a:t>
+              </a:r>
+              <a:endParaRPr lang="sv-SE" sz="900" dirty="0">
+                <a:ea typeface="+mn-lt"/>
+                <a:cs typeface="+mn-lt"/>
               </a:endParaRPr>
             </a:p>
             <a:p>
-              <a:endParaRPr lang="sv-SE" sz="1200" b="1" u="sng">
-                <a:solidFill>
-                  <a:srgbClr val="000000"/>
-                </a:solidFill>
-                <a:latin typeface="Calibri" panose="020F0502020204030204" pitchFamily="34" charset="0"/>
+              <a:br>
+                <a:rPr lang="sv-SE" sz="900" dirty="0">
+                  <a:ea typeface="+mn-lt"/>
+                  <a:cs typeface="+mn-lt"/>
+                </a:rPr>
+              </a:br>
+              <a:br>
+                <a:rPr lang="sv-SE" sz="900" dirty="0">
+                  <a:ea typeface="+mn-lt"/>
+                  <a:cs typeface="+mn-lt"/>
+                </a:rPr>
+              </a:br>
+              <a:endParaRPr lang="sv-SE" sz="900" dirty="0">
+                <a:ea typeface="+mn-lt"/>
+                <a:cs typeface="+mn-lt"/>
               </a:endParaRPr>
             </a:p>
             <a:p>
-              <a:endParaRPr lang="sv-SE" sz="1200" b="1" i="0" u="sng">
-                <a:solidFill>
-                  <a:srgbClr val="000000"/>
-                </a:solidFill>
-                <a:effectLst/>
-                <a:latin typeface="Calibri" panose="020F0502020204030204" pitchFamily="34" charset="0"/>
+              <a:pPr marL="285750" indent="-285750">
+                <a:buFont typeface="Arial"/>
+                <a:buChar char="•"/>
+              </a:pPr>
+              <a:endParaRPr lang="sv-SE" sz="900" dirty="0">
+                <a:ea typeface="+mn-lt"/>
+                <a:cs typeface="+mn-lt"/>
               </a:endParaRPr>
             </a:p>
             <a:p>
-              <a:endParaRPr lang="sv-SE" sz="1200" b="1" u="sng">
-                <a:solidFill>
-                  <a:srgbClr val="000000"/>
-                </a:solidFill>
-                <a:latin typeface="Calibri" panose="020F0502020204030204" pitchFamily="34" charset="0"/>
+              <a:pPr marL="285750" indent="-285750">
+                <a:buFont typeface="Arial"/>
+                <a:buChar char="•"/>
+              </a:pPr>
+              <a:endParaRPr lang="sv-SE" sz="900" dirty="0">
+                <a:ea typeface="+mn-lt"/>
+                <a:cs typeface="+mn-lt"/>
               </a:endParaRPr>
             </a:p>
             <a:p>
-              <a:endParaRPr lang="en-US" sz="1200" b="0" i="0">
-                <a:solidFill>
-                  <a:srgbClr val="000000"/>
-                </a:solidFill>
-                <a:effectLst/>
-                <a:latin typeface="Calibri" panose="020F0502020204030204" pitchFamily="34" charset="0"/>
+              <a:pPr marL="285750" indent="-285750">
+                <a:buFont typeface="Arial"/>
+                <a:buChar char="•"/>
+              </a:pPr>
+              <a:endParaRPr lang="sv-SE" sz="900" dirty="0">
+                <a:ea typeface="+mn-lt"/>
+                <a:cs typeface="+mn-lt"/>
+              </a:endParaRPr>
+            </a:p>
+            <a:p>
+              <a:pPr marL="285750" indent="-285750">
+                <a:buFont typeface="Arial"/>
+                <a:buChar char="•"/>
+              </a:pPr>
+              <a:endParaRPr lang="sv-SE" sz="900" dirty="0">
+                <a:ea typeface="+mn-lt"/>
+                <a:cs typeface="+mn-lt"/>
+              </a:endParaRPr>
+            </a:p>
+            <a:p>
+              <a:pPr marL="285750" indent="-285750">
+                <a:buFont typeface="Arial"/>
+                <a:buChar char="•"/>
+              </a:pPr>
+              <a:endParaRPr lang="sv-SE" sz="900" dirty="0">
+                <a:ea typeface="+mn-lt"/>
+                <a:cs typeface="+mn-lt"/>
               </a:endParaRPr>
             </a:p>
           </p:txBody>
         </p:sp>
         <p:sp>
           <p:nvSpPr>
-            <p:cNvPr id="2" name="TextBox 1">
+            <p:cNvPr id="2" name="EmissionManagement">
               <a:extLst>
                 <a:ext uri="{FF2B5EF4-FFF2-40B4-BE49-F238E27FC236}">
                   <a16:creationId xmlns:a16="http://schemas.microsoft.com/office/drawing/2014/main" id="{9B542F04-3245-83B2-1CF1-EF062922034F}"/>
@@ -6477,8 +6922,8 @@
           </p:nvSpPr>
           <p:spPr>
             <a:xfrm>
-              <a:off x="4647966" y="2749550"/>
-              <a:ext cx="3101457" cy="1168133"/>
+              <a:off x="4576990" y="2435843"/>
+              <a:ext cx="3187242" cy="1151474"/>
             </a:xfrm>
             <a:prstGeom prst="rect">
               <a:avLst/>
@@ -6486,74 +6931,79 @@
             <a:noFill/>
           </p:spPr>
           <p:txBody>
-            <a:bodyPr wrap="square" rtlCol="0">
+            <a:bodyPr wrap="square" lIns="91440" tIns="45720" rIns="91440" bIns="45720" rtlCol="0" anchor="t">
               <a:spAutoFit/>
             </a:bodyPr>
             <a:lstStyle/>
             <a:p>
               <a:pPr algn="l" rtl="0" fontAlgn="base"/>
               <a:r>
-                <a:rPr lang="en-US" sz="1800" b="1" i="0" u="sng">
+                <a:rPr lang="en-US" sz="1800" b="1" i="0" u="sng" dirty="0">
                   <a:solidFill>
                     <a:srgbClr val="000000"/>
                   </a:solidFill>
                   <a:effectLst/>
-                  <a:latin typeface="Calibri" panose="020F0502020204030204" pitchFamily="34" charset="0"/>
+                  <a:latin typeface="Calibri"/>
+                  <a:ea typeface="Calibri"/>
+                  <a:cs typeface="Calibri"/>
                 </a:rPr>
                 <a:t>Emission Management</a:t>
               </a:r>
             </a:p>
             <a:p>
-              <a:pPr algn="l" rtl="0" fontAlgn="base"/>
               <a:r>
-                <a:rPr lang="en-US" sz="1800" b="1" i="0" u="sng">
+                <a:rPr lang="en-US" sz="1000" b="0" i="1" dirty="0">
                   <a:solidFill>
                     <a:srgbClr val="000000"/>
                   </a:solidFill>
                   <a:effectLst/>
-                  <a:latin typeface="Calibri" panose="020F0502020204030204" pitchFamily="34" charset="0"/>
+                  <a:latin typeface="Calibri"/>
+                  <a:ea typeface="+mn-lt"/>
+                  <a:cs typeface="+mn-lt"/>
                 </a:rPr>
                 <a:t>[[</a:t>
               </a:r>
               <a:r>
-                <a:rPr lang="en-US" sz="1800" b="1" i="0" u="sng" err="1">
+                <a:rPr lang="en-US" sz="1000" b="0" i="1" dirty="0" err="1">
                   <a:solidFill>
                     <a:srgbClr val="000000"/>
                   </a:solidFill>
                   <a:effectLst/>
-                  <a:latin typeface="Calibri" panose="020F0502020204030204" pitchFamily="34" charset="0"/>
+                  <a:latin typeface="Calibri"/>
+                  <a:ea typeface="+mn-lt"/>
+                  <a:cs typeface="+mn-lt"/>
                 </a:rPr>
-                <a:t>EnvEmissionManagement</a:t>
+                <a:t>env_management</a:t>
               </a:r>
               <a:r>
-                <a:rPr lang="en-US" u="sng">
+                <a:rPr lang="en-US" sz="1000" b="0" i="1" dirty="0">
                   <a:solidFill>
                     <a:srgbClr val="000000"/>
                   </a:solidFill>
-                  <a:latin typeface="Calibri" panose="020F0502020204030204" pitchFamily="34" charset="0"/>
+                  <a:effectLst/>
+                  <a:latin typeface="Calibri"/>
+                  <a:ea typeface="+mn-lt"/>
+                  <a:cs typeface="+mn-lt"/>
                 </a:rPr>
                 <a:t>]]</a:t>
               </a:r>
               <a:r>
-                <a:rPr lang="en-US" sz="1800" b="0" i="0">
+                <a:rPr lang="en-US" sz="1800" b="0" i="0" dirty="0">
                   <a:solidFill>
                     <a:srgbClr val="000000"/>
                   </a:solidFill>
                   <a:effectLst/>
-                  <a:latin typeface="Calibri" panose="020F0502020204030204" pitchFamily="34" charset="0"/>
+                  <a:latin typeface="Calibri"/>
+                  <a:ea typeface="Calibri"/>
+                  <a:cs typeface="Calibri"/>
                 </a:rPr>
                 <a:t>  </a:t>
               </a:r>
-              <a:endParaRPr lang="en-US">
-                <a:solidFill>
-                  <a:srgbClr val="000000"/>
-                </a:solidFill>
-                <a:latin typeface="Calibri" panose="020F0502020204030204" pitchFamily="34" charset="0"/>
-              </a:endParaRPr>
+              <a:endParaRPr lang="en-US" dirty="0"/>
             </a:p>
             <a:p>
               <a:pPr algn="l" rtl="0" fontAlgn="base"/>
-              <a:endParaRPr lang="en-US" sz="1200" b="0" i="0">
+              <a:endParaRPr lang="en-US" sz="1200" b="0" i="0" dirty="0">
                 <a:solidFill>
                   <a:srgbClr val="000000"/>
                 </a:solidFill>
@@ -6563,7 +7013,7 @@
             </a:p>
             <a:p>
               <a:pPr algn="l" rtl="0" fontAlgn="base"/>
-              <a:endParaRPr lang="en-US" sz="1200">
+              <a:endParaRPr lang="en-US" sz="1200" dirty="0">
                 <a:solidFill>
                   <a:srgbClr val="000000"/>
                 </a:solidFill>
@@ -6572,7 +7022,7 @@
             </a:p>
             <a:p>
               <a:pPr algn="l" rtl="0" fontAlgn="base"/>
-              <a:endParaRPr lang="en-US" sz="1200" b="0" i="0">
+              <a:endParaRPr lang="en-US" sz="1200" b="0" i="0" dirty="0">
                 <a:solidFill>
                   <a:srgbClr val="000000"/>
                 </a:solidFill>
@@ -6584,7 +7034,7 @@
         </p:sp>
         <p:sp>
           <p:nvSpPr>
-            <p:cNvPr id="3" name="TextBox 2">
+            <p:cNvPr id="3" name="ResourcesManagement">
               <a:extLst>
                 <a:ext uri="{FF2B5EF4-FFF2-40B4-BE49-F238E27FC236}">
                   <a16:creationId xmlns:a16="http://schemas.microsoft.com/office/drawing/2014/main" id="{68188345-DAD2-0F54-EC92-CE1E36B55603}"/>
@@ -6596,8 +7046,8 @@
           </p:nvSpPr>
           <p:spPr>
             <a:xfrm>
-              <a:off x="4688781" y="3911933"/>
-              <a:ext cx="3087249" cy="1257990"/>
+              <a:off x="4574912" y="3882113"/>
+              <a:ext cx="3087249" cy="501924"/>
             </a:xfrm>
             <a:prstGeom prst="rect">
               <a:avLst/>
@@ -6605,14 +7055,14 @@
             <a:noFill/>
           </p:spPr>
           <p:txBody>
-            <a:bodyPr wrap="square" rtlCol="0">
+            <a:bodyPr wrap="square" lIns="91440" tIns="45720" rIns="91440" bIns="45720" rtlCol="0" anchor="t">
               <a:spAutoFit/>
             </a:bodyPr>
             <a:lstStyle/>
             <a:p>
               <a:pPr algn="l" rtl="0" fontAlgn="base"/>
               <a:r>
-                <a:rPr lang="en-US" b="1" i="0" u="sng" err="1">
+                <a:rPr lang="en-US" b="1" i="0" u="sng" dirty="0" err="1">
                   <a:solidFill>
                     <a:srgbClr val="000000"/>
                   </a:solidFill>
@@ -6621,7 +7071,7 @@
                 </a:rPr>
                 <a:t>ResourcesManagement</a:t>
               </a:r>
-              <a:endParaRPr lang="en-US" b="1" i="0" u="sng">
+              <a:endParaRPr lang="en-US" b="1" i="0" u="sng" dirty="0">
                 <a:solidFill>
                   <a:srgbClr val="000000"/>
                 </a:solidFill>
@@ -6630,78 +7080,43 @@
               </a:endParaRPr>
             </a:p>
             <a:p>
-              <a:pPr algn="l" rtl="0" fontAlgn="base"/>
               <a:r>
-                <a:rPr lang="en-US" b="1" i="0" u="sng">
+                <a:rPr lang="en-US" sz="1000" i="1" dirty="0">
                   <a:solidFill>
                     <a:srgbClr val="000000"/>
                   </a:solidFill>
-                  <a:effectLst/>
-                  <a:latin typeface="Calibri" panose="020F0502020204030204" pitchFamily="34" charset="0"/>
+                  <a:ea typeface="+mn-lt"/>
+                  <a:cs typeface="+mn-lt"/>
                 </a:rPr>
                 <a:t>[[</a:t>
               </a:r>
               <a:r>
-                <a:rPr lang="en-US" b="1" i="0" u="sng" err="1">
+                <a:rPr lang="en-US" sz="1000" i="1" dirty="0" err="1">
                   <a:solidFill>
                     <a:srgbClr val="000000"/>
                   </a:solidFill>
-                  <a:effectLst/>
-                  <a:latin typeface="Calibri" panose="020F0502020204030204" pitchFamily="34" charset="0"/>
+                  <a:ea typeface="+mn-lt"/>
+                  <a:cs typeface="+mn-lt"/>
                 </a:rPr>
-                <a:t>EnvResourcesManagement</a:t>
+                <a:t>resources_management</a:t>
               </a:r>
               <a:r>
-                <a:rPr lang="en-US" b="1" i="0" u="sng">
+                <a:rPr lang="en-US" sz="1000" i="1" dirty="0">
                   <a:solidFill>
                     <a:srgbClr val="000000"/>
                   </a:solidFill>
-                  <a:effectLst/>
-                  <a:latin typeface="Calibri" panose="020F0502020204030204" pitchFamily="34" charset="0"/>
+                  <a:ea typeface="+mn-lt"/>
+                  <a:cs typeface="+mn-lt"/>
                 </a:rPr>
-                <a:t>]</a:t>
+                <a:t>]]</a:t>
               </a:r>
-              <a:r>
-                <a:rPr lang="en-US" b="1" u="sng">
-                  <a:solidFill>
-                    <a:srgbClr val="000000"/>
-                  </a:solidFill>
-                  <a:latin typeface="Calibri" panose="020F0502020204030204" pitchFamily="34" charset="0"/>
-                </a:rPr>
-                <a:t>]</a:t>
-              </a:r>
-              <a:endParaRPr lang="en-US" sz="1200" b="0" i="0" u="sng">
-                <a:solidFill>
-                  <a:srgbClr val="000000"/>
-                </a:solidFill>
-                <a:effectLst/>
-                <a:latin typeface="Calibri" panose="020F0502020204030204" pitchFamily="34" charset="0"/>
-              </a:endParaRPr>
-            </a:p>
-            <a:p>
-              <a:pPr algn="l" rtl="0" fontAlgn="base"/>
-              <a:endParaRPr lang="en-US" sz="1200" u="sng">
-                <a:solidFill>
-                  <a:srgbClr val="000000"/>
-                </a:solidFill>
-                <a:latin typeface="Calibri" panose="020F0502020204030204" pitchFamily="34" charset="0"/>
-              </a:endParaRPr>
-            </a:p>
-            <a:p>
-              <a:pPr algn="l" rtl="0" fontAlgn="base"/>
-              <a:endParaRPr lang="en-US" sz="1200" b="0" i="0">
-                <a:solidFill>
-                  <a:srgbClr val="000000"/>
-                </a:solidFill>
-                <a:effectLst/>
-                <a:latin typeface="Calibri" panose="020F0502020204030204" pitchFamily="34" charset="0"/>
-              </a:endParaRPr>
+              <a:endParaRPr lang="en-US" sz="1000" dirty="0"/>
             </a:p>
           </p:txBody>
         </p:sp>
         <p:sp>
           <p:nvSpPr>
-            <p:cNvPr id="4" name="TextBox 3">
+            <p:cNvPr id="4" name="WasteManagement">
               <a:extLst>
                 <a:ext uri="{FF2B5EF4-FFF2-40B4-BE49-F238E27FC236}">
                   <a16:creationId xmlns:a16="http://schemas.microsoft.com/office/drawing/2014/main" id="{DA3F3E79-8D77-FC87-A734-4E09595CB5DF}"/>
@@ -6713,8 +7128,8 @@
           </p:nvSpPr>
           <p:spPr>
             <a:xfrm>
-              <a:off x="4593353" y="4852184"/>
-              <a:ext cx="3182677" cy="1527558"/>
+              <a:off x="4581425" y="4919572"/>
+              <a:ext cx="3182678" cy="501924"/>
             </a:xfrm>
             <a:prstGeom prst="rect">
               <a:avLst/>
@@ -6722,127 +7137,67 @@
             <a:noFill/>
           </p:spPr>
           <p:txBody>
-            <a:bodyPr wrap="square" rtlCol="0">
+            <a:bodyPr wrap="square" lIns="91440" tIns="45720" rIns="91440" bIns="45720" rtlCol="0" anchor="t">
               <a:spAutoFit/>
             </a:bodyPr>
             <a:lstStyle/>
             <a:p>
               <a:pPr algn="l" rtl="0" fontAlgn="base"/>
               <a:r>
-                <a:rPr lang="en-US" sz="1800" b="1" i="0" u="sng" err="1">
+                <a:rPr lang="en-US" sz="1800" b="1" i="0" u="sng" dirty="0" err="1">
                   <a:solidFill>
                     <a:srgbClr val="000000"/>
                   </a:solidFill>
                   <a:effectLst/>
-                  <a:latin typeface="Calibri" panose="020F0502020204030204" pitchFamily="34" charset="0"/>
+                  <a:latin typeface="Calibri"/>
+                  <a:ea typeface="Calibri"/>
+                  <a:cs typeface="Calibri"/>
                 </a:rPr>
                 <a:t>WasteManagement</a:t>
               </a:r>
-              <a:endParaRPr lang="en-US" sz="1800" b="1" i="0" u="sng">
+              <a:endParaRPr lang="en-US" sz="1800" b="1" i="0" u="sng" dirty="0">
                 <a:solidFill>
                   <a:srgbClr val="000000"/>
                 </a:solidFill>
                 <a:effectLst/>
-                <a:latin typeface="Calibri" panose="020F0502020204030204" pitchFamily="34" charset="0"/>
+                <a:latin typeface="Calibri"/>
+                <a:ea typeface="Calibri"/>
+                <a:cs typeface="Calibri"/>
               </a:endParaRPr>
             </a:p>
             <a:p>
-              <a:pPr algn="l" rtl="0" fontAlgn="base"/>
+              <a:pPr fontAlgn="base"/>
               <a:r>
-                <a:rPr lang="en-US" sz="1800" b="1" i="0" u="sng">
+                <a:rPr lang="en-US" sz="1000" i="1" dirty="0">
                   <a:solidFill>
                     <a:srgbClr val="000000"/>
                   </a:solidFill>
-                  <a:effectLst/>
-                  <a:latin typeface="Calibri" panose="020F0502020204030204" pitchFamily="34" charset="0"/>
+                  <a:ea typeface="+mn-lt"/>
+                  <a:cs typeface="+mn-lt"/>
                 </a:rPr>
                 <a:t>[[</a:t>
               </a:r>
               <a:r>
-                <a:rPr lang="en-US" sz="1800" b="1" i="0" u="sng" err="1">
+                <a:rPr lang="en-US" sz="1000" i="1" dirty="0" err="1">
                   <a:solidFill>
                     <a:srgbClr val="000000"/>
                   </a:solidFill>
-                  <a:effectLst/>
-                  <a:latin typeface="Calibri" panose="020F0502020204030204" pitchFamily="34" charset="0"/>
+                  <a:ea typeface="+mn-lt"/>
+                  <a:cs typeface="+mn-lt"/>
                 </a:rPr>
-                <a:t>EnvWasteManagement</a:t>
+                <a:t>wast_management</a:t>
               </a:r>
               <a:r>
-                <a:rPr lang="en-US" sz="1800" b="1" i="0" u="sng">
+                <a:rPr lang="en-US" sz="1000" i="1" dirty="0">
                   <a:solidFill>
                     <a:srgbClr val="000000"/>
                   </a:solidFill>
-                  <a:effectLst/>
-                  <a:latin typeface="Calibri" panose="020F0502020204030204" pitchFamily="34" charset="0"/>
+                  <a:ea typeface="+mn-lt"/>
+                  <a:cs typeface="+mn-lt"/>
                 </a:rPr>
                 <a:t>]]</a:t>
               </a:r>
-              <a:endParaRPr lang="en-US" sz="1200" b="0" i="0">
-                <a:solidFill>
-                  <a:srgbClr val="000000"/>
-                </a:solidFill>
-                <a:effectLst/>
-                <a:latin typeface="Calibri" panose="020F0502020204030204" pitchFamily="34" charset="0"/>
-              </a:endParaRPr>
-            </a:p>
-            <a:p>
-              <a:pPr algn="l" rtl="0" fontAlgn="base">
-                <a:buFont typeface="Arial" panose="020B0604020202020204" pitchFamily="34" charset="0"/>
-                <a:buChar char="•"/>
-              </a:pPr>
-              <a:endParaRPr lang="en-US" sz="1200" b="0" i="0">
-                <a:solidFill>
-                  <a:srgbClr val="000000"/>
-                </a:solidFill>
-                <a:effectLst/>
-                <a:latin typeface="Calibri" panose="020F0502020204030204" pitchFamily="34" charset="0"/>
-              </a:endParaRPr>
-            </a:p>
-            <a:p>
-              <a:pPr algn="l" rtl="0" fontAlgn="base">
-                <a:buFont typeface="Arial" panose="020B0604020202020204" pitchFamily="34" charset="0"/>
-                <a:buChar char="•"/>
-              </a:pPr>
-              <a:endParaRPr lang="en-US" sz="1200">
-                <a:solidFill>
-                  <a:srgbClr val="000000"/>
-                </a:solidFill>
-                <a:latin typeface="Calibri" panose="020F0502020204030204" pitchFamily="34" charset="0"/>
-              </a:endParaRPr>
-            </a:p>
-            <a:p>
-              <a:pPr algn="l" rtl="0" fontAlgn="base">
-                <a:buFont typeface="Arial" panose="020B0604020202020204" pitchFamily="34" charset="0"/>
-                <a:buChar char="•"/>
-              </a:pPr>
-              <a:endParaRPr lang="en-US" sz="1200" b="0" i="0">
-                <a:solidFill>
-                  <a:srgbClr val="000000"/>
-                </a:solidFill>
-                <a:effectLst/>
-                <a:latin typeface="Calibri" panose="020F0502020204030204" pitchFamily="34" charset="0"/>
-              </a:endParaRPr>
-            </a:p>
-            <a:p>
-              <a:pPr algn="l" rtl="0" fontAlgn="base"/>
-              <a:endParaRPr lang="en-US" sz="1200" b="0" i="0">
-                <a:solidFill>
-                  <a:srgbClr val="000000"/>
-                </a:solidFill>
-                <a:effectLst/>
-                <a:latin typeface="Calibri" panose="020F0502020204030204" pitchFamily="34" charset="0"/>
-              </a:endParaRPr>
-            </a:p>
-            <a:p>
-              <a:pPr algn="l" rtl="0" fontAlgn="base"/>
-              <a:endParaRPr lang="en-US" sz="1200" b="0" i="0">
-                <a:solidFill>
-                  <a:srgbClr val="000000"/>
-                </a:solidFill>
-                <a:effectLst/>
-                <a:latin typeface="Calibri" panose="020F0502020204030204" pitchFamily="34" charset="0"/>
-              </a:endParaRPr>
+              <a:endParaRPr lang="en-US" sz="1000" dirty="0"/>
             </a:p>
           </p:txBody>
         </p:sp>
@@ -6850,7 +7205,7 @@
     </p:spTree>
     <p:extLst>
       <p:ext uri="{BB962C8B-B14F-4D97-AF65-F5344CB8AC3E}">
-        <p14:creationId xmlns:p14="http://schemas.microsoft.com/office/powerpoint/2010/main" val="1813756110"/>
+        <p14:creationId xmlns:p14="http://schemas.microsoft.com/office/powerpoint/2010/main" val="2678938229"/>
       </p:ext>
     </p:extLst>
   </p:cSld>
@@ -7451,6 +7806,26 @@
 </file>
 
 <file path=customXml/item1.xml><?xml version="1.0" encoding="utf-8"?>
+<p:properties xmlns:p="http://schemas.microsoft.com/office/2006/metadata/properties" xmlns:xsi="http://www.w3.org/2001/XMLSchema-instance" xmlns:pc="http://schemas.microsoft.com/office/infopath/2007/PartnerControls">
+  <documentManagement>
+    <TaxCatchAll xmlns="fa0e144d-b21d-458c-9998-1dd40bb68d67" xsi:nil="true"/>
+    <lcf76f155ced4ddcb4097134ff3c332f xmlns="08f65f34-dad4-417d-8d65-05140976dab1">
+      <Terms xmlns="http://schemas.microsoft.com/office/infopath/2007/PartnerControls"/>
+    </lcf76f155ced4ddcb4097134ff3c332f>
+  </documentManagement>
+</p:properties>
+</file>
+
+<file path=customXml/item2.xml><?xml version="1.0" encoding="utf-8"?>
+<?mso-contentType ?>
+<FormTemplates xmlns="http://schemas.microsoft.com/sharepoint/v3/contenttype/forms">
+  <Display>DocumentLibraryForm</Display>
+  <Edit>DocumentLibraryForm</Edit>
+  <New>DocumentLibraryForm</New>
+</FormTemplates>
+</file>
+
+<file path=customXml/item3.xml><?xml version="1.0" encoding="utf-8"?>
 <ct:contentTypeSchema xmlns:ct="http://schemas.microsoft.com/office/2006/metadata/contentType" xmlns:ma="http://schemas.microsoft.com/office/2006/metadata/properties/metaAttributes" ct:_="" ma:_="" ma:contentTypeName="Document" ma:contentTypeID="0x0101001143D2CB188F424EACF340DA9460FA44" ma:contentTypeVersion="9" ma:contentTypeDescription="Create a new document." ma:contentTypeScope="" ma:versionID="9949ecafb14c099c34175c07c67d68b5">
   <xsd:schema xmlns:xsd="http://www.w3.org/2001/XMLSchema" xmlns:xs="http://www.w3.org/2001/XMLSchema" xmlns:p="http://schemas.microsoft.com/office/2006/metadata/properties" xmlns:ns2="08f65f34-dad4-417d-8d65-05140976dab1" xmlns:ns3="fa0e144d-b21d-458c-9998-1dd40bb68d67" targetNamespace="http://schemas.microsoft.com/office/2006/metadata/properties" ma:root="true" ma:fieldsID="4bac2479c96836ec906975f1029c9d07" ns2:_="" ns3:_="">
     <xsd:import namespace="08f65f34-dad4-417d-8d65-05140976dab1"/>
@@ -7633,27 +8008,32 @@
 </ct:contentTypeSchema>
 </file>
 
-<file path=customXml/item2.xml><?xml version="1.0" encoding="utf-8"?>
-<p:properties xmlns:p="http://schemas.microsoft.com/office/2006/metadata/properties" xmlns:xsi="http://www.w3.org/2001/XMLSchema-instance" xmlns:pc="http://schemas.microsoft.com/office/infopath/2007/PartnerControls">
-  <documentManagement>
-    <TaxCatchAll xmlns="fa0e144d-b21d-458c-9998-1dd40bb68d67" xsi:nil="true"/>
-    <lcf76f155ced4ddcb4097134ff3c332f xmlns="08f65f34-dad4-417d-8d65-05140976dab1">
-      <Terms xmlns="http://schemas.microsoft.com/office/infopath/2007/PartnerControls"/>
-    </lcf76f155ced4ddcb4097134ff3c332f>
-  </documentManagement>
-</p:properties>
+<file path=customXml/itemProps1.xml><?xml version="1.0" encoding="utf-8"?>
+<ds:datastoreItem xmlns:ds="http://schemas.openxmlformats.org/officeDocument/2006/customXml" ds:itemID="{8CA72921-643F-4F23-9371-405429FFA248}">
+  <ds:schemaRefs>
+    <ds:schemaRef ds:uri="08f65f34-dad4-417d-8d65-05140976dab1"/>
+    <ds:schemaRef ds:uri="fa0e144d-b21d-458c-9998-1dd40bb68d67"/>
+    <ds:schemaRef ds:uri="http://purl.org/dc/dcmitype/"/>
+    <ds:schemaRef ds:uri="http://purl.org/dc/elements/1.1/"/>
+    <ds:schemaRef ds:uri="http://purl.org/dc/terms/"/>
+    <ds:schemaRef ds:uri="http://schemas.microsoft.com/office/2006/documentManagement/types"/>
+    <ds:schemaRef ds:uri="http://schemas.microsoft.com/office/2006/metadata/properties"/>
+    <ds:schemaRef ds:uri="http://schemas.microsoft.com/office/infopath/2007/PartnerControls"/>
+    <ds:schemaRef ds:uri="http://schemas.openxmlformats.org/package/2006/metadata/core-properties"/>
+    <ds:schemaRef ds:uri="http://www.w3.org/XML/1998/namespace"/>
+  </ds:schemaRefs>
+</ds:datastoreItem>
 </file>
 
-<file path=customXml/item3.xml><?xml version="1.0" encoding="utf-8"?>
-<?mso-contentType ?>
-<FormTemplates xmlns="http://schemas.microsoft.com/sharepoint/v3/contenttype/forms">
-  <Display>DocumentLibraryForm</Display>
-  <Edit>DocumentLibraryForm</Edit>
-  <New>DocumentLibraryForm</New>
-</FormTemplates>
+<file path=customXml/itemProps2.xml><?xml version="1.0" encoding="utf-8"?>
+<ds:datastoreItem xmlns:ds="http://schemas.openxmlformats.org/officeDocument/2006/customXml" ds:itemID="{A5D5FD53-76C5-4FB4-A052-D68EA4C12473}">
+  <ds:schemaRefs>
+    <ds:schemaRef ds:uri="http://schemas.microsoft.com/sharepoint/v3/contenttype/forms"/>
+  </ds:schemaRefs>
+</ds:datastoreItem>
 </file>
 
-<file path=customXml/itemProps1.xml><?xml version="1.0" encoding="utf-8"?>
+<file path=customXml/itemProps3.xml><?xml version="1.0" encoding="utf-8"?>
 <ds:datastoreItem xmlns:ds="http://schemas.openxmlformats.org/officeDocument/2006/customXml" ds:itemID="{47B17528-63CE-407F-BE9D-7AC23421DF72}">
   <ds:schemaRefs>
     <ds:schemaRef ds:uri="08f65f34-dad4-417d-8d65-05140976dab1"/>
@@ -7670,29 +8050,4 @@
     <ds:schemaRef ds:uri="http://www.w3.org/2001/XMLSchema"/>
   </ds:schemaRefs>
 </ds:datastoreItem>
-</file>
-
-<file path=customXml/itemProps2.xml><?xml version="1.0" encoding="utf-8"?>
-<ds:datastoreItem xmlns:ds="http://schemas.openxmlformats.org/officeDocument/2006/customXml" ds:itemID="{8CA72921-643F-4F23-9371-405429FFA248}">
-  <ds:schemaRefs>
-    <ds:schemaRef ds:uri="08f65f34-dad4-417d-8d65-05140976dab1"/>
-    <ds:schemaRef ds:uri="fa0e144d-b21d-458c-9998-1dd40bb68d67"/>
-    <ds:schemaRef ds:uri="http://purl.org/dc/dcmitype/"/>
-    <ds:schemaRef ds:uri="http://purl.org/dc/elements/1.1/"/>
-    <ds:schemaRef ds:uri="http://purl.org/dc/terms/"/>
-    <ds:schemaRef ds:uri="http://schemas.microsoft.com/office/2006/documentManagement/types"/>
-    <ds:schemaRef ds:uri="http://schemas.microsoft.com/office/2006/metadata/properties"/>
-    <ds:schemaRef ds:uri="http://schemas.microsoft.com/office/infopath/2007/PartnerControls"/>
-    <ds:schemaRef ds:uri="http://schemas.openxmlformats.org/package/2006/metadata/core-properties"/>
-    <ds:schemaRef ds:uri="http://www.w3.org/XML/1998/namespace"/>
-  </ds:schemaRefs>
-</ds:datastoreItem>
-</file>
-
-<file path=customXml/itemProps3.xml><?xml version="1.0" encoding="utf-8"?>
-<ds:datastoreItem xmlns:ds="http://schemas.openxmlformats.org/officeDocument/2006/customXml" ds:itemID="{A5D5FD53-76C5-4FB4-A052-D68EA4C12473}">
-  <ds:schemaRefs>
-    <ds:schemaRef ds:uri="http://schemas.microsoft.com/sharepoint/v3/contenttype/forms"/>
-  </ds:schemaRefs>
-</ds:datastoreItem>
 </file>
--- a/template.pptx
+++ b/template.pptx
@@ -127,6 +127,7 @@
     <p1510:client id="{A261E0FA-C7CE-42E8-83AF-5A95FF2B425F}" v="43" dt="2023-10-04T14:48:21.540"/>
     <p1510:client id="{A92875E7-342F-466C-AA14-6DC4E841659D}" v="282" vWet="284" dt="2023-10-04T14:16:05.256"/>
     <p1510:client id="{E8073375-4285-4480-BF1C-0050711BB089}" v="1" dt="2023-10-04T13:11:50.776"/>
+    <p1510:client id="{F1B6D808-520F-40E4-AEAD-658643385748}" v="24" dt="2023-10-19T15:42:11.901"/>
   </p1510:revLst>
 </p1510:revInfo>
 </file>
@@ -236,6 +237,86 @@
     </pc:docChg>
   </pc:docChgLst>
   <pc:docChgLst>
+    <pc:chgData name="Rasmus Thunberg" userId="S::2679379@tcs.com::af205901-3309-4d5c-9e14-c9ebbb4fdd00" providerId="AD" clId="Web-{F1B6D808-520F-40E4-AEAD-658643385748}"/>
+    <pc:docChg chg="modSld">
+      <pc:chgData name="Rasmus Thunberg" userId="S::2679379@tcs.com::af205901-3309-4d5c-9e14-c9ebbb4fdd00" providerId="AD" clId="Web-{F1B6D808-520F-40E4-AEAD-658643385748}" dt="2023-10-19T15:42:11.901" v="22" actId="14100"/>
+      <pc:docMkLst>
+        <pc:docMk/>
+      </pc:docMkLst>
+      <pc:sldChg chg="addSp delSp modSp">
+        <pc:chgData name="Rasmus Thunberg" userId="S::2679379@tcs.com::af205901-3309-4d5c-9e14-c9ebbb4fdd00" providerId="AD" clId="Web-{F1B6D808-520F-40E4-AEAD-658643385748}" dt="2023-10-19T15:42:11.901" v="22" actId="14100"/>
+        <pc:sldMkLst>
+          <pc:docMk/>
+          <pc:sldMk cId="2678938229" sldId="258"/>
+        </pc:sldMkLst>
+        <pc:spChg chg="mod">
+          <ac:chgData name="Rasmus Thunberg" userId="S::2679379@tcs.com::af205901-3309-4d5c-9e14-c9ebbb4fdd00" providerId="AD" clId="Web-{F1B6D808-520F-40E4-AEAD-658643385748}" dt="2023-10-19T15:37:04.138" v="1" actId="14100"/>
+          <ac:spMkLst>
+            <pc:docMk/>
+            <pc:sldMk cId="2678938229" sldId="258"/>
+            <ac:spMk id="2" creationId="{9B542F04-3245-83B2-1CF1-EF062922034F}"/>
+          </ac:spMkLst>
+        </pc:spChg>
+        <pc:spChg chg="mod">
+          <ac:chgData name="Rasmus Thunberg" userId="S::2679379@tcs.com::af205901-3309-4d5c-9e14-c9ebbb4fdd00" providerId="AD" clId="Web-{F1B6D808-520F-40E4-AEAD-658643385748}" dt="2023-10-19T15:38:29.939" v="9" actId="1076"/>
+          <ac:spMkLst>
+            <pc:docMk/>
+            <pc:sldMk cId="2678938229" sldId="258"/>
+            <ac:spMk id="3" creationId="{68188345-DAD2-0F54-EC92-CE1E36B55603}"/>
+          </ac:spMkLst>
+        </pc:spChg>
+        <pc:spChg chg="mod">
+          <ac:chgData name="Rasmus Thunberg" userId="S::2679379@tcs.com::af205901-3309-4d5c-9e14-c9ebbb4fdd00" providerId="AD" clId="Web-{F1B6D808-520F-40E4-AEAD-658643385748}" dt="2023-10-19T15:38:16.548" v="6" actId="1076"/>
+          <ac:spMkLst>
+            <pc:docMk/>
+            <pc:sldMk cId="2678938229" sldId="258"/>
+            <ac:spMk id="4" creationId="{DA3F3E79-8D77-FC87-A734-4E09595CB5DF}"/>
+          </ac:spMkLst>
+        </pc:spChg>
+        <pc:spChg chg="mod">
+          <ac:chgData name="Rasmus Thunberg" userId="S::2679379@tcs.com::af205901-3309-4d5c-9e14-c9ebbb4fdd00" providerId="AD" clId="Web-{F1B6D808-520F-40E4-AEAD-658643385748}" dt="2023-10-19T15:38:21.126" v="7" actId="14100"/>
+          <ac:spMkLst>
+            <pc:docMk/>
+            <pc:sldMk cId="2678938229" sldId="258"/>
+            <ac:spMk id="19" creationId="{B7A1A7CF-DE15-625D-629F-040F51846305}"/>
+          </ac:spMkLst>
+        </pc:spChg>
+        <pc:spChg chg="mod">
+          <ac:chgData name="Rasmus Thunberg" userId="S::2679379@tcs.com::af205901-3309-4d5c-9e14-c9ebbb4fdd00" providerId="AD" clId="Web-{F1B6D808-520F-40E4-AEAD-658643385748}" dt="2023-10-19T15:42:11.901" v="22" actId="14100"/>
+          <ac:spMkLst>
+            <pc:docMk/>
+            <pc:sldMk cId="2678938229" sldId="258"/>
+            <ac:spMk id="21" creationId="{5749F089-D1F1-2D1B-B890-ABB701F7879A}"/>
+          </ac:spMkLst>
+        </pc:spChg>
+        <pc:spChg chg="del">
+          <ac:chgData name="Rasmus Thunberg" userId="S::2679379@tcs.com::af205901-3309-4d5c-9e14-c9ebbb4fdd00" providerId="AD" clId="Web-{F1B6D808-520F-40E4-AEAD-658643385748}" dt="2023-10-19T15:36:58.935" v="0"/>
+          <ac:spMkLst>
+            <pc:docMk/>
+            <pc:sldMk cId="2678938229" sldId="258"/>
+            <ac:spMk id="23" creationId="{5FB31F0A-A7FD-2E97-F95B-DF130557DEED}"/>
+          </ac:spMkLst>
+        </pc:spChg>
+        <pc:picChg chg="add mod">
+          <ac:chgData name="Rasmus Thunberg" userId="S::2679379@tcs.com::af205901-3309-4d5c-9e14-c9ebbb4fdd00" providerId="AD" clId="Web-{F1B6D808-520F-40E4-AEAD-658643385748}" dt="2023-10-19T15:42:11.807" v="21" actId="1076"/>
+          <ac:picMkLst>
+            <pc:docMk/>
+            <pc:sldMk cId="2678938229" sldId="258"/>
+            <ac:picMk id="6" creationId="{0670D2A7-3AD0-20A2-745E-4D2A77C43EAE}"/>
+          </ac:picMkLst>
+        </pc:picChg>
+        <pc:picChg chg="add mod ord">
+          <ac:chgData name="Rasmus Thunberg" userId="S::2679379@tcs.com::af205901-3309-4d5c-9e14-c9ebbb4fdd00" providerId="AD" clId="Web-{F1B6D808-520F-40E4-AEAD-658643385748}" dt="2023-10-19T15:42:10.932" v="19"/>
+          <ac:picMkLst>
+            <pc:docMk/>
+            <pc:sldMk cId="2678938229" sldId="258"/>
+            <ac:picMk id="7" creationId="{CB11DC3D-CACB-3F71-61A9-1FC5B52F8F08}"/>
+          </ac:picMkLst>
+        </pc:picChg>
+      </pc:sldChg>
+    </pc:docChg>
+  </pc:docChgLst>
+  <pc:docChgLst>
     <pc:chgData name="Rasmus Thunberg" userId="S::2679379@tcs.com::af205901-3309-4d5c-9e14-c9ebbb4fdd00" providerId="AD" clId="Web-{6D44DF18-C152-45DA-9ACA-3A9EF340D604}"/>
     <pc:docChg chg="addSld delSld modSld">
       <pc:chgData name="Rasmus Thunberg" userId="S::2679379@tcs.com::af205901-3309-4d5c-9e14-c9ebbb4fdd00" providerId="AD" clId="Web-{6D44DF18-C152-45DA-9ACA-3A9EF340D604}" dt="2023-10-04T13:29:07.765" v="69"/>
@@ -543,43 +624,321 @@
     </pc:docChg>
   </pc:docChgLst>
   <pc:docChgLst>
-    <pc:chgData name="Julian Soeltzer" userId="S::2677817@tcs.com::39542089-ba8e-403e-b2a2-6c80f71f2896" providerId="AD" clId="Web-{9CD95C4B-7DB1-4213-B09C-AB9A6D36F708}"/>
-    <pc:docChg chg="addSld modSld">
-      <pc:chgData name="Julian Soeltzer" userId="S::2677817@tcs.com::39542089-ba8e-403e-b2a2-6c80f71f2896" providerId="AD" clId="Web-{9CD95C4B-7DB1-4213-B09C-AB9A6D36F708}" dt="2023-10-04T13:27:46.438" v="56" actId="20577"/>
+    <pc:chgData name="Rasmus Thunberg" userId="af205901-3309-4d5c-9e14-c9ebbb4fdd00" providerId="ADAL" clId="{EC0F497D-4F42-4742-AD86-5855458E6A04}"/>
+    <pc:docChg chg="undo redo custSel mod addSld modSld modMainMaster">
+      <pc:chgData name="Rasmus Thunberg" userId="af205901-3309-4d5c-9e14-c9ebbb4fdd00" providerId="ADAL" clId="{EC0F497D-4F42-4742-AD86-5855458E6A04}" dt="2023-10-03T09:32:37.149" v="480" actId="20577"/>
       <pc:docMkLst>
         <pc:docMk/>
       </pc:docMkLst>
-      <pc:sldChg chg="addSp modSp add replId">
-        <pc:chgData name="Julian Soeltzer" userId="S::2677817@tcs.com::39542089-ba8e-403e-b2a2-6c80f71f2896" providerId="AD" clId="Web-{9CD95C4B-7DB1-4213-B09C-AB9A6D36F708}" dt="2023-10-04T13:27:46.438" v="56" actId="20577"/>
+      <pc:sldChg chg="addSp delSp modSp mod">
+        <pc:chgData name="Rasmus Thunberg" userId="af205901-3309-4d5c-9e14-c9ebbb4fdd00" providerId="ADAL" clId="{EC0F497D-4F42-4742-AD86-5855458E6A04}" dt="2023-10-03T07:07:49.721" v="204" actId="20577"/>
         <pc:sldMkLst>
           <pc:docMk/>
-          <pc:sldMk cId="2678938229" sldId="258"/>
+          <pc:sldMk cId="1182490399" sldId="256"/>
+        </pc:sldMkLst>
+        <pc:spChg chg="add mod">
+          <ac:chgData name="Rasmus Thunberg" userId="af205901-3309-4d5c-9e14-c9ebbb4fdd00" providerId="ADAL" clId="{EC0F497D-4F42-4742-AD86-5855458E6A04}" dt="2023-10-03T07:00:25.037" v="113" actId="14100"/>
+          <ac:spMkLst>
+            <pc:docMk/>
+            <pc:sldMk cId="1182490399" sldId="256"/>
+            <ac:spMk id="2" creationId="{9B542F04-3245-83B2-1CF1-EF062922034F}"/>
+          </ac:spMkLst>
+        </pc:spChg>
+        <pc:spChg chg="add del mod">
+          <ac:chgData name="Rasmus Thunberg" userId="af205901-3309-4d5c-9e14-c9ebbb4fdd00" providerId="ADAL" clId="{EC0F497D-4F42-4742-AD86-5855458E6A04}" dt="2023-10-03T07:00:49.868" v="120" actId="1076"/>
+          <ac:spMkLst>
+            <pc:docMk/>
+            <pc:sldMk cId="1182490399" sldId="256"/>
+            <ac:spMk id="3" creationId="{68188345-DAD2-0F54-EC92-CE1E36B55603}"/>
+          </ac:spMkLst>
+        </pc:spChg>
+        <pc:spChg chg="add mod">
+          <ac:chgData name="Rasmus Thunberg" userId="af205901-3309-4d5c-9e14-c9ebbb4fdd00" providerId="ADAL" clId="{EC0F497D-4F42-4742-AD86-5855458E6A04}" dt="2023-10-03T07:05:47.027" v="161" actId="20577"/>
+          <ac:spMkLst>
+            <pc:docMk/>
+            <pc:sldMk cId="1182490399" sldId="256"/>
+            <ac:spMk id="4" creationId="{DA3F3E79-8D77-FC87-A734-4E09595CB5DF}"/>
+          </ac:spMkLst>
+        </pc:spChg>
+        <pc:spChg chg="mod">
+          <ac:chgData name="Rasmus Thunberg" userId="af205901-3309-4d5c-9e14-c9ebbb4fdd00" providerId="ADAL" clId="{EC0F497D-4F42-4742-AD86-5855458E6A04}" dt="2023-10-03T06:45:13.963" v="8" actId="1076"/>
+          <ac:spMkLst>
+            <pc:docMk/>
+            <pc:sldMk cId="1182490399" sldId="256"/>
+            <ac:spMk id="10" creationId="{4E09E2CA-4D4F-0D16-CB68-E9BD517048D7}"/>
+          </ac:spMkLst>
+        </pc:spChg>
+        <pc:spChg chg="mod">
+          <ac:chgData name="Rasmus Thunberg" userId="af205901-3309-4d5c-9e14-c9ebbb4fdd00" providerId="ADAL" clId="{EC0F497D-4F42-4742-AD86-5855458E6A04}" dt="2023-10-03T06:45:18.833" v="9" actId="1076"/>
+          <ac:spMkLst>
+            <pc:docMk/>
+            <pc:sldMk cId="1182490399" sldId="256"/>
+            <ac:spMk id="12" creationId="{0064FD19-4BA5-5018-829D-9C6CA388109E}"/>
+          </ac:spMkLst>
+        </pc:spChg>
+        <pc:spChg chg="del">
+          <ac:chgData name="Rasmus Thunberg" userId="af205901-3309-4d5c-9e14-c9ebbb4fdd00" providerId="ADAL" clId="{EC0F497D-4F42-4742-AD86-5855458E6A04}" dt="2023-10-03T06:44:54.295" v="5" actId="478"/>
+          <ac:spMkLst>
+            <pc:docMk/>
+            <pc:sldMk cId="1182490399" sldId="256"/>
+            <ac:spMk id="13" creationId="{DDB44A97-DB00-159D-EF6E-37320E65CEE0}"/>
+          </ac:spMkLst>
+        </pc:spChg>
+        <pc:spChg chg="del">
+          <ac:chgData name="Rasmus Thunberg" userId="af205901-3309-4d5c-9e14-c9ebbb4fdd00" providerId="ADAL" clId="{EC0F497D-4F42-4742-AD86-5855458E6A04}" dt="2023-10-03T06:45:25.918" v="12" actId="478"/>
+          <ac:spMkLst>
+            <pc:docMk/>
+            <pc:sldMk cId="1182490399" sldId="256"/>
+            <ac:spMk id="15" creationId="{7936962E-73B7-A058-3F95-6F709C28C92E}"/>
+          </ac:spMkLst>
+        </pc:spChg>
+        <pc:spChg chg="del">
+          <ac:chgData name="Rasmus Thunberg" userId="af205901-3309-4d5c-9e14-c9ebbb4fdd00" providerId="ADAL" clId="{EC0F497D-4F42-4742-AD86-5855458E6A04}" dt="2023-10-03T06:45:24.073" v="11" actId="478"/>
+          <ac:spMkLst>
+            <pc:docMk/>
+            <pc:sldMk cId="1182490399" sldId="256"/>
+            <ac:spMk id="16" creationId="{A537BEAB-F929-8A29-12CA-395A0D9E816D}"/>
+          </ac:spMkLst>
+        </pc:spChg>
+        <pc:spChg chg="mod">
+          <ac:chgData name="Rasmus Thunberg" userId="af205901-3309-4d5c-9e14-c9ebbb4fdd00" providerId="ADAL" clId="{EC0F497D-4F42-4742-AD86-5855458E6A04}" dt="2023-10-03T06:46:59.042" v="49" actId="20577"/>
+          <ac:spMkLst>
+            <pc:docMk/>
+            <pc:sldMk cId="1182490399" sldId="256"/>
+            <ac:spMk id="17" creationId="{31623CCC-686B-1904-6B13-DDEA421612E7}"/>
+          </ac:spMkLst>
+        </pc:spChg>
+        <pc:spChg chg="mod">
+          <ac:chgData name="Rasmus Thunberg" userId="af205901-3309-4d5c-9e14-c9ebbb4fdd00" providerId="ADAL" clId="{EC0F497D-4F42-4742-AD86-5855458E6A04}" dt="2023-10-03T06:47:07.068" v="53" actId="5793"/>
+          <ac:spMkLst>
+            <pc:docMk/>
+            <pc:sldMk cId="1182490399" sldId="256"/>
+            <ac:spMk id="18" creationId="{7879456D-AB81-A833-178B-B9AB4C6DCC35}"/>
+          </ac:spMkLst>
+        </pc:spChg>
+        <pc:spChg chg="mod">
+          <ac:chgData name="Rasmus Thunberg" userId="af205901-3309-4d5c-9e14-c9ebbb4fdd00" providerId="ADAL" clId="{EC0F497D-4F42-4742-AD86-5855458E6A04}" dt="2023-10-03T07:07:36.150" v="202" actId="20577"/>
+          <ac:spMkLst>
+            <pc:docMk/>
+            <pc:sldMk cId="1182490399" sldId="256"/>
+            <ac:spMk id="19" creationId="{B7A1A7CF-DE15-625D-629F-040F51846305}"/>
+          </ac:spMkLst>
+        </pc:spChg>
+        <pc:spChg chg="add del mod">
+          <ac:chgData name="Rasmus Thunberg" userId="af205901-3309-4d5c-9e14-c9ebbb4fdd00" providerId="ADAL" clId="{EC0F497D-4F42-4742-AD86-5855458E6A04}" dt="2023-10-03T07:07:46.508" v="203" actId="20577"/>
+          <ac:spMkLst>
+            <pc:docMk/>
+            <pc:sldMk cId="1182490399" sldId="256"/>
+            <ac:spMk id="20" creationId="{809C2245-659B-ED24-E729-362132A9ADCC}"/>
+          </ac:spMkLst>
+        </pc:spChg>
+        <pc:spChg chg="mod">
+          <ac:chgData name="Rasmus Thunberg" userId="af205901-3309-4d5c-9e14-c9ebbb4fdd00" providerId="ADAL" clId="{EC0F497D-4F42-4742-AD86-5855458E6A04}" dt="2023-10-03T07:07:49.721" v="204" actId="20577"/>
+          <ac:spMkLst>
+            <pc:docMk/>
+            <pc:sldMk cId="1182490399" sldId="256"/>
+            <ac:spMk id="21" creationId="{5749F089-D1F1-2D1B-B890-ABB701F7879A}"/>
+          </ac:spMkLst>
+        </pc:spChg>
+        <pc:spChg chg="mod">
+          <ac:chgData name="Rasmus Thunberg" userId="af205901-3309-4d5c-9e14-c9ebbb4fdd00" providerId="ADAL" clId="{EC0F497D-4F42-4742-AD86-5855458E6A04}" dt="2023-10-03T07:00:29.734" v="114" actId="14100"/>
+          <ac:spMkLst>
+            <pc:docMk/>
+            <pc:sldMk cId="1182490399" sldId="256"/>
+            <ac:spMk id="23" creationId="{5FB31F0A-A7FD-2E97-F95B-DF130557DEED}"/>
+          </ac:spMkLst>
+        </pc:spChg>
+        <pc:spChg chg="del">
+          <ac:chgData name="Rasmus Thunberg" userId="af205901-3309-4d5c-9e14-c9ebbb4fdd00" providerId="ADAL" clId="{EC0F497D-4F42-4742-AD86-5855458E6A04}" dt="2023-10-03T07:02:53.742" v="121" actId="478"/>
+          <ac:spMkLst>
+            <pc:docMk/>
+            <pc:sldMk cId="1182490399" sldId="256"/>
+            <ac:spMk id="24" creationId="{79C05BEE-DBAB-2037-0E54-2102ABD3F219}"/>
+          </ac:spMkLst>
+        </pc:spChg>
+        <pc:spChg chg="del">
+          <ac:chgData name="Rasmus Thunberg" userId="af205901-3309-4d5c-9e14-c9ebbb4fdd00" providerId="ADAL" clId="{EC0F497D-4F42-4742-AD86-5855458E6A04}" dt="2023-10-03T07:02:57.827" v="124" actId="478"/>
+          <ac:spMkLst>
+            <pc:docMk/>
+            <pc:sldMk cId="1182490399" sldId="256"/>
+            <ac:spMk id="26" creationId="{7D6C9686-9837-B9D1-2DAE-011A02C9A498}"/>
+          </ac:spMkLst>
+        </pc:spChg>
+        <pc:spChg chg="del">
+          <ac:chgData name="Rasmus Thunberg" userId="af205901-3309-4d5c-9e14-c9ebbb4fdd00" providerId="ADAL" clId="{EC0F497D-4F42-4742-AD86-5855458E6A04}" dt="2023-10-03T07:02:59.696" v="125" actId="478"/>
+          <ac:spMkLst>
+            <pc:docMk/>
+            <pc:sldMk cId="1182490399" sldId="256"/>
+            <ac:spMk id="27" creationId="{0BA099BA-54CA-CFE8-D20B-57C4F5CF6014}"/>
+          </ac:spMkLst>
+        </pc:spChg>
+        <pc:grpChg chg="add mod">
+          <ac:chgData name="Rasmus Thunberg" userId="af205901-3309-4d5c-9e14-c9ebbb4fdd00" providerId="ADAL" clId="{EC0F497D-4F42-4742-AD86-5855458E6A04}" dt="2023-10-03T07:05:52.600" v="162" actId="14100"/>
+          <ac:grpSpMkLst>
+            <pc:docMk/>
+            <pc:sldMk cId="1182490399" sldId="256"/>
+            <ac:grpSpMk id="5" creationId="{C085AD75-9BB6-6DE2-78AD-DAD8A0E4AB77}"/>
+          </ac:grpSpMkLst>
+        </pc:grpChg>
+        <pc:picChg chg="del mod">
+          <ac:chgData name="Rasmus Thunberg" userId="af205901-3309-4d5c-9e14-c9ebbb4fdd00" providerId="ADAL" clId="{EC0F497D-4F42-4742-AD86-5855458E6A04}" dt="2023-10-03T06:44:51.007" v="4" actId="478"/>
+          <ac:picMkLst>
+            <pc:docMk/>
+            <pc:sldMk cId="1182490399" sldId="256"/>
+            <ac:picMk id="2050" creationId="{A19A6442-8A75-EBA6-6FE9-66FED6AB0D0F}"/>
+          </ac:picMkLst>
+        </pc:picChg>
+        <pc:cxnChg chg="mod">
+          <ac:chgData name="Rasmus Thunberg" userId="af205901-3309-4d5c-9e14-c9ebbb4fdd00" providerId="ADAL" clId="{EC0F497D-4F42-4742-AD86-5855458E6A04}" dt="2023-10-03T06:45:07.239" v="7" actId="1076"/>
+          <ac:cxnSpMkLst>
+            <pc:docMk/>
+            <pc:sldMk cId="1182490399" sldId="256"/>
+            <ac:cxnSpMk id="8" creationId="{226E5484-E12C-5EE5-8AC1-54ADF0803C9A}"/>
+          </ac:cxnSpMkLst>
+        </pc:cxnChg>
+      </pc:sldChg>
+      <pc:sldChg chg="modSp add mod">
+        <pc:chgData name="Rasmus Thunberg" userId="af205901-3309-4d5c-9e14-c9ebbb4fdd00" providerId="ADAL" clId="{EC0F497D-4F42-4742-AD86-5855458E6A04}" dt="2023-10-03T09:32:37.149" v="480" actId="20577"/>
+        <pc:sldMkLst>
+          <pc:docMk/>
+          <pc:sldMk cId="1813756110" sldId="257"/>
         </pc:sldMkLst>
         <pc:spChg chg="mod">
-          <ac:chgData name="Julian Soeltzer" userId="S::2677817@tcs.com::39542089-ba8e-403e-b2a2-6c80f71f2896" providerId="AD" clId="Web-{9CD95C4B-7DB1-4213-B09C-AB9A6D36F708}" dt="2023-10-04T13:27:46.438" v="56" actId="20577"/>
+          <ac:chgData name="Rasmus Thunberg" userId="af205901-3309-4d5c-9e14-c9ebbb4fdd00" providerId="ADAL" clId="{EC0F497D-4F42-4742-AD86-5855458E6A04}" dt="2023-10-03T09:30:03.437" v="424" actId="20577"/>
           <ac:spMkLst>
             <pc:docMk/>
-            <pc:sldMk cId="2678938229" sldId="258"/>
+            <pc:sldMk cId="1813756110" sldId="257"/>
+            <ac:spMk id="2" creationId="{9B542F04-3245-83B2-1CF1-EF062922034F}"/>
+          </ac:spMkLst>
+        </pc:spChg>
+        <pc:spChg chg="mod">
+          <ac:chgData name="Rasmus Thunberg" userId="af205901-3309-4d5c-9e14-c9ebbb4fdd00" providerId="ADAL" clId="{EC0F497D-4F42-4742-AD86-5855458E6A04}" dt="2023-10-03T09:30:53.898" v="438" actId="20577"/>
+          <ac:spMkLst>
+            <pc:docMk/>
+            <pc:sldMk cId="1813756110" sldId="257"/>
+            <ac:spMk id="3" creationId="{68188345-DAD2-0F54-EC92-CE1E36B55603}"/>
+          </ac:spMkLst>
+        </pc:spChg>
+        <pc:spChg chg="mod">
+          <ac:chgData name="Rasmus Thunberg" userId="af205901-3309-4d5c-9e14-c9ebbb4fdd00" providerId="ADAL" clId="{EC0F497D-4F42-4742-AD86-5855458E6A04}" dt="2023-10-03T09:32:23.345" v="476" actId="20577"/>
+          <ac:spMkLst>
+            <pc:docMk/>
+            <pc:sldMk cId="1813756110" sldId="257"/>
+            <ac:spMk id="4" creationId="{DA3F3E79-8D77-FC87-A734-4E09595CB5DF}"/>
+          </ac:spMkLst>
+        </pc:spChg>
+        <pc:spChg chg="mod">
+          <ac:chgData name="Rasmus Thunberg" userId="af205901-3309-4d5c-9e14-c9ebbb4fdd00" providerId="ADAL" clId="{EC0F497D-4F42-4742-AD86-5855458E6A04}" dt="2023-10-03T09:29:04.695" v="408" actId="1076"/>
+          <ac:spMkLst>
+            <pc:docMk/>
+            <pc:sldMk cId="1813756110" sldId="257"/>
+            <ac:spMk id="10" creationId="{4E09E2CA-4D4F-0D16-CB68-E9BD517048D7}"/>
+          </ac:spMkLst>
+        </pc:spChg>
+        <pc:spChg chg="mod">
+          <ac:chgData name="Rasmus Thunberg" userId="af205901-3309-4d5c-9e14-c9ebbb4fdd00" providerId="ADAL" clId="{EC0F497D-4F42-4742-AD86-5855458E6A04}" dt="2023-10-03T09:29:00.490" v="407" actId="1076"/>
+          <ac:spMkLst>
+            <pc:docMk/>
+            <pc:sldMk cId="1813756110" sldId="257"/>
             <ac:spMk id="11" creationId="{1BD89980-6D7F-C735-5105-AAB6DBBEFC76}"/>
           </ac:spMkLst>
         </pc:spChg>
         <pc:spChg chg="mod">
-          <ac:chgData name="Julian Soeltzer" userId="S::2677817@tcs.com::39542089-ba8e-403e-b2a2-6c80f71f2896" providerId="AD" clId="Web-{9CD95C4B-7DB1-4213-B09C-AB9A6D36F708}" dt="2023-10-04T13:23:26.833" v="8" actId="20577"/>
+          <ac:chgData name="Rasmus Thunberg" userId="af205901-3309-4d5c-9e14-c9ebbb4fdd00" providerId="ADAL" clId="{EC0F497D-4F42-4742-AD86-5855458E6A04}" dt="2023-10-03T09:29:07.948" v="409" actId="1076"/>
           <ac:spMkLst>
             <pc:docMk/>
-            <pc:sldMk cId="2678938229" sldId="258"/>
+            <pc:sldMk cId="1813756110" sldId="257"/>
+            <ac:spMk id="12" creationId="{0064FD19-4BA5-5018-829D-9C6CA388109E}"/>
+          </ac:spMkLst>
+        </pc:spChg>
+        <pc:spChg chg="mod">
+          <ac:chgData name="Rasmus Thunberg" userId="af205901-3309-4d5c-9e14-c9ebbb4fdd00" providerId="ADAL" clId="{EC0F497D-4F42-4742-AD86-5855458E6A04}" dt="2023-10-03T09:29:29.672" v="411"/>
+          <ac:spMkLst>
+            <pc:docMk/>
+            <pc:sldMk cId="1813756110" sldId="257"/>
+            <ac:spMk id="17" creationId="{31623CCC-686B-1904-6B13-DDEA421612E7}"/>
+          </ac:spMkLst>
+        </pc:spChg>
+        <pc:spChg chg="mod">
+          <ac:chgData name="Rasmus Thunberg" userId="af205901-3309-4d5c-9e14-c9ebbb4fdd00" providerId="ADAL" clId="{EC0F497D-4F42-4742-AD86-5855458E6A04}" dt="2023-10-03T09:29:35.053" v="413"/>
+          <ac:spMkLst>
+            <pc:docMk/>
+            <pc:sldMk cId="1813756110" sldId="257"/>
+            <ac:spMk id="18" creationId="{7879456D-AB81-A833-178B-B9AB4C6DCC35}"/>
+          </ac:spMkLst>
+        </pc:spChg>
+        <pc:spChg chg="mod">
+          <ac:chgData name="Rasmus Thunberg" userId="af205901-3309-4d5c-9e14-c9ebbb4fdd00" providerId="ADAL" clId="{EC0F497D-4F42-4742-AD86-5855458E6A04}" dt="2023-10-03T09:32:31.853" v="477" actId="20577"/>
+          <ac:spMkLst>
+            <pc:docMk/>
+            <pc:sldMk cId="1813756110" sldId="257"/>
+            <ac:spMk id="19" creationId="{B7A1A7CF-DE15-625D-629F-040F51846305}"/>
+          </ac:spMkLst>
+        </pc:spChg>
+        <pc:spChg chg="mod">
+          <ac:chgData name="Rasmus Thunberg" userId="af205901-3309-4d5c-9e14-c9ebbb4fdd00" providerId="ADAL" clId="{EC0F497D-4F42-4742-AD86-5855458E6A04}" dt="2023-10-03T09:32:34.835" v="478" actId="20577"/>
+          <ac:spMkLst>
+            <pc:docMk/>
+            <pc:sldMk cId="1813756110" sldId="257"/>
+            <ac:spMk id="20" creationId="{809C2245-659B-ED24-E729-362132A9ADCC}"/>
+          </ac:spMkLst>
+        </pc:spChg>
+        <pc:spChg chg="mod">
+          <ac:chgData name="Rasmus Thunberg" userId="af205901-3309-4d5c-9e14-c9ebbb4fdd00" providerId="ADAL" clId="{EC0F497D-4F42-4742-AD86-5855458E6A04}" dt="2023-10-03T09:32:37.149" v="480" actId="20577"/>
+          <ac:spMkLst>
+            <pc:docMk/>
+            <pc:sldMk cId="1813756110" sldId="257"/>
+            <ac:spMk id="21" creationId="{5749F089-D1F1-2D1B-B890-ABB701F7879A}"/>
+          </ac:spMkLst>
+        </pc:spChg>
+        <pc:spChg chg="mod">
+          <ac:chgData name="Rasmus Thunberg" userId="af205901-3309-4d5c-9e14-c9ebbb4fdd00" providerId="ADAL" clId="{EC0F497D-4F42-4742-AD86-5855458E6A04}" dt="2023-10-03T09:26:13.016" v="363" actId="113"/>
+          <ac:spMkLst>
+            <pc:docMk/>
+            <pc:sldMk cId="1813756110" sldId="257"/>
+            <ac:spMk id="22" creationId="{3C0AAFF6-E5B6-FCF5-2746-613DB36B5743}"/>
+          </ac:spMkLst>
+        </pc:spChg>
+        <pc:spChg chg="mod">
+          <ac:chgData name="Rasmus Thunberg" userId="af205901-3309-4d5c-9e14-c9ebbb4fdd00" providerId="ADAL" clId="{EC0F497D-4F42-4742-AD86-5855458E6A04}" dt="2023-10-03T09:29:48.448" v="417" actId="20577"/>
+          <ac:spMkLst>
+            <pc:docMk/>
+            <pc:sldMk cId="1813756110" sldId="257"/>
+            <ac:spMk id="23" creationId="{5FB31F0A-A7FD-2E97-F95B-DF130557DEED}"/>
+          </ac:spMkLst>
+        </pc:spChg>
+        <pc:spChg chg="mod">
+          <ac:chgData name="Rasmus Thunberg" userId="af205901-3309-4d5c-9e14-c9ebbb4fdd00" providerId="ADAL" clId="{EC0F497D-4F42-4742-AD86-5855458E6A04}" dt="2023-10-03T09:18:51.668" v="223" actId="20577"/>
+          <ac:spMkLst>
+            <pc:docMk/>
+            <pc:sldMk cId="1813756110" sldId="257"/>
             <ac:spMk id="28" creationId="{CD134E6C-9822-1EC1-15BF-8DCBC21212DB}"/>
           </ac:spMkLst>
         </pc:spChg>
-        <pc:picChg chg="add mod">
-          <ac:chgData name="Julian Soeltzer" userId="S::2677817@tcs.com::39542089-ba8e-403e-b2a2-6c80f71f2896" providerId="AD" clId="Web-{9CD95C4B-7DB1-4213-B09C-AB9A6D36F708}" dt="2023-10-04T13:23:30.927" v="9" actId="1076"/>
-          <ac:picMkLst>
-            <pc:docMk/>
-            <pc:sldMk cId="2678938229" sldId="258"/>
-            <ac:picMk id="6" creationId="{507A67E8-0854-3AB2-7D14-E5C7EAFDB726}"/>
-          </ac:picMkLst>
-        </pc:picChg>
       </pc:sldChg>
+      <pc:sldMasterChg chg="addSp mod">
+        <pc:chgData name="Rasmus Thunberg" userId="af205901-3309-4d5c-9e14-c9ebbb4fdd00" providerId="ADAL" clId="{EC0F497D-4F42-4742-AD86-5855458E6A04}" dt="2023-09-27T14:44:37.392" v="0" actId="33475"/>
+        <pc:sldMasterMkLst>
+          <pc:docMk/>
+          <pc:sldMasterMk cId="3854455681" sldId="2147483648"/>
+        </pc:sldMasterMkLst>
+        <pc:spChg chg="add">
+          <ac:chgData name="Rasmus Thunberg" userId="af205901-3309-4d5c-9e14-c9ebbb4fdd00" providerId="ADAL" clId="{EC0F497D-4F42-4742-AD86-5855458E6A04}" dt="2023-09-27T14:44:37.392" v="0" actId="33475"/>
+          <ac:spMkLst>
+            <pc:docMk/>
+            <pc:sldMasterMk cId="3854455681" sldId="2147483648"/>
+            <ac:spMk id="9" creationId="{C1CEB5C8-8A33-4866-7028-A35B86298FA6}"/>
+          </ac:spMkLst>
+        </pc:spChg>
+        <pc:spChg chg="add">
+          <ac:chgData name="Rasmus Thunberg" userId="af205901-3309-4d5c-9e14-c9ebbb4fdd00" providerId="ADAL" clId="{EC0F497D-4F42-4742-AD86-5855458E6A04}" dt="2023-09-27T14:44:37.392" v="0" actId="33475"/>
+          <ac:spMkLst>
+            <pc:docMk/>
+            <pc:sldMasterMk cId="3854455681" sldId="2147483648"/>
+            <ac:spMk id="10" creationId="{F670F0CF-A2B2-27AD-90E2-5F3C03DE8B31}"/>
+          </ac:spMkLst>
+        </pc:spChg>
+      </pc:sldMasterChg>
     </pc:docChg>
   </pc:docChgLst>
   <pc:docChgLst>
@@ -695,321 +1054,43 @@
     </pc:docChg>
   </pc:docChgLst>
   <pc:docChgLst>
-    <pc:chgData name="Rasmus Thunberg" userId="af205901-3309-4d5c-9e14-c9ebbb4fdd00" providerId="ADAL" clId="{EC0F497D-4F42-4742-AD86-5855458E6A04}"/>
-    <pc:docChg chg="undo redo custSel mod addSld modSld modMainMaster">
-      <pc:chgData name="Rasmus Thunberg" userId="af205901-3309-4d5c-9e14-c9ebbb4fdd00" providerId="ADAL" clId="{EC0F497D-4F42-4742-AD86-5855458E6A04}" dt="2023-10-03T09:32:37.149" v="480" actId="20577"/>
+    <pc:chgData name="Julian Soeltzer" userId="S::2677817@tcs.com::39542089-ba8e-403e-b2a2-6c80f71f2896" providerId="AD" clId="Web-{9CD95C4B-7DB1-4213-B09C-AB9A6D36F708}"/>
+    <pc:docChg chg="addSld modSld">
+      <pc:chgData name="Julian Soeltzer" userId="S::2677817@tcs.com::39542089-ba8e-403e-b2a2-6c80f71f2896" providerId="AD" clId="Web-{9CD95C4B-7DB1-4213-B09C-AB9A6D36F708}" dt="2023-10-04T13:27:46.438" v="56" actId="20577"/>
       <pc:docMkLst>
         <pc:docMk/>
       </pc:docMkLst>
-      <pc:sldChg chg="addSp delSp modSp mod">
-        <pc:chgData name="Rasmus Thunberg" userId="af205901-3309-4d5c-9e14-c9ebbb4fdd00" providerId="ADAL" clId="{EC0F497D-4F42-4742-AD86-5855458E6A04}" dt="2023-10-03T07:07:49.721" v="204" actId="20577"/>
+      <pc:sldChg chg="addSp modSp add replId">
+        <pc:chgData name="Julian Soeltzer" userId="S::2677817@tcs.com::39542089-ba8e-403e-b2a2-6c80f71f2896" providerId="AD" clId="Web-{9CD95C4B-7DB1-4213-B09C-AB9A6D36F708}" dt="2023-10-04T13:27:46.438" v="56" actId="20577"/>
         <pc:sldMkLst>
           <pc:docMk/>
-          <pc:sldMk cId="1182490399" sldId="256"/>
-        </pc:sldMkLst>
-        <pc:spChg chg="add mod">
-          <ac:chgData name="Rasmus Thunberg" userId="af205901-3309-4d5c-9e14-c9ebbb4fdd00" providerId="ADAL" clId="{EC0F497D-4F42-4742-AD86-5855458E6A04}" dt="2023-10-03T07:00:25.037" v="113" actId="14100"/>
-          <ac:spMkLst>
-            <pc:docMk/>
-            <pc:sldMk cId="1182490399" sldId="256"/>
-            <ac:spMk id="2" creationId="{9B542F04-3245-83B2-1CF1-EF062922034F}"/>
-          </ac:spMkLst>
-        </pc:spChg>
-        <pc:spChg chg="add del mod">
-          <ac:chgData name="Rasmus Thunberg" userId="af205901-3309-4d5c-9e14-c9ebbb4fdd00" providerId="ADAL" clId="{EC0F497D-4F42-4742-AD86-5855458E6A04}" dt="2023-10-03T07:00:49.868" v="120" actId="1076"/>
-          <ac:spMkLst>
-            <pc:docMk/>
-            <pc:sldMk cId="1182490399" sldId="256"/>
-            <ac:spMk id="3" creationId="{68188345-DAD2-0F54-EC92-CE1E36B55603}"/>
-          </ac:spMkLst>
-        </pc:spChg>
-        <pc:spChg chg="add mod">
-          <ac:chgData name="Rasmus Thunberg" userId="af205901-3309-4d5c-9e14-c9ebbb4fdd00" providerId="ADAL" clId="{EC0F497D-4F42-4742-AD86-5855458E6A04}" dt="2023-10-03T07:05:47.027" v="161" actId="20577"/>
-          <ac:spMkLst>
-            <pc:docMk/>
-            <pc:sldMk cId="1182490399" sldId="256"/>
-            <ac:spMk id="4" creationId="{DA3F3E79-8D77-FC87-A734-4E09595CB5DF}"/>
-          </ac:spMkLst>
-        </pc:spChg>
-        <pc:spChg chg="mod">
-          <ac:chgData name="Rasmus Thunberg" userId="af205901-3309-4d5c-9e14-c9ebbb4fdd00" providerId="ADAL" clId="{EC0F497D-4F42-4742-AD86-5855458E6A04}" dt="2023-10-03T06:45:13.963" v="8" actId="1076"/>
-          <ac:spMkLst>
-            <pc:docMk/>
-            <pc:sldMk cId="1182490399" sldId="256"/>
-            <ac:spMk id="10" creationId="{4E09E2CA-4D4F-0D16-CB68-E9BD517048D7}"/>
-          </ac:spMkLst>
-        </pc:spChg>
-        <pc:spChg chg="mod">
-          <ac:chgData name="Rasmus Thunberg" userId="af205901-3309-4d5c-9e14-c9ebbb4fdd00" providerId="ADAL" clId="{EC0F497D-4F42-4742-AD86-5855458E6A04}" dt="2023-10-03T06:45:18.833" v="9" actId="1076"/>
-          <ac:spMkLst>
-            <pc:docMk/>
-            <pc:sldMk cId="1182490399" sldId="256"/>
-            <ac:spMk id="12" creationId="{0064FD19-4BA5-5018-829D-9C6CA388109E}"/>
-          </ac:spMkLst>
-        </pc:spChg>
-        <pc:spChg chg="del">
-          <ac:chgData name="Rasmus Thunberg" userId="af205901-3309-4d5c-9e14-c9ebbb4fdd00" providerId="ADAL" clId="{EC0F497D-4F42-4742-AD86-5855458E6A04}" dt="2023-10-03T06:44:54.295" v="5" actId="478"/>
-          <ac:spMkLst>
-            <pc:docMk/>
-            <pc:sldMk cId="1182490399" sldId="256"/>
-            <ac:spMk id="13" creationId="{DDB44A97-DB00-159D-EF6E-37320E65CEE0}"/>
-          </ac:spMkLst>
-        </pc:spChg>
-        <pc:spChg chg="del">
-          <ac:chgData name="Rasmus Thunberg" userId="af205901-3309-4d5c-9e14-c9ebbb4fdd00" providerId="ADAL" clId="{EC0F497D-4F42-4742-AD86-5855458E6A04}" dt="2023-10-03T06:45:25.918" v="12" actId="478"/>
-          <ac:spMkLst>
-            <pc:docMk/>
-            <pc:sldMk cId="1182490399" sldId="256"/>
-            <ac:spMk id="15" creationId="{7936962E-73B7-A058-3F95-6F709C28C92E}"/>
-          </ac:spMkLst>
-        </pc:spChg>
-        <pc:spChg chg="del">
-          <ac:chgData name="Rasmus Thunberg" userId="af205901-3309-4d5c-9e14-c9ebbb4fdd00" providerId="ADAL" clId="{EC0F497D-4F42-4742-AD86-5855458E6A04}" dt="2023-10-03T06:45:24.073" v="11" actId="478"/>
-          <ac:spMkLst>
-            <pc:docMk/>
-            <pc:sldMk cId="1182490399" sldId="256"/>
-            <ac:spMk id="16" creationId="{A537BEAB-F929-8A29-12CA-395A0D9E816D}"/>
-          </ac:spMkLst>
-        </pc:spChg>
-        <pc:spChg chg="mod">
-          <ac:chgData name="Rasmus Thunberg" userId="af205901-3309-4d5c-9e14-c9ebbb4fdd00" providerId="ADAL" clId="{EC0F497D-4F42-4742-AD86-5855458E6A04}" dt="2023-10-03T06:46:59.042" v="49" actId="20577"/>
-          <ac:spMkLst>
-            <pc:docMk/>
-            <pc:sldMk cId="1182490399" sldId="256"/>
-            <ac:spMk id="17" creationId="{31623CCC-686B-1904-6B13-DDEA421612E7}"/>
-          </ac:spMkLst>
-        </pc:spChg>
-        <pc:spChg chg="mod">
-          <ac:chgData name="Rasmus Thunberg" userId="af205901-3309-4d5c-9e14-c9ebbb4fdd00" providerId="ADAL" clId="{EC0F497D-4F42-4742-AD86-5855458E6A04}" dt="2023-10-03T06:47:07.068" v="53" actId="5793"/>
-          <ac:spMkLst>
-            <pc:docMk/>
-            <pc:sldMk cId="1182490399" sldId="256"/>
-            <ac:spMk id="18" creationId="{7879456D-AB81-A833-178B-B9AB4C6DCC35}"/>
-          </ac:spMkLst>
-        </pc:spChg>
-        <pc:spChg chg="mod">
-          <ac:chgData name="Rasmus Thunberg" userId="af205901-3309-4d5c-9e14-c9ebbb4fdd00" providerId="ADAL" clId="{EC0F497D-4F42-4742-AD86-5855458E6A04}" dt="2023-10-03T07:07:36.150" v="202" actId="20577"/>
-          <ac:spMkLst>
-            <pc:docMk/>
-            <pc:sldMk cId="1182490399" sldId="256"/>
-            <ac:spMk id="19" creationId="{B7A1A7CF-DE15-625D-629F-040F51846305}"/>
-          </ac:spMkLst>
-        </pc:spChg>
-        <pc:spChg chg="add del mod">
-          <ac:chgData name="Rasmus Thunberg" userId="af205901-3309-4d5c-9e14-c9ebbb4fdd00" providerId="ADAL" clId="{EC0F497D-4F42-4742-AD86-5855458E6A04}" dt="2023-10-03T07:07:46.508" v="203" actId="20577"/>
-          <ac:spMkLst>
-            <pc:docMk/>
-            <pc:sldMk cId="1182490399" sldId="256"/>
-            <ac:spMk id="20" creationId="{809C2245-659B-ED24-E729-362132A9ADCC}"/>
-          </ac:spMkLst>
-        </pc:spChg>
-        <pc:spChg chg="mod">
-          <ac:chgData name="Rasmus Thunberg" userId="af205901-3309-4d5c-9e14-c9ebbb4fdd00" providerId="ADAL" clId="{EC0F497D-4F42-4742-AD86-5855458E6A04}" dt="2023-10-03T07:07:49.721" v="204" actId="20577"/>
-          <ac:spMkLst>
-            <pc:docMk/>
-            <pc:sldMk cId="1182490399" sldId="256"/>
-            <ac:spMk id="21" creationId="{5749F089-D1F1-2D1B-B890-ABB701F7879A}"/>
-          </ac:spMkLst>
-        </pc:spChg>
-        <pc:spChg chg="mod">
-          <ac:chgData name="Rasmus Thunberg" userId="af205901-3309-4d5c-9e14-c9ebbb4fdd00" providerId="ADAL" clId="{EC0F497D-4F42-4742-AD86-5855458E6A04}" dt="2023-10-03T07:00:29.734" v="114" actId="14100"/>
-          <ac:spMkLst>
-            <pc:docMk/>
-            <pc:sldMk cId="1182490399" sldId="256"/>
-            <ac:spMk id="23" creationId="{5FB31F0A-A7FD-2E97-F95B-DF130557DEED}"/>
-          </ac:spMkLst>
-        </pc:spChg>
-        <pc:spChg chg="del">
-          <ac:chgData name="Rasmus Thunberg" userId="af205901-3309-4d5c-9e14-c9ebbb4fdd00" providerId="ADAL" clId="{EC0F497D-4F42-4742-AD86-5855458E6A04}" dt="2023-10-03T07:02:53.742" v="121" actId="478"/>
-          <ac:spMkLst>
-            <pc:docMk/>
-            <pc:sldMk cId="1182490399" sldId="256"/>
-            <ac:spMk id="24" creationId="{79C05BEE-DBAB-2037-0E54-2102ABD3F219}"/>
-          </ac:spMkLst>
-        </pc:spChg>
-        <pc:spChg chg="del">
-          <ac:chgData name="Rasmus Thunberg" userId="af205901-3309-4d5c-9e14-c9ebbb4fdd00" providerId="ADAL" clId="{EC0F497D-4F42-4742-AD86-5855458E6A04}" dt="2023-10-03T07:02:57.827" v="124" actId="478"/>
-          <ac:spMkLst>
-            <pc:docMk/>
-            <pc:sldMk cId="1182490399" sldId="256"/>
-            <ac:spMk id="26" creationId="{7D6C9686-9837-B9D1-2DAE-011A02C9A498}"/>
-          </ac:spMkLst>
-        </pc:spChg>
-        <pc:spChg chg="del">
-          <ac:chgData name="Rasmus Thunberg" userId="af205901-3309-4d5c-9e14-c9ebbb4fdd00" providerId="ADAL" clId="{EC0F497D-4F42-4742-AD86-5855458E6A04}" dt="2023-10-03T07:02:59.696" v="125" actId="478"/>
-          <ac:spMkLst>
-            <pc:docMk/>
-            <pc:sldMk cId="1182490399" sldId="256"/>
-            <ac:spMk id="27" creationId="{0BA099BA-54CA-CFE8-D20B-57C4F5CF6014}"/>
-          </ac:spMkLst>
-        </pc:spChg>
-        <pc:grpChg chg="add mod">
-          <ac:chgData name="Rasmus Thunberg" userId="af205901-3309-4d5c-9e14-c9ebbb4fdd00" providerId="ADAL" clId="{EC0F497D-4F42-4742-AD86-5855458E6A04}" dt="2023-10-03T07:05:52.600" v="162" actId="14100"/>
-          <ac:grpSpMkLst>
-            <pc:docMk/>
-            <pc:sldMk cId="1182490399" sldId="256"/>
-            <ac:grpSpMk id="5" creationId="{C085AD75-9BB6-6DE2-78AD-DAD8A0E4AB77}"/>
-          </ac:grpSpMkLst>
-        </pc:grpChg>
-        <pc:picChg chg="del mod">
-          <ac:chgData name="Rasmus Thunberg" userId="af205901-3309-4d5c-9e14-c9ebbb4fdd00" providerId="ADAL" clId="{EC0F497D-4F42-4742-AD86-5855458E6A04}" dt="2023-10-03T06:44:51.007" v="4" actId="478"/>
-          <ac:picMkLst>
-            <pc:docMk/>
-            <pc:sldMk cId="1182490399" sldId="256"/>
-            <ac:picMk id="2050" creationId="{A19A6442-8A75-EBA6-6FE9-66FED6AB0D0F}"/>
-          </ac:picMkLst>
-        </pc:picChg>
-        <pc:cxnChg chg="mod">
-          <ac:chgData name="Rasmus Thunberg" userId="af205901-3309-4d5c-9e14-c9ebbb4fdd00" providerId="ADAL" clId="{EC0F497D-4F42-4742-AD86-5855458E6A04}" dt="2023-10-03T06:45:07.239" v="7" actId="1076"/>
-          <ac:cxnSpMkLst>
-            <pc:docMk/>
-            <pc:sldMk cId="1182490399" sldId="256"/>
-            <ac:cxnSpMk id="8" creationId="{226E5484-E12C-5EE5-8AC1-54ADF0803C9A}"/>
-          </ac:cxnSpMkLst>
-        </pc:cxnChg>
-      </pc:sldChg>
-      <pc:sldChg chg="modSp add mod">
-        <pc:chgData name="Rasmus Thunberg" userId="af205901-3309-4d5c-9e14-c9ebbb4fdd00" providerId="ADAL" clId="{EC0F497D-4F42-4742-AD86-5855458E6A04}" dt="2023-10-03T09:32:37.149" v="480" actId="20577"/>
-        <pc:sldMkLst>
-          <pc:docMk/>
-          <pc:sldMk cId="1813756110" sldId="257"/>
+          <pc:sldMk cId="2678938229" sldId="258"/>
         </pc:sldMkLst>
         <pc:spChg chg="mod">
-          <ac:chgData name="Rasmus Thunberg" userId="af205901-3309-4d5c-9e14-c9ebbb4fdd00" providerId="ADAL" clId="{EC0F497D-4F42-4742-AD86-5855458E6A04}" dt="2023-10-03T09:30:03.437" v="424" actId="20577"/>
+          <ac:chgData name="Julian Soeltzer" userId="S::2677817@tcs.com::39542089-ba8e-403e-b2a2-6c80f71f2896" providerId="AD" clId="Web-{9CD95C4B-7DB1-4213-B09C-AB9A6D36F708}" dt="2023-10-04T13:27:46.438" v="56" actId="20577"/>
           <ac:spMkLst>
             <pc:docMk/>
-            <pc:sldMk cId="1813756110" sldId="257"/>
-            <ac:spMk id="2" creationId="{9B542F04-3245-83B2-1CF1-EF062922034F}"/>
-          </ac:spMkLst>
-        </pc:spChg>
-        <pc:spChg chg="mod">
-          <ac:chgData name="Rasmus Thunberg" userId="af205901-3309-4d5c-9e14-c9ebbb4fdd00" providerId="ADAL" clId="{EC0F497D-4F42-4742-AD86-5855458E6A04}" dt="2023-10-03T09:30:53.898" v="438" actId="20577"/>
-          <ac:spMkLst>
-            <pc:docMk/>
-            <pc:sldMk cId="1813756110" sldId="257"/>
-            <ac:spMk id="3" creationId="{68188345-DAD2-0F54-EC92-CE1E36B55603}"/>
-          </ac:spMkLst>
-        </pc:spChg>
-        <pc:spChg chg="mod">
-          <ac:chgData name="Rasmus Thunberg" userId="af205901-3309-4d5c-9e14-c9ebbb4fdd00" providerId="ADAL" clId="{EC0F497D-4F42-4742-AD86-5855458E6A04}" dt="2023-10-03T09:32:23.345" v="476" actId="20577"/>
-          <ac:spMkLst>
-            <pc:docMk/>
-            <pc:sldMk cId="1813756110" sldId="257"/>
-            <ac:spMk id="4" creationId="{DA3F3E79-8D77-FC87-A734-4E09595CB5DF}"/>
-          </ac:spMkLst>
-        </pc:spChg>
-        <pc:spChg chg="mod">
-          <ac:chgData name="Rasmus Thunberg" userId="af205901-3309-4d5c-9e14-c9ebbb4fdd00" providerId="ADAL" clId="{EC0F497D-4F42-4742-AD86-5855458E6A04}" dt="2023-10-03T09:29:04.695" v="408" actId="1076"/>
-          <ac:spMkLst>
-            <pc:docMk/>
-            <pc:sldMk cId="1813756110" sldId="257"/>
-            <ac:spMk id="10" creationId="{4E09E2CA-4D4F-0D16-CB68-E9BD517048D7}"/>
-          </ac:spMkLst>
-        </pc:spChg>
-        <pc:spChg chg="mod">
-          <ac:chgData name="Rasmus Thunberg" userId="af205901-3309-4d5c-9e14-c9ebbb4fdd00" providerId="ADAL" clId="{EC0F497D-4F42-4742-AD86-5855458E6A04}" dt="2023-10-03T09:29:00.490" v="407" actId="1076"/>
-          <ac:spMkLst>
-            <pc:docMk/>
-            <pc:sldMk cId="1813756110" sldId="257"/>
+            <pc:sldMk cId="2678938229" sldId="258"/>
             <ac:spMk id="11" creationId="{1BD89980-6D7F-C735-5105-AAB6DBBEFC76}"/>
           </ac:spMkLst>
         </pc:spChg>
         <pc:spChg chg="mod">
-          <ac:chgData name="Rasmus Thunberg" userId="af205901-3309-4d5c-9e14-c9ebbb4fdd00" providerId="ADAL" clId="{EC0F497D-4F42-4742-AD86-5855458E6A04}" dt="2023-10-03T09:29:07.948" v="409" actId="1076"/>
+          <ac:chgData name="Julian Soeltzer" userId="S::2677817@tcs.com::39542089-ba8e-403e-b2a2-6c80f71f2896" providerId="AD" clId="Web-{9CD95C4B-7DB1-4213-B09C-AB9A6D36F708}" dt="2023-10-04T13:23:26.833" v="8" actId="20577"/>
           <ac:spMkLst>
             <pc:docMk/>
-            <pc:sldMk cId="1813756110" sldId="257"/>
-            <ac:spMk id="12" creationId="{0064FD19-4BA5-5018-829D-9C6CA388109E}"/>
-          </ac:spMkLst>
-        </pc:spChg>
-        <pc:spChg chg="mod">
-          <ac:chgData name="Rasmus Thunberg" userId="af205901-3309-4d5c-9e14-c9ebbb4fdd00" providerId="ADAL" clId="{EC0F497D-4F42-4742-AD86-5855458E6A04}" dt="2023-10-03T09:29:29.672" v="411"/>
-          <ac:spMkLst>
-            <pc:docMk/>
-            <pc:sldMk cId="1813756110" sldId="257"/>
-            <ac:spMk id="17" creationId="{31623CCC-686B-1904-6B13-DDEA421612E7}"/>
-          </ac:spMkLst>
-        </pc:spChg>
-        <pc:spChg chg="mod">
-          <ac:chgData name="Rasmus Thunberg" userId="af205901-3309-4d5c-9e14-c9ebbb4fdd00" providerId="ADAL" clId="{EC0F497D-4F42-4742-AD86-5855458E6A04}" dt="2023-10-03T09:29:35.053" v="413"/>
-          <ac:spMkLst>
-            <pc:docMk/>
-            <pc:sldMk cId="1813756110" sldId="257"/>
-            <ac:spMk id="18" creationId="{7879456D-AB81-A833-178B-B9AB4C6DCC35}"/>
-          </ac:spMkLst>
-        </pc:spChg>
-        <pc:spChg chg="mod">
-          <ac:chgData name="Rasmus Thunberg" userId="af205901-3309-4d5c-9e14-c9ebbb4fdd00" providerId="ADAL" clId="{EC0F497D-4F42-4742-AD86-5855458E6A04}" dt="2023-10-03T09:32:31.853" v="477" actId="20577"/>
-          <ac:spMkLst>
-            <pc:docMk/>
-            <pc:sldMk cId="1813756110" sldId="257"/>
-            <ac:spMk id="19" creationId="{B7A1A7CF-DE15-625D-629F-040F51846305}"/>
-          </ac:spMkLst>
-        </pc:spChg>
-        <pc:spChg chg="mod">
-          <ac:chgData name="Rasmus Thunberg" userId="af205901-3309-4d5c-9e14-c9ebbb4fdd00" providerId="ADAL" clId="{EC0F497D-4F42-4742-AD86-5855458E6A04}" dt="2023-10-03T09:32:34.835" v="478" actId="20577"/>
-          <ac:spMkLst>
-            <pc:docMk/>
-            <pc:sldMk cId="1813756110" sldId="257"/>
-            <ac:spMk id="20" creationId="{809C2245-659B-ED24-E729-362132A9ADCC}"/>
-          </ac:spMkLst>
-        </pc:spChg>
-        <pc:spChg chg="mod">
-          <ac:chgData name="Rasmus Thunberg" userId="af205901-3309-4d5c-9e14-c9ebbb4fdd00" providerId="ADAL" clId="{EC0F497D-4F42-4742-AD86-5855458E6A04}" dt="2023-10-03T09:32:37.149" v="480" actId="20577"/>
-          <ac:spMkLst>
-            <pc:docMk/>
-            <pc:sldMk cId="1813756110" sldId="257"/>
-            <ac:spMk id="21" creationId="{5749F089-D1F1-2D1B-B890-ABB701F7879A}"/>
-          </ac:spMkLst>
-        </pc:spChg>
-        <pc:spChg chg="mod">
-          <ac:chgData name="Rasmus Thunberg" userId="af205901-3309-4d5c-9e14-c9ebbb4fdd00" providerId="ADAL" clId="{EC0F497D-4F42-4742-AD86-5855458E6A04}" dt="2023-10-03T09:26:13.016" v="363" actId="113"/>
-          <ac:spMkLst>
-            <pc:docMk/>
-            <pc:sldMk cId="1813756110" sldId="257"/>
-            <ac:spMk id="22" creationId="{3C0AAFF6-E5B6-FCF5-2746-613DB36B5743}"/>
-          </ac:spMkLst>
-        </pc:spChg>
-        <pc:spChg chg="mod">
-          <ac:chgData name="Rasmus Thunberg" userId="af205901-3309-4d5c-9e14-c9ebbb4fdd00" providerId="ADAL" clId="{EC0F497D-4F42-4742-AD86-5855458E6A04}" dt="2023-10-03T09:29:48.448" v="417" actId="20577"/>
-          <ac:spMkLst>
-            <pc:docMk/>
-            <pc:sldMk cId="1813756110" sldId="257"/>
-            <ac:spMk id="23" creationId="{5FB31F0A-A7FD-2E97-F95B-DF130557DEED}"/>
-          </ac:spMkLst>
-        </pc:spChg>
-        <pc:spChg chg="mod">
-          <ac:chgData name="Rasmus Thunberg" userId="af205901-3309-4d5c-9e14-c9ebbb4fdd00" providerId="ADAL" clId="{EC0F497D-4F42-4742-AD86-5855458E6A04}" dt="2023-10-03T09:18:51.668" v="223" actId="20577"/>
-          <ac:spMkLst>
-            <pc:docMk/>
-            <pc:sldMk cId="1813756110" sldId="257"/>
+            <pc:sldMk cId="2678938229" sldId="258"/>
             <ac:spMk id="28" creationId="{CD134E6C-9822-1EC1-15BF-8DCBC21212DB}"/>
           </ac:spMkLst>
         </pc:spChg>
+        <pc:picChg chg="add mod">
+          <ac:chgData name="Julian Soeltzer" userId="S::2677817@tcs.com::39542089-ba8e-403e-b2a2-6c80f71f2896" providerId="AD" clId="Web-{9CD95C4B-7DB1-4213-B09C-AB9A6D36F708}" dt="2023-10-04T13:23:30.927" v="9" actId="1076"/>
+          <ac:picMkLst>
+            <pc:docMk/>
+            <pc:sldMk cId="2678938229" sldId="258"/>
+            <ac:picMk id="6" creationId="{507A67E8-0854-3AB2-7D14-E5C7EAFDB726}"/>
+          </ac:picMkLst>
+        </pc:picChg>
       </pc:sldChg>
-      <pc:sldMasterChg chg="addSp mod">
-        <pc:chgData name="Rasmus Thunberg" userId="af205901-3309-4d5c-9e14-c9ebbb4fdd00" providerId="ADAL" clId="{EC0F497D-4F42-4742-AD86-5855458E6A04}" dt="2023-09-27T14:44:37.392" v="0" actId="33475"/>
-        <pc:sldMasterMkLst>
-          <pc:docMk/>
-          <pc:sldMasterMk cId="3854455681" sldId="2147483648"/>
-        </pc:sldMasterMkLst>
-        <pc:spChg chg="add">
-          <ac:chgData name="Rasmus Thunberg" userId="af205901-3309-4d5c-9e14-c9ebbb4fdd00" providerId="ADAL" clId="{EC0F497D-4F42-4742-AD86-5855458E6A04}" dt="2023-09-27T14:44:37.392" v="0" actId="33475"/>
-          <ac:spMkLst>
-            <pc:docMk/>
-            <pc:sldMasterMk cId="3854455681" sldId="2147483648"/>
-            <ac:spMk id="9" creationId="{C1CEB5C8-8A33-4866-7028-A35B86298FA6}"/>
-          </ac:spMkLst>
-        </pc:spChg>
-        <pc:spChg chg="add">
-          <ac:chgData name="Rasmus Thunberg" userId="af205901-3309-4d5c-9e14-c9ebbb4fdd00" providerId="ADAL" clId="{EC0F497D-4F42-4742-AD86-5855458E6A04}" dt="2023-09-27T14:44:37.392" v="0" actId="33475"/>
-          <ac:spMkLst>
-            <pc:docMk/>
-            <pc:sldMasterMk cId="3854455681" sldId="2147483648"/>
-            <ac:spMk id="10" creationId="{F670F0CF-A2B2-27AD-90E2-5F3C03DE8B31}"/>
-          </ac:spMkLst>
-        </pc:spChg>
-      </pc:sldMasterChg>
     </pc:docChg>
   </pc:docChgLst>
   <pc:docChgLst>
@@ -1137,7 +1218,7 @@
           <a:p>
             <a:fld id="{46D1EE86-9B87-4AF3-B8C2-9695322ED5D4}" type="datetimeFigureOut">
               <a:rPr lang="en-US" smtClean="0"/>
-              <a:t>10/18/2023</a:t>
+              <a:t>10/19/2023</a:t>
             </a:fld>
             <a:endParaRPr lang="en-US"/>
           </a:p>
@@ -1635,7 +1716,7 @@
           <a:p>
             <a:fld id="{E7A9DF80-B123-45A4-827C-E68847B10641}" type="datetimeFigureOut">
               <a:rPr lang="en-US" smtClean="0"/>
-              <a:t>10/18/2023</a:t>
+              <a:t>10/19/2023</a:t>
             </a:fld>
             <a:endParaRPr lang="en-US"/>
           </a:p>
@@ -1833,7 +1914,7 @@
           <a:p>
             <a:fld id="{E7A9DF80-B123-45A4-827C-E68847B10641}" type="datetimeFigureOut">
               <a:rPr lang="en-US" smtClean="0"/>
-              <a:t>10/18/2023</a:t>
+              <a:t>10/19/2023</a:t>
             </a:fld>
             <a:endParaRPr lang="en-US"/>
           </a:p>
@@ -2041,7 +2122,7 @@
           <a:p>
             <a:fld id="{E7A9DF80-B123-45A4-827C-E68847B10641}" type="datetimeFigureOut">
               <a:rPr lang="en-US" smtClean="0"/>
-              <a:t>10/18/2023</a:t>
+              <a:t>10/19/2023</a:t>
             </a:fld>
             <a:endParaRPr lang="en-US"/>
           </a:p>
@@ -2239,7 +2320,7 @@
           <a:p>
             <a:fld id="{E7A9DF80-B123-45A4-827C-E68847B10641}" type="datetimeFigureOut">
               <a:rPr lang="en-US" smtClean="0"/>
-              <a:t>10/18/2023</a:t>
+              <a:t>10/19/2023</a:t>
             </a:fld>
             <a:endParaRPr lang="en-US"/>
           </a:p>
@@ -2514,7 +2595,7 @@
           <a:p>
             <a:fld id="{E7A9DF80-B123-45A4-827C-E68847B10641}" type="datetimeFigureOut">
               <a:rPr lang="en-US" smtClean="0"/>
-              <a:t>10/18/2023</a:t>
+              <a:t>10/19/2023</a:t>
             </a:fld>
             <a:endParaRPr lang="en-US"/>
           </a:p>
@@ -2779,7 +2860,7 @@
           <a:p>
             <a:fld id="{E7A9DF80-B123-45A4-827C-E68847B10641}" type="datetimeFigureOut">
               <a:rPr lang="en-US" smtClean="0"/>
-              <a:t>10/18/2023</a:t>
+              <a:t>10/19/2023</a:t>
             </a:fld>
             <a:endParaRPr lang="en-US"/>
           </a:p>
@@ -3191,7 +3272,7 @@
           <a:p>
             <a:fld id="{E7A9DF80-B123-45A4-827C-E68847B10641}" type="datetimeFigureOut">
               <a:rPr lang="en-US" smtClean="0"/>
-              <a:t>10/18/2023</a:t>
+              <a:t>10/19/2023</a:t>
             </a:fld>
             <a:endParaRPr lang="en-US"/>
           </a:p>
@@ -3332,7 +3413,7 @@
           <a:p>
             <a:fld id="{E7A9DF80-B123-45A4-827C-E68847B10641}" type="datetimeFigureOut">
               <a:rPr lang="en-US" smtClean="0"/>
-              <a:t>10/18/2023</a:t>
+              <a:t>10/19/2023</a:t>
             </a:fld>
             <a:endParaRPr lang="en-US"/>
           </a:p>
@@ -3445,7 +3526,7 @@
           <a:p>
             <a:fld id="{E7A9DF80-B123-45A4-827C-E68847B10641}" type="datetimeFigureOut">
               <a:rPr lang="en-US" smtClean="0"/>
-              <a:t>10/18/2023</a:t>
+              <a:t>10/19/2023</a:t>
             </a:fld>
             <a:endParaRPr lang="en-US"/>
           </a:p>
@@ -3756,7 +3837,7 @@
           <a:p>
             <a:fld id="{E7A9DF80-B123-45A4-827C-E68847B10641}" type="datetimeFigureOut">
               <a:rPr lang="en-US" smtClean="0"/>
-              <a:t>10/18/2023</a:t>
+              <a:t>10/19/2023</a:t>
             </a:fld>
             <a:endParaRPr lang="en-US"/>
           </a:p>
@@ -4044,7 +4125,7 @@
           <a:p>
             <a:fld id="{E7A9DF80-B123-45A4-827C-E68847B10641}" type="datetimeFigureOut">
               <a:rPr lang="en-US" smtClean="0"/>
-              <a:t>10/18/2023</a:t>
+              <a:t>10/19/2023</a:t>
             </a:fld>
             <a:endParaRPr lang="en-US"/>
           </a:p>
@@ -4285,7 +4366,7 @@
           <a:p>
             <a:fld id="{E7A9DF80-B123-45A4-827C-E68847B10641}" type="datetimeFigureOut">
               <a:rPr lang="en-US" smtClean="0"/>
-              <a:t>10/18/2023</a:t>
+              <a:t>10/19/2023</a:t>
             </a:fld>
             <a:endParaRPr lang="en-US"/>
           </a:p>
@@ -4796,6 +4877,36 @@
           <a:chExt cx="0" cy="0"/>
         </a:xfrm>
       </p:grpSpPr>
+      <p:pic>
+        <p:nvPicPr>
+          <p:cNvPr id="7" name="Bildobjekt 6">
+            <a:extLst>
+              <a:ext uri="{FF2B5EF4-FFF2-40B4-BE49-F238E27FC236}">
+                <a16:creationId xmlns:a16="http://schemas.microsoft.com/office/drawing/2014/main" id="{CB11DC3D-CACB-3F71-61A9-1FC5B52F8F08}"/>
+              </a:ext>
+            </a:extLst>
+          </p:cNvPr>
+          <p:cNvPicPr>
+            <a:picLocks noChangeAspect="1"/>
+          </p:cNvPicPr>
+          <p:nvPr/>
+        </p:nvPicPr>
+        <p:blipFill>
+          <a:blip r:embed="rId3"/>
+          <a:stretch>
+            <a:fillRect/>
+          </a:stretch>
+        </p:blipFill>
+        <p:spPr>
+          <a:xfrm>
+            <a:off x="7748" y="0"/>
+            <a:ext cx="12125325" cy="8371103"/>
+          </a:xfrm>
+          <a:prstGeom prst="rect">
+            <a:avLst/>
+          </a:prstGeom>
+        </p:spPr>
+      </p:pic>
       <p:cxnSp>
         <p:nvCxnSpPr>
           <p:cNvPr id="8" name="Straight Connector 7">
@@ -4812,29 +4923,36 @@
         </p:nvCxnSpPr>
         <p:spPr>
           <a:xfrm>
-            <a:off x="1252287" y="18835"/>
+            <a:off x="1312213" y="18835"/>
             <a:ext cx="0" cy="6858000"/>
           </a:xfrm>
           <a:prstGeom prst="line">
             <a:avLst/>
           </a:prstGeom>
+          <a:ln>
+            <a:solidFill>
+              <a:schemeClr val="accent6">
+                <a:lumMod val="75000"/>
+              </a:schemeClr>
+            </a:solidFill>
+          </a:ln>
         </p:spPr>
         <p:style>
           <a:lnRef idx="1">
-            <a:schemeClr val="accent1"/>
+            <a:schemeClr val="accent6"/>
           </a:lnRef>
           <a:fillRef idx="0">
-            <a:schemeClr val="accent1"/>
+            <a:schemeClr val="accent6"/>
           </a:fillRef>
           <a:effectRef idx="0">
-            <a:schemeClr val="accent1"/>
+            <a:schemeClr val="accent6"/>
           </a:effectRef>
           <a:fontRef idx="minor">
             <a:schemeClr val="tx1"/>
           </a:fontRef>
         </p:style>
       </p:cxnSp>
-      <p:sp>
+      <p:sp useBgFill="1">
         <p:nvSpPr>
           <p:cNvPr id="10" name="Ratings">
             <a:extLst>
@@ -4848,19 +4966,14 @@
         </p:nvSpPr>
         <p:spPr>
           <a:xfrm>
-            <a:off x="67458" y="2176873"/>
+            <a:off x="131517" y="3258932"/>
             <a:ext cx="1074296" cy="2492990"/>
           </a:xfrm>
           <a:prstGeom prst="rect">
             <a:avLst/>
           </a:prstGeom>
-          <a:noFill/>
           <a:ln>
-            <a:solidFill>
-              <a:schemeClr val="bg2">
-                <a:lumMod val="10000"/>
-              </a:schemeClr>
-            </a:solidFill>
+            <a:noFill/>
           </a:ln>
         </p:spPr>
         <p:txBody>
@@ -5107,7 +5220,7 @@
           </a:p>
         </p:txBody>
       </p:sp>
-      <p:sp>
+      <p:sp useBgFill="1">
         <p:nvSpPr>
           <p:cNvPr id="11" name="GeneralInfo">
             <a:extLst>
@@ -5121,19 +5234,14 @@
         </p:nvSpPr>
         <p:spPr>
           <a:xfrm>
-            <a:off x="58927" y="960522"/>
+            <a:off x="92681" y="1744349"/>
             <a:ext cx="1074295" cy="1200329"/>
           </a:xfrm>
           <a:prstGeom prst="rect">
             <a:avLst/>
           </a:prstGeom>
-          <a:noFill/>
           <a:ln>
-            <a:solidFill>
-              <a:schemeClr val="bg2">
-                <a:lumMod val="10000"/>
-              </a:schemeClr>
-            </a:solidFill>
+            <a:noFill/>
           </a:ln>
         </p:spPr>
         <p:txBody>
@@ -5267,7 +5375,7 @@
           </a:p>
         </p:txBody>
       </p:sp>
-      <p:sp>
+      <p:sp useBgFill="1">
         <p:nvSpPr>
           <p:cNvPr id="17" name="Risks">
             <a:extLst>
@@ -5281,20 +5389,18 @@
         </p:nvSpPr>
         <p:spPr>
           <a:xfrm>
-            <a:off x="1355524" y="177882"/>
-            <a:ext cx="2143103" cy="1754326"/>
+            <a:off x="1404422" y="683523"/>
+            <a:ext cx="2143103" cy="2308324"/>
           </a:xfrm>
           <a:prstGeom prst="rect">
             <a:avLst/>
           </a:prstGeom>
-          <a:noFill/>
           <a:ln>
-            <a:solidFill>
-              <a:schemeClr val="bg2">
-                <a:lumMod val="10000"/>
-              </a:schemeClr>
-            </a:solidFill>
+            <a:noFill/>
           </a:ln>
+          <a:effectLst>
+            <a:softEdge rad="101600"/>
+          </a:effectLst>
         </p:spPr>
         <p:txBody>
           <a:bodyPr wrap="square" lIns="91440" tIns="45720" rIns="91440" bIns="45720" rtlCol="0" anchor="t">
@@ -5406,9 +5512,49 @@
               <a:cs typeface="Calibri" panose="020F0502020204030204"/>
             </a:endParaRPr>
           </a:p>
-        </p:txBody>
-      </p:sp>
-      <p:sp>
+          <a:p>
+            <a:pPr marL="171450" indent="-171450">
+              <a:buFont typeface="Arial"/>
+              <a:buChar char="•"/>
+            </a:pPr>
+            <a:endParaRPr lang="en-US" sz="900" i="1" dirty="0">
+              <a:ea typeface="Calibri" panose="020F0502020204030204"/>
+              <a:cs typeface="Calibri" panose="020F0502020204030204"/>
+            </a:endParaRPr>
+          </a:p>
+          <a:p>
+            <a:pPr marL="171450" indent="-171450">
+              <a:buFont typeface="Arial"/>
+              <a:buChar char="•"/>
+            </a:pPr>
+            <a:endParaRPr lang="en-US" sz="900" i="1" dirty="0">
+              <a:ea typeface="Calibri" panose="020F0502020204030204"/>
+              <a:cs typeface="Calibri" panose="020F0502020204030204"/>
+            </a:endParaRPr>
+          </a:p>
+          <a:p>
+            <a:pPr marL="171450" indent="-171450">
+              <a:buFont typeface="Arial"/>
+              <a:buChar char="•"/>
+            </a:pPr>
+            <a:endParaRPr lang="en-US" sz="900" i="1" dirty="0">
+              <a:ea typeface="Calibri" panose="020F0502020204030204"/>
+              <a:cs typeface="Calibri" panose="020F0502020204030204"/>
+            </a:endParaRPr>
+          </a:p>
+          <a:p>
+            <a:pPr marL="171450" indent="-171450">
+              <a:buFont typeface="Arial"/>
+              <a:buChar char="•"/>
+            </a:pPr>
+            <a:endParaRPr lang="en-US" sz="900" i="1" dirty="0">
+              <a:ea typeface="Calibri" panose="020F0502020204030204"/>
+              <a:cs typeface="Calibri" panose="020F0502020204030204"/>
+            </a:endParaRPr>
+          </a:p>
+        </p:txBody>
+      </p:sp>
+      <p:sp useBgFill="1">
         <p:nvSpPr>
           <p:cNvPr id="18" name="Opportunities">
             <a:extLst>
@@ -5422,20 +5568,18 @@
         </p:nvSpPr>
         <p:spPr>
           <a:xfrm>
-            <a:off x="1312213" y="2067802"/>
-            <a:ext cx="2208304" cy="4678204"/>
+            <a:off x="1355291" y="3066670"/>
+            <a:ext cx="2208304" cy="3754874"/>
           </a:xfrm>
           <a:prstGeom prst="rect">
             <a:avLst/>
           </a:prstGeom>
-          <a:noFill/>
           <a:ln>
-            <a:solidFill>
-              <a:schemeClr val="bg2">
-                <a:lumMod val="10000"/>
-              </a:schemeClr>
-            </a:solidFill>
+            <a:noFill/>
           </a:ln>
+          <a:effectLst>
+            <a:softEdge rad="101600"/>
+          </a:effectLst>
         </p:spPr>
         <p:txBody>
           <a:bodyPr wrap="square" lIns="91440" tIns="45720" rIns="91440" bIns="45720" rtlCol="0" anchor="t">
@@ -5508,13 +5652,16 @@
               <a:buFont typeface="Arial"/>
               <a:buChar char="•"/>
             </a:pPr>
-            <a:endParaRPr lang="en-US" sz="1000" i="1" dirty="0">
-              <a:solidFill>
-                <a:srgbClr val="000000"/>
-              </a:solidFill>
-              <a:ea typeface="+mn-lt"/>
-              <a:cs typeface="+mn-lt"/>
-            </a:endParaRPr>
+            <a:r>
+              <a:rPr lang="en-US" sz="1000" i="1" dirty="0">
+                <a:solidFill>
+                  <a:srgbClr val="000000"/>
+                </a:solidFill>
+                <a:ea typeface="+mn-lt"/>
+                <a:cs typeface="+mn-lt"/>
+              </a:rPr>
+              <a:t>8</a:t>
+            </a:r>
           </a:p>
           <a:p>
             <a:pPr marL="171450" indent="-171450">
@@ -5634,6 +5781,15 @@
             </a:endParaRPr>
           </a:p>
           <a:p>
+            <a:endParaRPr lang="en-US" sz="1000" i="1" dirty="0">
+              <a:solidFill>
+                <a:srgbClr val="000000"/>
+              </a:solidFill>
+              <a:ea typeface="+mn-lt"/>
+              <a:cs typeface="+mn-lt"/>
+            </a:endParaRPr>
+          </a:p>
+          <a:p>
             <a:pPr marL="171450" indent="-171450">
               <a:buFont typeface="Arial"/>
               <a:buChar char="•"/>
@@ -5686,6 +5842,15 @@
             </a:endParaRPr>
           </a:p>
           <a:p>
+            <a:endParaRPr lang="en-US" sz="1000" i="1" dirty="0">
+              <a:solidFill>
+                <a:srgbClr val="000000"/>
+              </a:solidFill>
+              <a:ea typeface="+mn-lt"/>
+              <a:cs typeface="+mn-lt"/>
+            </a:endParaRPr>
+          </a:p>
+          <a:p>
             <a:pPr marL="171450" indent="-171450">
               <a:buFont typeface="Arial"/>
               <a:buChar char="•"/>
@@ -5703,110 +5868,6 @@
               <a:buFont typeface="Arial"/>
               <a:buChar char="•"/>
             </a:pPr>
-            <a:endParaRPr lang="en-US" sz="1000" i="1" dirty="0">
-              <a:solidFill>
-                <a:srgbClr val="000000"/>
-              </a:solidFill>
-              <a:ea typeface="+mn-lt"/>
-              <a:cs typeface="+mn-lt"/>
-            </a:endParaRPr>
-          </a:p>
-          <a:p>
-            <a:pPr marL="171450" indent="-171450">
-              <a:buFont typeface="Arial"/>
-              <a:buChar char="•"/>
-            </a:pPr>
-            <a:endParaRPr lang="en-US" sz="1000" i="1" dirty="0">
-              <a:solidFill>
-                <a:srgbClr val="000000"/>
-              </a:solidFill>
-              <a:ea typeface="+mn-lt"/>
-              <a:cs typeface="+mn-lt"/>
-            </a:endParaRPr>
-          </a:p>
-          <a:p>
-            <a:pPr marL="171450" indent="-171450">
-              <a:buFont typeface="Arial"/>
-              <a:buChar char="•"/>
-            </a:pPr>
-            <a:endParaRPr lang="en-US" sz="1000" i="1" dirty="0">
-              <a:solidFill>
-                <a:srgbClr val="000000"/>
-              </a:solidFill>
-              <a:ea typeface="+mn-lt"/>
-              <a:cs typeface="+mn-lt"/>
-            </a:endParaRPr>
-          </a:p>
-          <a:p>
-            <a:pPr marL="171450" indent="-171450">
-              <a:buFont typeface="Arial"/>
-              <a:buChar char="•"/>
-            </a:pPr>
-            <a:endParaRPr lang="en-US" sz="1000" i="1" dirty="0">
-              <a:solidFill>
-                <a:srgbClr val="000000"/>
-              </a:solidFill>
-              <a:ea typeface="+mn-lt"/>
-              <a:cs typeface="+mn-lt"/>
-            </a:endParaRPr>
-          </a:p>
-          <a:p>
-            <a:pPr marL="171450" indent="-171450">
-              <a:buFont typeface="Arial"/>
-              <a:buChar char="•"/>
-            </a:pPr>
-            <a:endParaRPr lang="en-US" sz="1000" i="1" dirty="0">
-              <a:solidFill>
-                <a:srgbClr val="000000"/>
-              </a:solidFill>
-              <a:ea typeface="+mn-lt"/>
-              <a:cs typeface="+mn-lt"/>
-            </a:endParaRPr>
-          </a:p>
-          <a:p>
-            <a:pPr marL="171450" indent="-171450">
-              <a:buFont typeface="Arial"/>
-              <a:buChar char="•"/>
-            </a:pPr>
-            <a:endParaRPr lang="en-US" sz="1000" i="1" dirty="0">
-              <a:solidFill>
-                <a:srgbClr val="000000"/>
-              </a:solidFill>
-              <a:ea typeface="+mn-lt"/>
-              <a:cs typeface="+mn-lt"/>
-            </a:endParaRPr>
-          </a:p>
-          <a:p>
-            <a:pPr marL="171450" indent="-171450">
-              <a:buFont typeface="Arial"/>
-              <a:buChar char="•"/>
-            </a:pPr>
-            <a:endParaRPr lang="en-US" sz="1000" i="1" dirty="0">
-              <a:solidFill>
-                <a:srgbClr val="000000"/>
-              </a:solidFill>
-              <a:ea typeface="+mn-lt"/>
-              <a:cs typeface="+mn-lt"/>
-            </a:endParaRPr>
-          </a:p>
-          <a:p>
-            <a:pPr marL="171450" indent="-171450">
-              <a:buFont typeface="Arial"/>
-              <a:buChar char="•"/>
-            </a:pPr>
-            <a:endParaRPr lang="en-US" sz="1000" i="1" dirty="0">
-              <a:solidFill>
-                <a:srgbClr val="000000"/>
-              </a:solidFill>
-              <a:ea typeface="+mn-lt"/>
-              <a:cs typeface="+mn-lt"/>
-            </a:endParaRPr>
-          </a:p>
-          <a:p>
-            <a:pPr marL="171450" indent="-171450">
-              <a:buFont typeface="Arial"/>
-              <a:buChar char="•"/>
-            </a:pPr>
             <a:endParaRPr lang="en-US" sz="1000" dirty="0">
               <a:ea typeface="Calibri" panose="020F0502020204030204"/>
               <a:cs typeface="Calibri" panose="020F0502020204030204"/>
@@ -5828,19 +5889,15 @@
         </p:nvSpPr>
         <p:spPr>
           <a:xfrm>
-            <a:off x="3729176" y="625892"/>
-            <a:ext cx="3950290" cy="6132739"/>
+            <a:off x="3729906" y="554793"/>
+            <a:ext cx="3959815" cy="5355312"/>
           </a:xfrm>
           <a:prstGeom prst="rect">
             <a:avLst/>
           </a:prstGeom>
           <a:noFill/>
           <a:ln>
-            <a:solidFill>
-              <a:schemeClr val="bg2">
-                <a:lumMod val="10000"/>
-              </a:schemeClr>
-            </a:solidFill>
+            <a:noFill/>
           </a:ln>
         </p:spPr>
         <p:txBody>
@@ -5850,13 +5907,10 @@
           <a:lstStyle/>
           <a:p>
             <a:r>
-              <a:rPr lang="sv-SE" b="1" dirty="0" err="1"/>
-              <a:t>Enviromental</a:t>
-            </a:r>
-            <a:endParaRPr lang="sv-SE" b="1" dirty="0"/>
-          </a:p>
-          <a:p>
-            <a:endParaRPr lang="sv-SE" b="1" dirty="0"/>
+              <a:rPr lang="sv-SE" b="1" dirty="0"/>
+              <a:t>Environmental</a:t>
+            </a:r>
+            <a:endParaRPr lang="sv-SE" dirty="0"/>
           </a:p>
           <a:p>
             <a:endParaRPr lang="sv-SE" sz="1200" dirty="0"/>
@@ -5880,15 +5934,6 @@
             <a:endParaRPr lang="sv-SE" sz="1200" dirty="0"/>
           </a:p>
           <a:p>
-            <a:endParaRPr lang="sv-SE" sz="1200" dirty="0"/>
-          </a:p>
-          <a:p>
-            <a:endParaRPr lang="sv-SE" sz="1200" dirty="0"/>
-          </a:p>
-          <a:p>
-            <a:endParaRPr lang="sv-SE" sz="1200" dirty="0"/>
-          </a:p>
-          <a:p>
             <a:endParaRPr lang="en-US" sz="1200" dirty="0"/>
           </a:p>
           <a:p>
@@ -5947,7 +5992,7 @@
           </a:p>
         </p:txBody>
       </p:sp>
-      <p:sp>
+      <p:sp useBgFill="1">
         <p:nvSpPr>
           <p:cNvPr id="20" name="Social">
             <a:extLst>
@@ -5961,20 +6006,22 @@
         </p:nvSpPr>
         <p:spPr>
           <a:xfrm>
-            <a:off x="7962928" y="636909"/>
+            <a:off x="7705080" y="554793"/>
             <a:ext cx="2201132" cy="5909310"/>
           </a:xfrm>
           <a:prstGeom prst="rect">
             <a:avLst/>
           </a:prstGeom>
-          <a:noFill/>
           <a:ln>
-            <a:solidFill>
-              <a:schemeClr val="bg2">
-                <a:lumMod val="10000"/>
-              </a:schemeClr>
-            </a:solidFill>
+            <a:noFill/>
           </a:ln>
+          <a:effectLst>
+            <a:outerShdw blurRad="50800" dist="50800" dir="5400000" sx="1000" sy="1000" algn="ctr" rotWithShape="0">
+              <a:srgbClr val="000000"/>
+            </a:outerShdw>
+            <a:reflection stA="99000" endPos="0" dist="50800" dir="5400000" sy="-100000" algn="bl" rotWithShape="0"/>
+            <a:softEdge rad="101600"/>
+          </a:effectLst>
         </p:spPr>
         <p:txBody>
           <a:bodyPr wrap="square" lIns="91440" tIns="45720" rIns="91440" bIns="45720" rtlCol="0" anchor="t">
@@ -6336,7 +6383,7 @@
           </a:p>
         </p:txBody>
       </p:sp>
-      <p:sp>
+      <p:sp useBgFill="1">
         <p:nvSpPr>
           <p:cNvPr id="21" name="Governance">
             <a:extLst>
@@ -6350,20 +6397,18 @@
         </p:nvSpPr>
         <p:spPr>
           <a:xfrm>
-            <a:off x="10435523" y="625892"/>
-            <a:ext cx="1517216" cy="5909310"/>
+            <a:off x="9979478" y="559364"/>
+            <a:ext cx="1996574" cy="5909310"/>
           </a:xfrm>
           <a:prstGeom prst="rect">
             <a:avLst/>
           </a:prstGeom>
-          <a:noFill/>
           <a:ln>
-            <a:solidFill>
-              <a:schemeClr val="bg2">
-                <a:lumMod val="10000"/>
-              </a:schemeClr>
-            </a:solidFill>
+            <a:noFill/>
           </a:ln>
+          <a:effectLst>
+            <a:softEdge rad="101600"/>
+          </a:effectLst>
         </p:spPr>
         <p:txBody>
           <a:bodyPr wrap="square" lIns="91440" tIns="45720" rIns="91440" bIns="45720" rtlCol="0" anchor="t">
@@ -6434,9 +6479,9 @@
             </a:endParaRPr>
           </a:p>
           <a:p>
-            <a:endParaRPr lang="sv-SE" sz="1000" dirty="0">
-              <a:ea typeface="Calibri" panose="020F0502020204030204"/>
-              <a:cs typeface="Calibri" panose="020F0502020204030204"/>
+            <a:endParaRPr lang="sv-SE" sz="1000" i="1" dirty="0">
+              <a:ea typeface="+mn-lt"/>
+              <a:cs typeface="+mn-lt"/>
             </a:endParaRPr>
           </a:p>
           <a:p>
@@ -6645,19 +6690,15 @@
         </p:nvSpPr>
         <p:spPr>
           <a:xfrm>
-            <a:off x="3729176" y="187113"/>
-            <a:ext cx="8281847" cy="369332"/>
+            <a:off x="1312213" y="49677"/>
+            <a:ext cx="8281847" cy="400110"/>
           </a:xfrm>
           <a:prstGeom prst="rect">
             <a:avLst/>
           </a:prstGeom>
           <a:noFill/>
           <a:ln>
-            <a:solidFill>
-              <a:schemeClr val="bg2">
-                <a:lumMod val="10000"/>
-              </a:schemeClr>
-            </a:solidFill>
+            <a:noFill/>
           </a:ln>
         </p:spPr>
         <p:txBody>
@@ -6667,10 +6708,20 @@
           <a:lstStyle/>
           <a:p>
             <a:r>
-              <a:rPr lang="sv-SE" b="1"/>
-              <a:t>Sustainability strategy</a:t>
-            </a:r>
-            <a:endParaRPr lang="en-US" b="1"/>
+              <a:rPr lang="sv-SE" sz="2000" b="1" spc="300" dirty="0">
+                <a:latin typeface="Aptos Black" panose="020B0004020202020204" pitchFamily="34" charset="0"/>
+              </a:rPr>
+              <a:t>Sustainability</a:t>
+            </a:r>
+            <a:r>
+              <a:rPr lang="sv-SE" sz="2000" b="1" dirty="0"/>
+              <a:t> </a:t>
+            </a:r>
+            <a:r>
+              <a:rPr lang="sv-SE" sz="2000" dirty="0"/>
+              <a:t>REPORT 2023</a:t>
+            </a:r>
+            <a:endParaRPr lang="en-US" sz="2000" dirty="0"/>
           </a:p>
         </p:txBody>
       </p:sp>
@@ -6706,7 +6757,7 @@
           </a:p>
         </p:txBody>
       </p:sp>
-      <p:sp>
+      <p:sp useBgFill="1">
         <p:nvSpPr>
           <p:cNvPr id="28" name="Logo">
             <a:extLst>
@@ -6726,14 +6777,12 @@
           <a:prstGeom prst="rect">
             <a:avLst/>
           </a:prstGeom>
-          <a:noFill/>
           <a:ln>
-            <a:solidFill>
-              <a:schemeClr val="bg2">
-                <a:lumMod val="10000"/>
-              </a:schemeClr>
-            </a:solidFill>
+            <a:noFill/>
           </a:ln>
+          <a:effectLst>
+            <a:softEdge rad="101600"/>
+          </a:effectLst>
         </p:spPr>
         <p:txBody>
           <a:bodyPr wrap="square" lIns="91440" tIns="45720" rIns="91440" bIns="45720" rtlCol="0" anchor="t">
@@ -6765,150 +6814,13 @@
         </p:nvGrpSpPr>
         <p:grpSpPr>
           <a:xfrm>
-            <a:off x="3737924" y="961539"/>
-            <a:ext cx="3938142" cy="4644808"/>
-            <a:chOff x="4574912" y="965739"/>
-            <a:chExt cx="3189320" cy="4455757"/>
+            <a:off x="3724371" y="870563"/>
+            <a:ext cx="3948867" cy="5812228"/>
+            <a:chOff x="4564149" y="937730"/>
+            <a:chExt cx="3198005" cy="4817442"/>
           </a:xfrm>
         </p:grpSpPr>
-        <p:sp>
-          <p:nvSpPr>
-            <p:cNvPr id="23" name="General">
-              <a:extLst>
-                <a:ext uri="{FF2B5EF4-FFF2-40B4-BE49-F238E27FC236}">
-                  <a16:creationId xmlns:a16="http://schemas.microsoft.com/office/drawing/2014/main" id="{5FB31F0A-A7FD-2E97-F95B-DF130557DEED}"/>
-                </a:ext>
-              </a:extLst>
-            </p:cNvPr>
-            <p:cNvSpPr txBox="1"/>
-            <p:nvPr/>
-          </p:nvSpPr>
-          <p:spPr>
-            <a:xfrm>
-              <a:off x="4585704" y="965739"/>
-              <a:ext cx="3142272" cy="1550060"/>
-            </a:xfrm>
-            <a:prstGeom prst="rect">
-              <a:avLst/>
-            </a:prstGeom>
-            <a:noFill/>
-          </p:spPr>
-          <p:txBody>
-            <a:bodyPr wrap="square" lIns="91440" tIns="45720" rIns="91440" bIns="45720" rtlCol="0" anchor="t">
-              <a:spAutoFit/>
-            </a:bodyPr>
-            <a:lstStyle/>
-            <a:p>
-              <a:r>
-                <a:rPr lang="sv-SE" b="1" u="sng" dirty="0"/>
-                <a:t>General</a:t>
-              </a:r>
-              <a:r>
-                <a:rPr lang="sv-SE" sz="1200" dirty="0">
-                  <a:ea typeface="+mn-lt"/>
-                  <a:cs typeface="+mn-lt"/>
-                </a:rPr>
-                <a:t>  </a:t>
-              </a:r>
-            </a:p>
-            <a:p>
-              <a:r>
-                <a:rPr lang="sv-SE" sz="900" i="1" dirty="0">
-                  <a:ea typeface="+mn-lt"/>
-                  <a:cs typeface="+mn-lt"/>
-                </a:rPr>
-                <a:t>[[</a:t>
-              </a:r>
-              <a:r>
-                <a:rPr lang="sv-SE" sz="900" i="1" dirty="0" err="1">
-                  <a:ea typeface="+mn-lt"/>
-                  <a:cs typeface="+mn-lt"/>
-                </a:rPr>
-                <a:t>env_general</a:t>
-              </a:r>
-              <a:r>
-                <a:rPr lang="sv-SE" sz="900" i="1" dirty="0">
-                  <a:ea typeface="+mn-lt"/>
-                  <a:cs typeface="+mn-lt"/>
-                </a:rPr>
-                <a:t>]]</a:t>
-              </a:r>
-              <a:endParaRPr lang="sv-SE" sz="900" dirty="0">
-                <a:ea typeface="+mn-lt"/>
-                <a:cs typeface="+mn-lt"/>
-              </a:endParaRPr>
-            </a:p>
-            <a:p>
-              <a:br>
-                <a:rPr lang="sv-SE" sz="900" dirty="0">
-                  <a:ea typeface="+mn-lt"/>
-                  <a:cs typeface="+mn-lt"/>
-                </a:rPr>
-              </a:br>
-              <a:br>
-                <a:rPr lang="sv-SE" sz="900" dirty="0">
-                  <a:ea typeface="+mn-lt"/>
-                  <a:cs typeface="+mn-lt"/>
-                </a:rPr>
-              </a:br>
-              <a:endParaRPr lang="sv-SE" sz="900" dirty="0">
-                <a:ea typeface="+mn-lt"/>
-                <a:cs typeface="+mn-lt"/>
-              </a:endParaRPr>
-            </a:p>
-            <a:p>
-              <a:pPr marL="285750" indent="-285750">
-                <a:buFont typeface="Arial"/>
-                <a:buChar char="•"/>
-              </a:pPr>
-              <a:endParaRPr lang="sv-SE" sz="900" dirty="0">
-                <a:ea typeface="+mn-lt"/>
-                <a:cs typeface="+mn-lt"/>
-              </a:endParaRPr>
-            </a:p>
-            <a:p>
-              <a:pPr marL="285750" indent="-285750">
-                <a:buFont typeface="Arial"/>
-                <a:buChar char="•"/>
-              </a:pPr>
-              <a:endParaRPr lang="sv-SE" sz="900" dirty="0">
-                <a:ea typeface="+mn-lt"/>
-                <a:cs typeface="+mn-lt"/>
-              </a:endParaRPr>
-            </a:p>
-            <a:p>
-              <a:pPr marL="285750" indent="-285750">
-                <a:buFont typeface="Arial"/>
-                <a:buChar char="•"/>
-              </a:pPr>
-              <a:endParaRPr lang="sv-SE" sz="900" dirty="0">
-                <a:ea typeface="+mn-lt"/>
-                <a:cs typeface="+mn-lt"/>
-              </a:endParaRPr>
-            </a:p>
-            <a:p>
-              <a:pPr marL="285750" indent="-285750">
-                <a:buFont typeface="Arial"/>
-                <a:buChar char="•"/>
-              </a:pPr>
-              <a:endParaRPr lang="sv-SE" sz="900" dirty="0">
-                <a:ea typeface="+mn-lt"/>
-                <a:cs typeface="+mn-lt"/>
-              </a:endParaRPr>
-            </a:p>
-            <a:p>
-              <a:pPr marL="285750" indent="-285750">
-                <a:buFont typeface="Arial"/>
-                <a:buChar char="•"/>
-              </a:pPr>
-              <a:endParaRPr lang="sv-SE" sz="900" dirty="0">
-                <a:ea typeface="+mn-lt"/>
-                <a:cs typeface="+mn-lt"/>
-              </a:endParaRPr>
-            </a:p>
-          </p:txBody>
-        </p:sp>
-        <p:sp>
+        <p:sp useBgFill="1">
           <p:nvSpPr>
             <p:cNvPr id="2" name="EmissionManagement">
               <a:extLst>
@@ -6922,13 +6834,18 @@
           </p:nvSpPr>
           <p:spPr>
             <a:xfrm>
-              <a:off x="4576990" y="2435843"/>
-              <a:ext cx="3187242" cy="1151474"/>
+              <a:off x="4567198" y="937730"/>
+              <a:ext cx="3194956" cy="1760185"/>
             </a:xfrm>
             <a:prstGeom prst="rect">
               <a:avLst/>
             </a:prstGeom>
-            <a:noFill/>
+            <a:ln>
+              <a:noFill/>
+            </a:ln>
+            <a:effectLst>
+              <a:softEdge rad="101600"/>
+            </a:effectLst>
           </p:spPr>
           <p:txBody>
             <a:bodyPr wrap="square" lIns="91440" tIns="45720" rIns="91440" bIns="45720" rtlCol="0" anchor="t">
@@ -7030,9 +6947,57 @@
                 <a:latin typeface="Segoe UI" panose="020B0502040204020203" pitchFamily="34" charset="0"/>
               </a:endParaRPr>
             </a:p>
+            <a:p>
+              <a:pPr algn="l" rtl="0" fontAlgn="base"/>
+              <a:endParaRPr lang="en-US" sz="1200" dirty="0">
+                <a:solidFill>
+                  <a:srgbClr val="000000"/>
+                </a:solidFill>
+                <a:latin typeface="Segoe UI" panose="020B0502040204020203" pitchFamily="34" charset="0"/>
+              </a:endParaRPr>
+            </a:p>
+            <a:p>
+              <a:pPr algn="l" rtl="0" fontAlgn="base"/>
+              <a:endParaRPr lang="en-US" sz="1200" b="0" i="0" dirty="0">
+                <a:solidFill>
+                  <a:srgbClr val="000000"/>
+                </a:solidFill>
+                <a:effectLst/>
+                <a:latin typeface="Segoe UI" panose="020B0502040204020203" pitchFamily="34" charset="0"/>
+              </a:endParaRPr>
+            </a:p>
+            <a:p>
+              <a:pPr algn="l" rtl="0" fontAlgn="base"/>
+              <a:endParaRPr lang="en-US" sz="1200" b="0" i="0" dirty="0">
+                <a:solidFill>
+                  <a:srgbClr val="000000"/>
+                </a:solidFill>
+                <a:effectLst/>
+                <a:latin typeface="Segoe UI" panose="020B0502040204020203" pitchFamily="34" charset="0"/>
+              </a:endParaRPr>
+            </a:p>
+            <a:p>
+              <a:pPr algn="l" rtl="0" fontAlgn="base"/>
+              <a:endParaRPr lang="en-US" sz="1200" dirty="0">
+                <a:solidFill>
+                  <a:srgbClr val="000000"/>
+                </a:solidFill>
+                <a:latin typeface="Segoe UI" panose="020B0502040204020203" pitchFamily="34" charset="0"/>
+              </a:endParaRPr>
+            </a:p>
+            <a:p>
+              <a:pPr algn="l" rtl="0" fontAlgn="base"/>
+              <a:endParaRPr lang="en-US" sz="1200" b="0" i="0" dirty="0">
+                <a:solidFill>
+                  <a:srgbClr val="000000"/>
+                </a:solidFill>
+                <a:effectLst/>
+                <a:latin typeface="Segoe UI" panose="020B0502040204020203" pitchFamily="34" charset="0"/>
+              </a:endParaRPr>
+            </a:p>
           </p:txBody>
         </p:sp>
-        <p:sp>
+        <p:sp useBgFill="1">
           <p:nvSpPr>
             <p:cNvPr id="3" name="ResourcesManagement">
               <a:extLst>
@@ -7046,13 +7011,18 @@
           </p:nvSpPr>
           <p:spPr>
             <a:xfrm>
-              <a:off x="4574912" y="3882113"/>
-              <a:ext cx="3087249" cy="501924"/>
+              <a:off x="4567198" y="2695948"/>
+              <a:ext cx="3087249" cy="1581616"/>
             </a:xfrm>
             <a:prstGeom prst="rect">
               <a:avLst/>
             </a:prstGeom>
-            <a:noFill/>
+            <a:ln>
+              <a:noFill/>
+            </a:ln>
+            <a:effectLst>
+              <a:softEdge rad="101600"/>
+            </a:effectLst>
           </p:spPr>
           <p:txBody>
             <a:bodyPr wrap="square" lIns="91440" tIns="45720" rIns="91440" bIns="45720" rtlCol="0" anchor="t">
@@ -7062,22 +7032,15 @@
             <a:p>
               <a:pPr algn="l" rtl="0" fontAlgn="base"/>
               <a:r>
-                <a:rPr lang="en-US" b="1" i="0" u="sng" dirty="0" err="1">
+                <a:rPr lang="en-US" b="1" i="0" u="sng" dirty="0">
                   <a:solidFill>
                     <a:srgbClr val="000000"/>
                   </a:solidFill>
                   <a:effectLst/>
                   <a:latin typeface="Calibri" panose="020F0502020204030204" pitchFamily="34" charset="0"/>
                 </a:rPr>
-                <a:t>ResourcesManagement</a:t>
+                <a:t>Resources Management</a:t>
               </a:r>
-              <a:endParaRPr lang="en-US" b="1" i="0" u="sng" dirty="0">
-                <a:solidFill>
-                  <a:srgbClr val="000000"/>
-                </a:solidFill>
-                <a:effectLst/>
-                <a:latin typeface="Calibri" panose="020F0502020204030204" pitchFamily="34" charset="0"/>
-              </a:endParaRPr>
             </a:p>
             <a:p>
               <a:r>
@@ -7110,11 +7073,85 @@
                 </a:rPr>
                 <a:t>]]</a:t>
               </a:r>
+            </a:p>
+            <a:p>
+              <a:endParaRPr lang="en-US" sz="1000" i="1" dirty="0">
+                <a:solidFill>
+                  <a:srgbClr val="000000"/>
+                </a:solidFill>
+                <a:ea typeface="+mn-lt"/>
+                <a:cs typeface="+mn-lt"/>
+              </a:endParaRPr>
+            </a:p>
+            <a:p>
+              <a:endParaRPr lang="en-US" sz="1000" i="1" dirty="0">
+                <a:solidFill>
+                  <a:srgbClr val="000000"/>
+                </a:solidFill>
+                <a:ea typeface="+mn-lt"/>
+                <a:cs typeface="+mn-lt"/>
+              </a:endParaRPr>
+            </a:p>
+            <a:p>
+              <a:endParaRPr lang="en-US" sz="1000" i="1" dirty="0">
+                <a:solidFill>
+                  <a:srgbClr val="000000"/>
+                </a:solidFill>
+                <a:ea typeface="+mn-lt"/>
+                <a:cs typeface="+mn-lt"/>
+              </a:endParaRPr>
+            </a:p>
+            <a:p>
+              <a:endParaRPr lang="en-US" sz="1000" i="1" dirty="0">
+                <a:solidFill>
+                  <a:srgbClr val="000000"/>
+                </a:solidFill>
+                <a:ea typeface="+mn-lt"/>
+                <a:cs typeface="+mn-lt"/>
+              </a:endParaRPr>
+            </a:p>
+            <a:p>
+              <a:endParaRPr lang="en-US" sz="1000" i="1" dirty="0">
+                <a:solidFill>
+                  <a:srgbClr val="000000"/>
+                </a:solidFill>
+                <a:ea typeface="+mn-lt"/>
+                <a:cs typeface="+mn-lt"/>
+              </a:endParaRPr>
+            </a:p>
+            <a:p>
+              <a:endParaRPr lang="en-US" sz="1000" i="1" dirty="0">
+                <a:solidFill>
+                  <a:srgbClr val="000000"/>
+                </a:solidFill>
+                <a:ea typeface="+mn-lt"/>
+                <a:cs typeface="+mn-lt"/>
+              </a:endParaRPr>
+            </a:p>
+            <a:p>
+              <a:endParaRPr lang="en-US" sz="1000" i="1" dirty="0">
+                <a:solidFill>
+                  <a:srgbClr val="000000"/>
+                </a:solidFill>
+                <a:ea typeface="+mn-lt"/>
+                <a:cs typeface="+mn-lt"/>
+              </a:endParaRPr>
+            </a:p>
+            <a:p>
+              <a:endParaRPr lang="en-US" sz="1000" i="1" dirty="0">
+                <a:solidFill>
+                  <a:srgbClr val="000000"/>
+                </a:solidFill>
+                <a:ea typeface="+mn-lt"/>
+                <a:cs typeface="+mn-lt"/>
+              </a:endParaRPr>
+            </a:p>
+            <a:p>
               <a:endParaRPr lang="en-US" sz="1000" dirty="0"/>
             </a:p>
           </p:txBody>
         </p:sp>
-        <p:sp>
+        <p:sp useBgFill="1">
           <p:nvSpPr>
             <p:cNvPr id="4" name="WasteManagement">
               <a:extLst>
@@ -7128,13 +7165,18 @@
           </p:nvSpPr>
           <p:spPr>
             <a:xfrm>
-              <a:off x="4581425" y="4919572"/>
-              <a:ext cx="3182678" cy="501924"/>
+              <a:off x="4564149" y="4301106"/>
+              <a:ext cx="3182678" cy="1454066"/>
             </a:xfrm>
             <a:prstGeom prst="rect">
               <a:avLst/>
             </a:prstGeom>
-            <a:noFill/>
+            <a:ln>
+              <a:noFill/>
+            </a:ln>
+            <a:effectLst>
+              <a:softEdge rad="101600"/>
+            </a:effectLst>
           </p:spPr>
           <p:txBody>
             <a:bodyPr wrap="square" lIns="91440" tIns="45720" rIns="91440" bIns="45720" rtlCol="0" anchor="t">
@@ -7144,7 +7186,7 @@
             <a:p>
               <a:pPr algn="l" rtl="0" fontAlgn="base"/>
               <a:r>
-                <a:rPr lang="en-US" sz="1800" b="1" i="0" u="sng" dirty="0" err="1">
+                <a:rPr lang="en-US" sz="1800" b="1" i="0" u="sng" dirty="0">
                   <a:solidFill>
                     <a:srgbClr val="000000"/>
                   </a:solidFill>
@@ -7153,17 +7195,8 @@
                   <a:ea typeface="Calibri"/>
                   <a:cs typeface="Calibri"/>
                 </a:rPr>
-                <a:t>WasteManagement</a:t>
+                <a:t>Waste Management</a:t>
               </a:r>
-              <a:endParaRPr lang="en-US" sz="1800" b="1" i="0" u="sng" dirty="0">
-                <a:solidFill>
-                  <a:srgbClr val="000000"/>
-                </a:solidFill>
-                <a:effectLst/>
-                <a:latin typeface="Calibri"/>
-                <a:ea typeface="Calibri"/>
-                <a:cs typeface="Calibri"/>
-              </a:endParaRPr>
             </a:p>
             <a:p>
               <a:pPr fontAlgn="base"/>
@@ -7197,11 +7230,634 @@
                 </a:rPr>
                 <a:t>]]</a:t>
               </a:r>
+            </a:p>
+            <a:p>
+              <a:pPr fontAlgn="base"/>
+              <a:endParaRPr lang="en-US" sz="1000" i="1" dirty="0">
+                <a:solidFill>
+                  <a:srgbClr val="000000"/>
+                </a:solidFill>
+                <a:ea typeface="+mn-lt"/>
+                <a:cs typeface="+mn-lt"/>
+              </a:endParaRPr>
+            </a:p>
+            <a:p>
+              <a:pPr fontAlgn="base"/>
+              <a:endParaRPr lang="en-US" sz="1000" i="1" dirty="0">
+                <a:solidFill>
+                  <a:srgbClr val="000000"/>
+                </a:solidFill>
+                <a:ea typeface="+mn-lt"/>
+                <a:cs typeface="+mn-lt"/>
+              </a:endParaRPr>
+            </a:p>
+            <a:p>
+              <a:pPr fontAlgn="base"/>
+              <a:endParaRPr lang="en-US" sz="1000" i="1" dirty="0">
+                <a:solidFill>
+                  <a:srgbClr val="000000"/>
+                </a:solidFill>
+                <a:ea typeface="+mn-lt"/>
+                <a:cs typeface="+mn-lt"/>
+              </a:endParaRPr>
+            </a:p>
+            <a:p>
+              <a:pPr fontAlgn="base"/>
+              <a:endParaRPr lang="en-US" sz="1000" i="1" dirty="0">
+                <a:solidFill>
+                  <a:srgbClr val="000000"/>
+                </a:solidFill>
+                <a:ea typeface="+mn-lt"/>
+                <a:cs typeface="+mn-lt"/>
+              </a:endParaRPr>
+            </a:p>
+            <a:p>
+              <a:pPr fontAlgn="base"/>
+              <a:endParaRPr lang="en-US" sz="1000" i="1" dirty="0">
+                <a:solidFill>
+                  <a:srgbClr val="000000"/>
+                </a:solidFill>
+                <a:ea typeface="+mn-lt"/>
+                <a:cs typeface="+mn-lt"/>
+              </a:endParaRPr>
+            </a:p>
+            <a:p>
+              <a:pPr fontAlgn="base"/>
+              <a:endParaRPr lang="en-US" sz="1000" i="1" dirty="0">
+                <a:solidFill>
+                  <a:srgbClr val="000000"/>
+                </a:solidFill>
+                <a:ea typeface="+mn-lt"/>
+                <a:cs typeface="+mn-lt"/>
+              </a:endParaRPr>
+            </a:p>
+            <a:p>
+              <a:pPr fontAlgn="base"/>
+              <a:endParaRPr lang="en-US" sz="1000" i="1" dirty="0">
+                <a:solidFill>
+                  <a:srgbClr val="000000"/>
+                </a:solidFill>
+                <a:ea typeface="+mn-lt"/>
+                <a:cs typeface="+mn-lt"/>
+              </a:endParaRPr>
+            </a:p>
+            <a:p>
+              <a:pPr fontAlgn="base"/>
               <a:endParaRPr lang="en-US" sz="1000" dirty="0"/>
             </a:p>
           </p:txBody>
         </p:sp>
       </p:grpSp>
+      <p:pic>
+        <p:nvPicPr>
+          <p:cNvPr id="6" name="Bildobjekt 5" descr="En bild som visar Teckensnitt, Grafik, skärmbild, logotyp&#10;&#10;Automatiskt genererad beskrivning">
+            <a:extLst>
+              <a:ext uri="{FF2B5EF4-FFF2-40B4-BE49-F238E27FC236}">
+                <a16:creationId xmlns:a16="http://schemas.microsoft.com/office/drawing/2014/main" id="{0670D2A7-3AD0-20A2-745E-4D2A77C43EAE}"/>
+              </a:ext>
+            </a:extLst>
+          </p:cNvPr>
+          <p:cNvPicPr>
+            <a:picLocks noChangeAspect="1"/>
+          </p:cNvPicPr>
+          <p:nvPr/>
+        </p:nvPicPr>
+        <p:blipFill>
+          <a:blip r:embed="rId4"/>
+          <a:stretch>
+            <a:fillRect/>
+          </a:stretch>
+        </p:blipFill>
+        <p:spPr>
+          <a:xfrm>
+            <a:off x="10325100" y="5470359"/>
+            <a:ext cx="2009775" cy="1994232"/>
+          </a:xfrm>
+          <a:prstGeom prst="rect">
+            <a:avLst/>
+          </a:prstGeom>
+        </p:spPr>
+      </p:pic>
+      <p:sp>
+        <p:nvSpPr>
+          <p:cNvPr id="9" name="Freeform 2">
+            <a:extLst>
+              <a:ext uri="{FF2B5EF4-FFF2-40B4-BE49-F238E27FC236}">
+                <a16:creationId xmlns:a16="http://schemas.microsoft.com/office/drawing/2014/main" id="{8F294A64-B1A1-9A1B-36DB-06A66A1B999A}"/>
+              </a:ext>
+            </a:extLst>
+          </p:cNvPr>
+          <p:cNvSpPr/>
+          <p:nvPr/>
+        </p:nvSpPr>
+        <p:spPr>
+          <a:xfrm>
+            <a:off x="2015402" y="683523"/>
+            <a:ext cx="368140" cy="237758"/>
+          </a:xfrm>
+          <a:custGeom>
+            <a:avLst/>
+            <a:gdLst/>
+            <a:ahLst/>
+            <a:cxnLst/>
+            <a:rect l="l" t="t" r="r" b="b"/>
+            <a:pathLst>
+              <a:path w="3524773" h="3031305">
+                <a:moveTo>
+                  <a:pt x="0" y="0"/>
+                </a:moveTo>
+                <a:lnTo>
+                  <a:pt x="3524772" y="0"/>
+                </a:lnTo>
+                <a:lnTo>
+                  <a:pt x="3524772" y="3031304"/>
+                </a:lnTo>
+                <a:lnTo>
+                  <a:pt x="0" y="3031304"/>
+                </a:lnTo>
+                <a:lnTo>
+                  <a:pt x="0" y="0"/>
+                </a:lnTo>
+                <a:close/>
+              </a:path>
+            </a:pathLst>
+          </a:custGeom>
+          <a:blipFill>
+            <a:blip r:embed="rId5">
+              <a:extLst>
+                <a:ext uri="{96DAC541-7B7A-43D3-8B79-37D633B846F1}">
+                  <asvg:svgBlip xmlns:asvg="http://schemas.microsoft.com/office/drawing/2016/SVG/main" r:embed="rId6"/>
+                </a:ext>
+              </a:extLst>
+            </a:blip>
+            <a:stretch>
+              <a:fillRect/>
+            </a:stretch>
+          </a:blipFill>
+        </p:spPr>
+        <p:txBody>
+          <a:bodyPr/>
+          <a:lstStyle/>
+          <a:p>
+            <a:endParaRPr lang="en-US"/>
+          </a:p>
+        </p:txBody>
+      </p:sp>
+      <p:sp>
+        <p:nvSpPr>
+          <p:cNvPr id="12" name="Freeform 8">
+            <a:extLst>
+              <a:ext uri="{FF2B5EF4-FFF2-40B4-BE49-F238E27FC236}">
+                <a16:creationId xmlns:a16="http://schemas.microsoft.com/office/drawing/2014/main" id="{8D0594B4-CC52-ED92-5CEB-051112870036}"/>
+              </a:ext>
+            </a:extLst>
+          </p:cNvPr>
+          <p:cNvSpPr/>
+          <p:nvPr/>
+        </p:nvSpPr>
+        <p:spPr>
+          <a:xfrm>
+            <a:off x="6225515" y="776903"/>
+            <a:ext cx="390248" cy="361354"/>
+          </a:xfrm>
+          <a:custGeom>
+            <a:avLst/>
+            <a:gdLst/>
+            <a:ahLst/>
+            <a:cxnLst/>
+            <a:rect l="l" t="t" r="r" b="b"/>
+            <a:pathLst>
+              <a:path w="3335347" h="3097704">
+                <a:moveTo>
+                  <a:pt x="0" y="0"/>
+                </a:moveTo>
+                <a:lnTo>
+                  <a:pt x="3335347" y="0"/>
+                </a:lnTo>
+                <a:lnTo>
+                  <a:pt x="3335347" y="3097704"/>
+                </a:lnTo>
+                <a:lnTo>
+                  <a:pt x="0" y="3097704"/>
+                </a:lnTo>
+                <a:lnTo>
+                  <a:pt x="0" y="0"/>
+                </a:lnTo>
+                <a:close/>
+              </a:path>
+            </a:pathLst>
+          </a:custGeom>
+          <a:blipFill>
+            <a:blip r:embed="rId7">
+              <a:extLst>
+                <a:ext uri="{96DAC541-7B7A-43D3-8B79-37D633B846F1}">
+                  <asvg:svgBlip xmlns:asvg="http://schemas.microsoft.com/office/drawing/2016/SVG/main" r:embed="rId8"/>
+                </a:ext>
+              </a:extLst>
+            </a:blip>
+            <a:stretch>
+              <a:fillRect/>
+            </a:stretch>
+          </a:blipFill>
+        </p:spPr>
+        <p:txBody>
+          <a:bodyPr/>
+          <a:lstStyle/>
+          <a:p>
+            <a:endParaRPr lang="en-US"/>
+          </a:p>
+        </p:txBody>
+      </p:sp>
+      <p:sp>
+        <p:nvSpPr>
+          <p:cNvPr id="13" name="Freeform 7">
+            <a:extLst>
+              <a:ext uri="{FF2B5EF4-FFF2-40B4-BE49-F238E27FC236}">
+                <a16:creationId xmlns:a16="http://schemas.microsoft.com/office/drawing/2014/main" id="{F5A273CF-DD2A-D9A0-3255-73EBE7E775B8}"/>
+              </a:ext>
+            </a:extLst>
+          </p:cNvPr>
+          <p:cNvSpPr/>
+          <p:nvPr/>
+        </p:nvSpPr>
+        <p:spPr>
+          <a:xfrm>
+            <a:off x="5794847" y="4965495"/>
+            <a:ext cx="334238" cy="300188"/>
+          </a:xfrm>
+          <a:custGeom>
+            <a:avLst/>
+            <a:gdLst/>
+            <a:ahLst/>
+            <a:cxnLst/>
+            <a:rect l="l" t="t" r="r" b="b"/>
+            <a:pathLst>
+              <a:path w="2393951" h="2340087">
+                <a:moveTo>
+                  <a:pt x="0" y="0"/>
+                </a:moveTo>
+                <a:lnTo>
+                  <a:pt x="2393951" y="0"/>
+                </a:lnTo>
+                <a:lnTo>
+                  <a:pt x="2393951" y="2340087"/>
+                </a:lnTo>
+                <a:lnTo>
+                  <a:pt x="0" y="2340087"/>
+                </a:lnTo>
+                <a:lnTo>
+                  <a:pt x="0" y="0"/>
+                </a:lnTo>
+                <a:close/>
+              </a:path>
+            </a:pathLst>
+          </a:custGeom>
+          <a:blipFill>
+            <a:blip r:embed="rId9">
+              <a:extLst>
+                <a:ext uri="{96DAC541-7B7A-43D3-8B79-37D633B846F1}">
+                  <asvg:svgBlip xmlns:asvg="http://schemas.microsoft.com/office/drawing/2016/SVG/main" r:embed="rId10"/>
+                </a:ext>
+              </a:extLst>
+            </a:blip>
+            <a:stretch>
+              <a:fillRect/>
+            </a:stretch>
+          </a:blipFill>
+        </p:spPr>
+        <p:txBody>
+          <a:bodyPr/>
+          <a:lstStyle/>
+          <a:p>
+            <a:endParaRPr lang="en-US" dirty="0"/>
+          </a:p>
+        </p:txBody>
+      </p:sp>
+      <p:sp>
+        <p:nvSpPr>
+          <p:cNvPr id="14" name="Freeform 10">
+            <a:extLst>
+              <a:ext uri="{FF2B5EF4-FFF2-40B4-BE49-F238E27FC236}">
+                <a16:creationId xmlns:a16="http://schemas.microsoft.com/office/drawing/2014/main" id="{2EB4DA69-C8C8-16AA-AD39-89E4FB7FE929}"/>
+              </a:ext>
+            </a:extLst>
+          </p:cNvPr>
+          <p:cNvSpPr/>
+          <p:nvPr/>
+        </p:nvSpPr>
+        <p:spPr>
+          <a:xfrm>
+            <a:off x="380810" y="898937"/>
+            <a:ext cx="387014" cy="406042"/>
+          </a:xfrm>
+          <a:custGeom>
+            <a:avLst/>
+            <a:gdLst/>
+            <a:ahLst/>
+            <a:cxnLst/>
+            <a:rect l="l" t="t" r="r" b="b"/>
+            <a:pathLst>
+              <a:path w="2473592" h="2884655">
+                <a:moveTo>
+                  <a:pt x="0" y="0"/>
+                </a:moveTo>
+                <a:lnTo>
+                  <a:pt x="2473592" y="0"/>
+                </a:lnTo>
+                <a:lnTo>
+                  <a:pt x="2473592" y="2884656"/>
+                </a:lnTo>
+                <a:lnTo>
+                  <a:pt x="0" y="2884656"/>
+                </a:lnTo>
+                <a:lnTo>
+                  <a:pt x="0" y="0"/>
+                </a:lnTo>
+                <a:close/>
+              </a:path>
+            </a:pathLst>
+          </a:custGeom>
+          <a:blipFill>
+            <a:blip r:embed="rId11">
+              <a:extLst>
+                <a:ext uri="{96DAC541-7B7A-43D3-8B79-37D633B846F1}">
+                  <asvg:svgBlip xmlns:asvg="http://schemas.microsoft.com/office/drawing/2016/SVG/main" r:embed="rId12"/>
+                </a:ext>
+              </a:extLst>
+            </a:blip>
+            <a:stretch>
+              <a:fillRect/>
+            </a:stretch>
+          </a:blipFill>
+        </p:spPr>
+        <p:txBody>
+          <a:bodyPr/>
+          <a:lstStyle/>
+          <a:p>
+            <a:endParaRPr lang="en-US"/>
+          </a:p>
+        </p:txBody>
+      </p:sp>
+      <p:sp>
+        <p:nvSpPr>
+          <p:cNvPr id="15" name="Freeform 6">
+            <a:extLst>
+              <a:ext uri="{FF2B5EF4-FFF2-40B4-BE49-F238E27FC236}">
+                <a16:creationId xmlns:a16="http://schemas.microsoft.com/office/drawing/2014/main" id="{8CB482CB-3AC1-1AAB-2BDB-48CF160328A6}"/>
+              </a:ext>
+            </a:extLst>
+          </p:cNvPr>
+          <p:cNvSpPr/>
+          <p:nvPr/>
+        </p:nvSpPr>
+        <p:spPr>
+          <a:xfrm>
+            <a:off x="11326540" y="525507"/>
+            <a:ext cx="475521" cy="373430"/>
+          </a:xfrm>
+          <a:custGeom>
+            <a:avLst/>
+            <a:gdLst/>
+            <a:ahLst/>
+            <a:cxnLst/>
+            <a:rect l="l" t="t" r="r" b="b"/>
+            <a:pathLst>
+              <a:path w="4139027" h="3869990">
+                <a:moveTo>
+                  <a:pt x="0" y="0"/>
+                </a:moveTo>
+                <a:lnTo>
+                  <a:pt x="4139027" y="0"/>
+                </a:lnTo>
+                <a:lnTo>
+                  <a:pt x="4139027" y="3869990"/>
+                </a:lnTo>
+                <a:lnTo>
+                  <a:pt x="0" y="3869990"/>
+                </a:lnTo>
+                <a:lnTo>
+                  <a:pt x="0" y="0"/>
+                </a:lnTo>
+                <a:close/>
+              </a:path>
+            </a:pathLst>
+          </a:custGeom>
+          <a:blipFill>
+            <a:blip r:embed="rId13">
+              <a:extLst>
+                <a:ext uri="{96DAC541-7B7A-43D3-8B79-37D633B846F1}">
+                  <asvg:svgBlip xmlns:asvg="http://schemas.microsoft.com/office/drawing/2016/SVG/main" r:embed="rId14"/>
+                </a:ext>
+              </a:extLst>
+            </a:blip>
+            <a:stretch>
+              <a:fillRect/>
+            </a:stretch>
+          </a:blipFill>
+        </p:spPr>
+        <p:txBody>
+          <a:bodyPr/>
+          <a:lstStyle/>
+          <a:p>
+            <a:endParaRPr lang="en-US"/>
+          </a:p>
+        </p:txBody>
+      </p:sp>
+      <p:sp>
+        <p:nvSpPr>
+          <p:cNvPr id="16" name="Freeform 4">
+            <a:extLst>
+              <a:ext uri="{FF2B5EF4-FFF2-40B4-BE49-F238E27FC236}">
+                <a16:creationId xmlns:a16="http://schemas.microsoft.com/office/drawing/2014/main" id="{AE52A94C-3AFC-2E7D-DADB-1BAC0282E023}"/>
+              </a:ext>
+            </a:extLst>
+          </p:cNvPr>
+          <p:cNvSpPr/>
+          <p:nvPr/>
+        </p:nvSpPr>
+        <p:spPr>
+          <a:xfrm>
+            <a:off x="2828395" y="2991847"/>
+            <a:ext cx="380471" cy="372775"/>
+          </a:xfrm>
+          <a:custGeom>
+            <a:avLst/>
+            <a:gdLst/>
+            <a:ahLst/>
+            <a:cxnLst/>
+            <a:rect l="l" t="t" r="r" b="b"/>
+            <a:pathLst>
+              <a:path w="4114800" h="4114800">
+                <a:moveTo>
+                  <a:pt x="0" y="0"/>
+                </a:moveTo>
+                <a:lnTo>
+                  <a:pt x="4114800" y="0"/>
+                </a:lnTo>
+                <a:lnTo>
+                  <a:pt x="4114800" y="4114800"/>
+                </a:lnTo>
+                <a:lnTo>
+                  <a:pt x="0" y="4114800"/>
+                </a:lnTo>
+                <a:lnTo>
+                  <a:pt x="0" y="0"/>
+                </a:lnTo>
+                <a:close/>
+              </a:path>
+            </a:pathLst>
+          </a:custGeom>
+          <a:blipFill>
+            <a:blip r:embed="rId15">
+              <a:extLst>
+                <a:ext uri="{96DAC541-7B7A-43D3-8B79-37D633B846F1}">
+                  <asvg:svgBlip xmlns:asvg="http://schemas.microsoft.com/office/drawing/2016/SVG/main" r:embed="rId16"/>
+                </a:ext>
+              </a:extLst>
+            </a:blip>
+            <a:stretch>
+              <a:fillRect/>
+            </a:stretch>
+          </a:blipFill>
+        </p:spPr>
+        <p:txBody>
+          <a:bodyPr/>
+          <a:lstStyle/>
+          <a:p>
+            <a:endParaRPr lang="en-US"/>
+          </a:p>
+        </p:txBody>
+      </p:sp>
+      <p:sp>
+        <p:nvSpPr>
+          <p:cNvPr id="24" name="Freeform 9">
+            <a:extLst>
+              <a:ext uri="{FF2B5EF4-FFF2-40B4-BE49-F238E27FC236}">
+                <a16:creationId xmlns:a16="http://schemas.microsoft.com/office/drawing/2014/main" id="{A2DD05C4-5732-82BB-E68B-43CC297D2D69}"/>
+              </a:ext>
+            </a:extLst>
+          </p:cNvPr>
+          <p:cNvSpPr/>
+          <p:nvPr/>
+        </p:nvSpPr>
+        <p:spPr>
+          <a:xfrm>
+            <a:off x="6268228" y="2944678"/>
+            <a:ext cx="401112" cy="365312"/>
+          </a:xfrm>
+          <a:custGeom>
+            <a:avLst/>
+            <a:gdLst/>
+            <a:ahLst/>
+            <a:cxnLst/>
+            <a:rect l="l" t="t" r="r" b="b"/>
+            <a:pathLst>
+              <a:path w="2587925" h="2587925">
+                <a:moveTo>
+                  <a:pt x="0" y="0"/>
+                </a:moveTo>
+                <a:lnTo>
+                  <a:pt x="2587925" y="0"/>
+                </a:lnTo>
+                <a:lnTo>
+                  <a:pt x="2587925" y="2587925"/>
+                </a:lnTo>
+                <a:lnTo>
+                  <a:pt x="0" y="2587925"/>
+                </a:lnTo>
+                <a:lnTo>
+                  <a:pt x="0" y="0"/>
+                </a:lnTo>
+                <a:close/>
+              </a:path>
+            </a:pathLst>
+          </a:custGeom>
+          <a:blipFill>
+            <a:blip r:embed="rId17">
+              <a:extLst>
+                <a:ext uri="{96DAC541-7B7A-43D3-8B79-37D633B846F1}">
+                  <asvg:svgBlip xmlns:asvg="http://schemas.microsoft.com/office/drawing/2016/SVG/main" r:embed="rId18"/>
+                </a:ext>
+              </a:extLst>
+            </a:blip>
+            <a:stretch>
+              <a:fillRect/>
+            </a:stretch>
+          </a:blipFill>
+        </p:spPr>
+        <p:txBody>
+          <a:bodyPr/>
+          <a:lstStyle/>
+          <a:p>
+            <a:endParaRPr lang="en-US"/>
+          </a:p>
+        </p:txBody>
+      </p:sp>
+      <p:sp>
+        <p:nvSpPr>
+          <p:cNvPr id="26" name="Freeform 3">
+            <a:extLst>
+              <a:ext uri="{FF2B5EF4-FFF2-40B4-BE49-F238E27FC236}">
+                <a16:creationId xmlns:a16="http://schemas.microsoft.com/office/drawing/2014/main" id="{AA53E58F-4733-BB51-CAEC-C7D1647E6E1D}"/>
+              </a:ext>
+            </a:extLst>
+          </p:cNvPr>
+          <p:cNvSpPr/>
+          <p:nvPr/>
+        </p:nvSpPr>
+        <p:spPr>
+          <a:xfrm>
+            <a:off x="8450986" y="507593"/>
+            <a:ext cx="365909" cy="369332"/>
+          </a:xfrm>
+          <a:custGeom>
+            <a:avLst/>
+            <a:gdLst/>
+            <a:ahLst/>
+            <a:cxnLst/>
+            <a:rect l="l" t="t" r="r" b="b"/>
+            <a:pathLst>
+              <a:path w="3294425" h="3294425">
+                <a:moveTo>
+                  <a:pt x="0" y="0"/>
+                </a:moveTo>
+                <a:lnTo>
+                  <a:pt x="3294426" y="0"/>
+                </a:lnTo>
+                <a:lnTo>
+                  <a:pt x="3294426" y="3294425"/>
+                </a:lnTo>
+                <a:lnTo>
+                  <a:pt x="0" y="3294425"/>
+                </a:lnTo>
+                <a:lnTo>
+                  <a:pt x="0" y="0"/>
+                </a:lnTo>
+                <a:close/>
+              </a:path>
+            </a:pathLst>
+          </a:custGeom>
+          <a:blipFill>
+            <a:blip r:embed="rId19">
+              <a:extLst>
+                <a:ext uri="{96DAC541-7B7A-43D3-8B79-37D633B846F1}">
+                  <asvg:svgBlip xmlns:asvg="http://schemas.microsoft.com/office/drawing/2016/SVG/main" r:embed="rId20"/>
+                </a:ext>
+              </a:extLst>
+            </a:blip>
+            <a:stretch>
+              <a:fillRect/>
+            </a:stretch>
+          </a:blipFill>
+        </p:spPr>
+        <p:txBody>
+          <a:bodyPr/>
+          <a:lstStyle/>
+          <a:p>
+            <a:endParaRPr lang="en-US" dirty="0"/>
+          </a:p>
+        </p:txBody>
+      </p:sp>
     </p:spTree>
     <p:extLst>
       <p:ext uri="{BB962C8B-B14F-4D97-AF65-F5344CB8AC3E}">
@@ -7806,6 +8462,15 @@
 </file>
 
 <file path=customXml/item1.xml><?xml version="1.0" encoding="utf-8"?>
+<?mso-contentType ?>
+<FormTemplates xmlns="http://schemas.microsoft.com/sharepoint/v3/contenttype/forms">
+  <Display>DocumentLibraryForm</Display>
+  <Edit>DocumentLibraryForm</Edit>
+  <New>DocumentLibraryForm</New>
+</FormTemplates>
+</file>
+
+<file path=customXml/item2.xml><?xml version="1.0" encoding="utf-8"?>
 <p:properties xmlns:p="http://schemas.microsoft.com/office/2006/metadata/properties" xmlns:xsi="http://www.w3.org/2001/XMLSchema-instance" xmlns:pc="http://schemas.microsoft.com/office/infopath/2007/PartnerControls">
   <documentManagement>
     <TaxCatchAll xmlns="fa0e144d-b21d-458c-9998-1dd40bb68d67" xsi:nil="true"/>
@@ -7814,15 +8479,6 @@
     </lcf76f155ced4ddcb4097134ff3c332f>
   </documentManagement>
 </p:properties>
-</file>
-
-<file path=customXml/item2.xml><?xml version="1.0" encoding="utf-8"?>
-<?mso-contentType ?>
-<FormTemplates xmlns="http://schemas.microsoft.com/sharepoint/v3/contenttype/forms">
-  <Display>DocumentLibraryForm</Display>
-  <Edit>DocumentLibraryForm</Edit>
-  <New>DocumentLibraryForm</New>
-</FormTemplates>
 </file>
 
 <file path=customXml/item3.xml><?xml version="1.0" encoding="utf-8"?>
@@ -8009,6 +8665,14 @@
 </file>
 
 <file path=customXml/itemProps1.xml><?xml version="1.0" encoding="utf-8"?>
+<ds:datastoreItem xmlns:ds="http://schemas.openxmlformats.org/officeDocument/2006/customXml" ds:itemID="{A5D5FD53-76C5-4FB4-A052-D68EA4C12473}">
+  <ds:schemaRefs>
+    <ds:schemaRef ds:uri="http://schemas.microsoft.com/sharepoint/v3/contenttype/forms"/>
+  </ds:schemaRefs>
+</ds:datastoreItem>
+</file>
+
+<file path=customXml/itemProps2.xml><?xml version="1.0" encoding="utf-8"?>
 <ds:datastoreItem xmlns:ds="http://schemas.openxmlformats.org/officeDocument/2006/customXml" ds:itemID="{8CA72921-643F-4F23-9371-405429FFA248}">
   <ds:schemaRefs>
     <ds:schemaRef ds:uri="08f65f34-dad4-417d-8d65-05140976dab1"/>
@@ -8021,14 +8685,6 @@
     <ds:schemaRef ds:uri="http://schemas.microsoft.com/office/infopath/2007/PartnerControls"/>
     <ds:schemaRef ds:uri="http://schemas.openxmlformats.org/package/2006/metadata/core-properties"/>
     <ds:schemaRef ds:uri="http://www.w3.org/XML/1998/namespace"/>
-  </ds:schemaRefs>
-</ds:datastoreItem>
-</file>
-
-<file path=customXml/itemProps2.xml><?xml version="1.0" encoding="utf-8"?>
-<ds:datastoreItem xmlns:ds="http://schemas.openxmlformats.org/officeDocument/2006/customXml" ds:itemID="{A5D5FD53-76C5-4FB4-A052-D68EA4C12473}">
-  <ds:schemaRefs>
-    <ds:schemaRef ds:uri="http://schemas.microsoft.com/sharepoint/v3/contenttype/forms"/>
   </ds:schemaRefs>
 </ds:datastoreItem>
 </file>
